--- a/presentation/defense.pptx
+++ b/presentation/defense.pptx
@@ -4,6 +4,9 @@
   <p:sldMasterIdLst>
     <p:sldMasterId id="2147483660" r:id="rId1"/>
   </p:sldMasterIdLst>
+  <p:notesMasterIdLst>
+    <p:notesMasterId r:id="rId39"/>
+  </p:notesMasterIdLst>
   <p:sldIdLst>
     <p:sldId id="256" r:id="rId2"/>
     <p:sldId id="257" r:id="rId3"/>
@@ -14,22 +17,34 @@
     <p:sldId id="267" r:id="rId8"/>
     <p:sldId id="270" r:id="rId9"/>
     <p:sldId id="268" r:id="rId10"/>
-    <p:sldId id="258" r:id="rId11"/>
-    <p:sldId id="272" r:id="rId12"/>
-    <p:sldId id="273" r:id="rId13"/>
-    <p:sldId id="274" r:id="rId14"/>
-    <p:sldId id="275" r:id="rId15"/>
-    <p:sldId id="271" r:id="rId16"/>
-    <p:sldId id="259" r:id="rId17"/>
-    <p:sldId id="276" r:id="rId18"/>
-    <p:sldId id="277" r:id="rId19"/>
-    <p:sldId id="279" r:id="rId20"/>
-    <p:sldId id="280" r:id="rId21"/>
-    <p:sldId id="281" r:id="rId22"/>
-    <p:sldId id="278" r:id="rId23"/>
-    <p:sldId id="282" r:id="rId24"/>
-    <p:sldId id="283" r:id="rId25"/>
-    <p:sldId id="260" r:id="rId26"/>
+    <p:sldId id="293" r:id="rId11"/>
+    <p:sldId id="258" r:id="rId12"/>
+    <p:sldId id="272" r:id="rId13"/>
+    <p:sldId id="273" r:id="rId14"/>
+    <p:sldId id="274" r:id="rId15"/>
+    <p:sldId id="275" r:id="rId16"/>
+    <p:sldId id="271" r:id="rId17"/>
+    <p:sldId id="291" r:id="rId18"/>
+    <p:sldId id="294" r:id="rId19"/>
+    <p:sldId id="259" r:id="rId20"/>
+    <p:sldId id="292" r:id="rId21"/>
+    <p:sldId id="276" r:id="rId22"/>
+    <p:sldId id="277" r:id="rId23"/>
+    <p:sldId id="279" r:id="rId24"/>
+    <p:sldId id="280" r:id="rId25"/>
+    <p:sldId id="281" r:id="rId26"/>
+    <p:sldId id="278" r:id="rId27"/>
+    <p:sldId id="282" r:id="rId28"/>
+    <p:sldId id="283" r:id="rId29"/>
+    <p:sldId id="284" r:id="rId30"/>
+    <p:sldId id="295" r:id="rId31"/>
+    <p:sldId id="260" r:id="rId32"/>
+    <p:sldId id="285" r:id="rId33"/>
+    <p:sldId id="287" r:id="rId34"/>
+    <p:sldId id="286" r:id="rId35"/>
+    <p:sldId id="288" r:id="rId36"/>
+    <p:sldId id="289" r:id="rId37"/>
+    <p:sldId id="290" r:id="rId38"/>
   </p:sldIdLst>
   <p:sldSz cx="12192000" cy="6858000"/>
   <p:notesSz cx="6858000" cy="9144000"/>
@@ -134,6 +149,778 @@
     </p:ext>
   </p:extLst>
 </p:presentation>
+</file>
+
+<file path=ppt/notesMasters/notesMaster1.xml><?xml version="1.0" encoding="utf-8"?>
+<p:notesMaster xmlns:a="http://schemas.openxmlformats.org/drawingml/2006/main" xmlns:r="http://schemas.openxmlformats.org/officeDocument/2006/relationships" xmlns:p="http://schemas.openxmlformats.org/presentationml/2006/main">
+  <p:cSld>
+    <p:bg>
+      <p:bgRef idx="1001">
+        <a:schemeClr val="bg1"/>
+      </p:bgRef>
+    </p:bg>
+    <p:spTree>
+      <p:nvGrpSpPr>
+        <p:cNvPr id="1" name=""/>
+        <p:cNvGrpSpPr/>
+        <p:nvPr/>
+      </p:nvGrpSpPr>
+      <p:grpSpPr>
+        <a:xfrm>
+          <a:off x="0" y="0"/>
+          <a:ext cx="0" cy="0"/>
+          <a:chOff x="0" y="0"/>
+          <a:chExt cx="0" cy="0"/>
+        </a:xfrm>
+      </p:grpSpPr>
+      <p:sp>
+        <p:nvSpPr>
+          <p:cNvPr id="2" name="Header Placeholder 1"/>
+          <p:cNvSpPr>
+            <a:spLocks noGrp="1"/>
+          </p:cNvSpPr>
+          <p:nvPr>
+            <p:ph type="hdr" sz="quarter"/>
+          </p:nvPr>
+        </p:nvSpPr>
+        <p:spPr>
+          <a:xfrm>
+            <a:off x="0" y="0"/>
+            <a:ext cx="2971800" cy="458788"/>
+          </a:xfrm>
+          <a:prstGeom prst="rect">
+            <a:avLst/>
+          </a:prstGeom>
+        </p:spPr>
+        <p:txBody>
+          <a:bodyPr vert="horz" lIns="91440" tIns="45720" rIns="91440" bIns="45720" rtlCol="0"/>
+          <a:lstStyle>
+            <a:lvl1pPr algn="l">
+              <a:defRPr sz="1200"/>
+            </a:lvl1pPr>
+          </a:lstStyle>
+          <a:p>
+            <a:endParaRPr lang="en-US"/>
+          </a:p>
+        </p:txBody>
+      </p:sp>
+      <p:sp>
+        <p:nvSpPr>
+          <p:cNvPr id="3" name="Date Placeholder 2"/>
+          <p:cNvSpPr>
+            <a:spLocks noGrp="1"/>
+          </p:cNvSpPr>
+          <p:nvPr>
+            <p:ph type="dt" idx="1"/>
+          </p:nvPr>
+        </p:nvSpPr>
+        <p:spPr>
+          <a:xfrm>
+            <a:off x="3884613" y="0"/>
+            <a:ext cx="2971800" cy="458788"/>
+          </a:xfrm>
+          <a:prstGeom prst="rect">
+            <a:avLst/>
+          </a:prstGeom>
+        </p:spPr>
+        <p:txBody>
+          <a:bodyPr vert="horz" lIns="91440" tIns="45720" rIns="91440" bIns="45720" rtlCol="0"/>
+          <a:lstStyle>
+            <a:lvl1pPr algn="r">
+              <a:defRPr sz="1200"/>
+            </a:lvl1pPr>
+          </a:lstStyle>
+          <a:p>
+            <a:fld id="{7DC18C99-CB46-B04D-B8A8-68C9E41934EF}" type="datetimeFigureOut">
+              <a:rPr lang="en-US" smtClean="0"/>
+              <a:t>3/20/20</a:t>
+            </a:fld>
+            <a:endParaRPr lang="en-US"/>
+          </a:p>
+        </p:txBody>
+      </p:sp>
+      <p:sp>
+        <p:nvSpPr>
+          <p:cNvPr id="4" name="Slide Image Placeholder 3"/>
+          <p:cNvSpPr>
+            <a:spLocks noGrp="1" noRot="1" noChangeAspect="1"/>
+          </p:cNvSpPr>
+          <p:nvPr>
+            <p:ph type="sldImg" idx="2"/>
+          </p:nvPr>
+        </p:nvSpPr>
+        <p:spPr>
+          <a:xfrm>
+            <a:off x="685800" y="1143000"/>
+            <a:ext cx="5486400" cy="3086100"/>
+          </a:xfrm>
+          <a:prstGeom prst="rect">
+            <a:avLst/>
+          </a:prstGeom>
+          <a:noFill/>
+          <a:ln w="12700">
+            <a:solidFill>
+              <a:prstClr val="black"/>
+            </a:solidFill>
+          </a:ln>
+        </p:spPr>
+        <p:txBody>
+          <a:bodyPr vert="horz" lIns="91440" tIns="45720" rIns="91440" bIns="45720" rtlCol="0" anchor="ctr"/>
+          <a:lstStyle/>
+          <a:p>
+            <a:endParaRPr lang="en-US"/>
+          </a:p>
+        </p:txBody>
+      </p:sp>
+      <p:sp>
+        <p:nvSpPr>
+          <p:cNvPr id="5" name="Notes Placeholder 4"/>
+          <p:cNvSpPr>
+            <a:spLocks noGrp="1"/>
+          </p:cNvSpPr>
+          <p:nvPr>
+            <p:ph type="body" sz="quarter" idx="3"/>
+          </p:nvPr>
+        </p:nvSpPr>
+        <p:spPr>
+          <a:xfrm>
+            <a:off x="685800" y="4400550"/>
+            <a:ext cx="5486400" cy="3600450"/>
+          </a:xfrm>
+          <a:prstGeom prst="rect">
+            <a:avLst/>
+          </a:prstGeom>
+        </p:spPr>
+        <p:txBody>
+          <a:bodyPr vert="horz" lIns="91440" tIns="45720" rIns="91440" bIns="45720" rtlCol="0"/>
+          <a:lstStyle/>
+          <a:p>
+            <a:pPr lvl="0"/>
+            <a:r>
+              <a:rPr lang="en-US"/>
+              <a:t>Edit Master text styles</a:t>
+            </a:r>
+          </a:p>
+          <a:p>
+            <a:pPr lvl="1"/>
+            <a:r>
+              <a:rPr lang="en-US"/>
+              <a:t>Second level</a:t>
+            </a:r>
+          </a:p>
+          <a:p>
+            <a:pPr lvl="2"/>
+            <a:r>
+              <a:rPr lang="en-US"/>
+              <a:t>Third level</a:t>
+            </a:r>
+          </a:p>
+          <a:p>
+            <a:pPr lvl="3"/>
+            <a:r>
+              <a:rPr lang="en-US"/>
+              <a:t>Fourth level</a:t>
+            </a:r>
+          </a:p>
+          <a:p>
+            <a:pPr lvl="4"/>
+            <a:r>
+              <a:rPr lang="en-US"/>
+              <a:t>Fifth level</a:t>
+            </a:r>
+          </a:p>
+        </p:txBody>
+      </p:sp>
+      <p:sp>
+        <p:nvSpPr>
+          <p:cNvPr id="6" name="Footer Placeholder 5"/>
+          <p:cNvSpPr>
+            <a:spLocks noGrp="1"/>
+          </p:cNvSpPr>
+          <p:nvPr>
+            <p:ph type="ftr" sz="quarter" idx="4"/>
+          </p:nvPr>
+        </p:nvSpPr>
+        <p:spPr>
+          <a:xfrm>
+            <a:off x="0" y="8685213"/>
+            <a:ext cx="2971800" cy="458787"/>
+          </a:xfrm>
+          <a:prstGeom prst="rect">
+            <a:avLst/>
+          </a:prstGeom>
+        </p:spPr>
+        <p:txBody>
+          <a:bodyPr vert="horz" lIns="91440" tIns="45720" rIns="91440" bIns="45720" rtlCol="0" anchor="b"/>
+          <a:lstStyle>
+            <a:lvl1pPr algn="l">
+              <a:defRPr sz="1200"/>
+            </a:lvl1pPr>
+          </a:lstStyle>
+          <a:p>
+            <a:endParaRPr lang="en-US"/>
+          </a:p>
+        </p:txBody>
+      </p:sp>
+      <p:sp>
+        <p:nvSpPr>
+          <p:cNvPr id="7" name="Slide Number Placeholder 6"/>
+          <p:cNvSpPr>
+            <a:spLocks noGrp="1"/>
+          </p:cNvSpPr>
+          <p:nvPr>
+            <p:ph type="sldNum" sz="quarter" idx="5"/>
+          </p:nvPr>
+        </p:nvSpPr>
+        <p:spPr>
+          <a:xfrm>
+            <a:off x="3884613" y="8685213"/>
+            <a:ext cx="2971800" cy="458787"/>
+          </a:xfrm>
+          <a:prstGeom prst="rect">
+            <a:avLst/>
+          </a:prstGeom>
+        </p:spPr>
+        <p:txBody>
+          <a:bodyPr vert="horz" lIns="91440" tIns="45720" rIns="91440" bIns="45720" rtlCol="0" anchor="b"/>
+          <a:lstStyle>
+            <a:lvl1pPr algn="r">
+              <a:defRPr sz="1200"/>
+            </a:lvl1pPr>
+          </a:lstStyle>
+          <a:p>
+            <a:fld id="{72A7C4A3-ED83-1747-BF0D-21535B635744}" type="slidenum">
+              <a:rPr lang="en-US" smtClean="0"/>
+              <a:t>‹#›</a:t>
+            </a:fld>
+            <a:endParaRPr lang="en-US"/>
+          </a:p>
+        </p:txBody>
+      </p:sp>
+    </p:spTree>
+    <p:extLst>
+      <p:ext uri="{BB962C8B-B14F-4D97-AF65-F5344CB8AC3E}">
+        <p14:creationId xmlns:p14="http://schemas.microsoft.com/office/powerpoint/2010/main" val="132933639"/>
+      </p:ext>
+    </p:extLst>
+  </p:cSld>
+  <p:clrMap bg1="lt1" tx1="dk1" bg2="lt2" tx2="dk2" accent1="accent1" accent2="accent2" accent3="accent3" accent4="accent4" accent5="accent5" accent6="accent6" hlink="hlink" folHlink="folHlink"/>
+  <p:notesStyle>
+    <a:lvl1pPr marL="0" algn="l" defTabSz="914400" rtl="0" eaLnBrk="1" latinLnBrk="0" hangingPunct="1">
+      <a:defRPr sz="1200" kern="1200">
+        <a:solidFill>
+          <a:schemeClr val="tx1"/>
+        </a:solidFill>
+        <a:latin typeface="+mn-lt"/>
+        <a:ea typeface="+mn-ea"/>
+        <a:cs typeface="+mn-cs"/>
+      </a:defRPr>
+    </a:lvl1pPr>
+    <a:lvl2pPr marL="457200" algn="l" defTabSz="914400" rtl="0" eaLnBrk="1" latinLnBrk="0" hangingPunct="1">
+      <a:defRPr sz="1200" kern="1200">
+        <a:solidFill>
+          <a:schemeClr val="tx1"/>
+        </a:solidFill>
+        <a:latin typeface="+mn-lt"/>
+        <a:ea typeface="+mn-ea"/>
+        <a:cs typeface="+mn-cs"/>
+      </a:defRPr>
+    </a:lvl2pPr>
+    <a:lvl3pPr marL="914400" algn="l" defTabSz="914400" rtl="0" eaLnBrk="1" latinLnBrk="0" hangingPunct="1">
+      <a:defRPr sz="1200" kern="1200">
+        <a:solidFill>
+          <a:schemeClr val="tx1"/>
+        </a:solidFill>
+        <a:latin typeface="+mn-lt"/>
+        <a:ea typeface="+mn-ea"/>
+        <a:cs typeface="+mn-cs"/>
+      </a:defRPr>
+    </a:lvl3pPr>
+    <a:lvl4pPr marL="1371600" algn="l" defTabSz="914400" rtl="0" eaLnBrk="1" latinLnBrk="0" hangingPunct="1">
+      <a:defRPr sz="1200" kern="1200">
+        <a:solidFill>
+          <a:schemeClr val="tx1"/>
+        </a:solidFill>
+        <a:latin typeface="+mn-lt"/>
+        <a:ea typeface="+mn-ea"/>
+        <a:cs typeface="+mn-cs"/>
+      </a:defRPr>
+    </a:lvl4pPr>
+    <a:lvl5pPr marL="1828800" algn="l" defTabSz="914400" rtl="0" eaLnBrk="1" latinLnBrk="0" hangingPunct="1">
+      <a:defRPr sz="1200" kern="1200">
+        <a:solidFill>
+          <a:schemeClr val="tx1"/>
+        </a:solidFill>
+        <a:latin typeface="+mn-lt"/>
+        <a:ea typeface="+mn-ea"/>
+        <a:cs typeface="+mn-cs"/>
+      </a:defRPr>
+    </a:lvl5pPr>
+    <a:lvl6pPr marL="2286000" algn="l" defTabSz="914400" rtl="0" eaLnBrk="1" latinLnBrk="0" hangingPunct="1">
+      <a:defRPr sz="1200" kern="1200">
+        <a:solidFill>
+          <a:schemeClr val="tx1"/>
+        </a:solidFill>
+        <a:latin typeface="+mn-lt"/>
+        <a:ea typeface="+mn-ea"/>
+        <a:cs typeface="+mn-cs"/>
+      </a:defRPr>
+    </a:lvl6pPr>
+    <a:lvl7pPr marL="2743200" algn="l" defTabSz="914400" rtl="0" eaLnBrk="1" latinLnBrk="0" hangingPunct="1">
+      <a:defRPr sz="1200" kern="1200">
+        <a:solidFill>
+          <a:schemeClr val="tx1"/>
+        </a:solidFill>
+        <a:latin typeface="+mn-lt"/>
+        <a:ea typeface="+mn-ea"/>
+        <a:cs typeface="+mn-cs"/>
+      </a:defRPr>
+    </a:lvl7pPr>
+    <a:lvl8pPr marL="3200400" algn="l" defTabSz="914400" rtl="0" eaLnBrk="1" latinLnBrk="0" hangingPunct="1">
+      <a:defRPr sz="1200" kern="1200">
+        <a:solidFill>
+          <a:schemeClr val="tx1"/>
+        </a:solidFill>
+        <a:latin typeface="+mn-lt"/>
+        <a:ea typeface="+mn-ea"/>
+        <a:cs typeface="+mn-cs"/>
+      </a:defRPr>
+    </a:lvl8pPr>
+    <a:lvl9pPr marL="3657600" algn="l" defTabSz="914400" rtl="0" eaLnBrk="1" latinLnBrk="0" hangingPunct="1">
+      <a:defRPr sz="1200" kern="1200">
+        <a:solidFill>
+          <a:schemeClr val="tx1"/>
+        </a:solidFill>
+        <a:latin typeface="+mn-lt"/>
+        <a:ea typeface="+mn-ea"/>
+        <a:cs typeface="+mn-cs"/>
+      </a:defRPr>
+    </a:lvl9pPr>
+  </p:notesStyle>
+</p:notesMaster>
+</file>
+
+<file path=ppt/notesSlides/notesSlide1.xml><?xml version="1.0" encoding="utf-8"?>
+<p:notes xmlns:a="http://schemas.openxmlformats.org/drawingml/2006/main" xmlns:r="http://schemas.openxmlformats.org/officeDocument/2006/relationships" xmlns:p="http://schemas.openxmlformats.org/presentationml/2006/main">
+  <p:cSld>
+    <p:spTree>
+      <p:nvGrpSpPr>
+        <p:cNvPr id="1" name=""/>
+        <p:cNvGrpSpPr/>
+        <p:nvPr/>
+      </p:nvGrpSpPr>
+      <p:grpSpPr>
+        <a:xfrm>
+          <a:off x="0" y="0"/>
+          <a:ext cx="0" cy="0"/>
+          <a:chOff x="0" y="0"/>
+          <a:chExt cx="0" cy="0"/>
+        </a:xfrm>
+      </p:grpSpPr>
+      <p:sp>
+        <p:nvSpPr>
+          <p:cNvPr id="2" name="Slide Image Placeholder 1"/>
+          <p:cNvSpPr>
+            <a:spLocks noGrp="1" noRot="1" noChangeAspect="1"/>
+          </p:cNvSpPr>
+          <p:nvPr>
+            <p:ph type="sldImg"/>
+          </p:nvPr>
+        </p:nvSpPr>
+        <p:spPr/>
+      </p:sp>
+      <p:sp>
+        <p:nvSpPr>
+          <p:cNvPr id="3" name="Notes Placeholder 2"/>
+          <p:cNvSpPr>
+            <a:spLocks noGrp="1"/>
+          </p:cNvSpPr>
+          <p:nvPr>
+            <p:ph type="body" idx="1"/>
+          </p:nvPr>
+        </p:nvSpPr>
+        <p:spPr/>
+        <p:txBody>
+          <a:bodyPr/>
+          <a:lstStyle/>
+          <a:p>
+            <a:endParaRPr lang="en-US" dirty="0"/>
+          </a:p>
+        </p:txBody>
+      </p:sp>
+      <p:sp>
+        <p:nvSpPr>
+          <p:cNvPr id="4" name="Slide Number Placeholder 3"/>
+          <p:cNvSpPr>
+            <a:spLocks noGrp="1"/>
+          </p:cNvSpPr>
+          <p:nvPr>
+            <p:ph type="sldNum" sz="quarter" idx="5"/>
+          </p:nvPr>
+        </p:nvSpPr>
+        <p:spPr/>
+        <p:txBody>
+          <a:bodyPr/>
+          <a:lstStyle/>
+          <a:p>
+            <a:fld id="{72A7C4A3-ED83-1747-BF0D-21535B635744}" type="slidenum">
+              <a:rPr lang="en-US" smtClean="0"/>
+              <a:t>8</a:t>
+            </a:fld>
+            <a:endParaRPr lang="en-US"/>
+          </a:p>
+        </p:txBody>
+      </p:sp>
+    </p:spTree>
+    <p:extLst>
+      <p:ext uri="{BB962C8B-B14F-4D97-AF65-F5344CB8AC3E}">
+        <p14:creationId xmlns:p14="http://schemas.microsoft.com/office/powerpoint/2010/main" val="4132506379"/>
+      </p:ext>
+    </p:extLst>
+  </p:cSld>
+  <p:clrMapOvr>
+    <a:masterClrMapping/>
+  </p:clrMapOvr>
+</p:notes>
+</file>
+
+<file path=ppt/notesSlides/notesSlide2.xml><?xml version="1.0" encoding="utf-8"?>
+<p:notes xmlns:a="http://schemas.openxmlformats.org/drawingml/2006/main" xmlns:r="http://schemas.openxmlformats.org/officeDocument/2006/relationships" xmlns:p="http://schemas.openxmlformats.org/presentationml/2006/main">
+  <p:cSld>
+    <p:spTree>
+      <p:nvGrpSpPr>
+        <p:cNvPr id="1" name=""/>
+        <p:cNvGrpSpPr/>
+        <p:nvPr/>
+      </p:nvGrpSpPr>
+      <p:grpSpPr>
+        <a:xfrm>
+          <a:off x="0" y="0"/>
+          <a:ext cx="0" cy="0"/>
+          <a:chOff x="0" y="0"/>
+          <a:chExt cx="0" cy="0"/>
+        </a:xfrm>
+      </p:grpSpPr>
+      <p:sp>
+        <p:nvSpPr>
+          <p:cNvPr id="2" name="Slide Image Placeholder 1"/>
+          <p:cNvSpPr>
+            <a:spLocks noGrp="1" noRot="1" noChangeAspect="1"/>
+          </p:cNvSpPr>
+          <p:nvPr>
+            <p:ph type="sldImg"/>
+          </p:nvPr>
+        </p:nvSpPr>
+        <p:spPr/>
+      </p:sp>
+      <p:sp>
+        <p:nvSpPr>
+          <p:cNvPr id="3" name="Notes Placeholder 2"/>
+          <p:cNvSpPr>
+            <a:spLocks noGrp="1"/>
+          </p:cNvSpPr>
+          <p:nvPr>
+            <p:ph type="body" idx="1"/>
+          </p:nvPr>
+        </p:nvSpPr>
+        <p:spPr/>
+        <p:txBody>
+          <a:bodyPr/>
+          <a:lstStyle/>
+          <a:p>
+            <a:endParaRPr lang="en-US" dirty="0"/>
+          </a:p>
+        </p:txBody>
+      </p:sp>
+      <p:sp>
+        <p:nvSpPr>
+          <p:cNvPr id="4" name="Slide Number Placeholder 3"/>
+          <p:cNvSpPr>
+            <a:spLocks noGrp="1"/>
+          </p:cNvSpPr>
+          <p:nvPr>
+            <p:ph type="sldNum" sz="quarter" idx="5"/>
+          </p:nvPr>
+        </p:nvSpPr>
+        <p:spPr/>
+        <p:txBody>
+          <a:bodyPr/>
+          <a:lstStyle/>
+          <a:p>
+            <a:fld id="{72A7C4A3-ED83-1747-BF0D-21535B635744}" type="slidenum">
+              <a:rPr lang="en-US" smtClean="0"/>
+              <a:t>18</a:t>
+            </a:fld>
+            <a:endParaRPr lang="en-US"/>
+          </a:p>
+        </p:txBody>
+      </p:sp>
+    </p:spTree>
+    <p:extLst>
+      <p:ext uri="{BB962C8B-B14F-4D97-AF65-F5344CB8AC3E}">
+        <p14:creationId xmlns:p14="http://schemas.microsoft.com/office/powerpoint/2010/main" val="1273615311"/>
+      </p:ext>
+    </p:extLst>
+  </p:cSld>
+  <p:clrMapOvr>
+    <a:masterClrMapping/>
+  </p:clrMapOvr>
+</p:notes>
+</file>
+
+<file path=ppt/notesSlides/notesSlide3.xml><?xml version="1.0" encoding="utf-8"?>
+<p:notes xmlns:a="http://schemas.openxmlformats.org/drawingml/2006/main" xmlns:r="http://schemas.openxmlformats.org/officeDocument/2006/relationships" xmlns:p="http://schemas.openxmlformats.org/presentationml/2006/main">
+  <p:cSld>
+    <p:spTree>
+      <p:nvGrpSpPr>
+        <p:cNvPr id="1" name=""/>
+        <p:cNvGrpSpPr/>
+        <p:nvPr/>
+      </p:nvGrpSpPr>
+      <p:grpSpPr>
+        <a:xfrm>
+          <a:off x="0" y="0"/>
+          <a:ext cx="0" cy="0"/>
+          <a:chOff x="0" y="0"/>
+          <a:chExt cx="0" cy="0"/>
+        </a:xfrm>
+      </p:grpSpPr>
+      <p:sp>
+        <p:nvSpPr>
+          <p:cNvPr id="2" name="Slide Image Placeholder 1"/>
+          <p:cNvSpPr>
+            <a:spLocks noGrp="1" noRot="1" noChangeAspect="1"/>
+          </p:cNvSpPr>
+          <p:nvPr>
+            <p:ph type="sldImg"/>
+          </p:nvPr>
+        </p:nvSpPr>
+        <p:spPr/>
+      </p:sp>
+      <p:sp>
+        <p:nvSpPr>
+          <p:cNvPr id="3" name="Notes Placeholder 2"/>
+          <p:cNvSpPr>
+            <a:spLocks noGrp="1"/>
+          </p:cNvSpPr>
+          <p:nvPr>
+            <p:ph type="body" idx="1"/>
+          </p:nvPr>
+        </p:nvSpPr>
+        <p:spPr/>
+        <p:txBody>
+          <a:bodyPr/>
+          <a:lstStyle/>
+          <a:p>
+            <a:endParaRPr lang="en-US" dirty="0"/>
+          </a:p>
+        </p:txBody>
+      </p:sp>
+      <p:sp>
+        <p:nvSpPr>
+          <p:cNvPr id="4" name="Slide Number Placeholder 3"/>
+          <p:cNvSpPr>
+            <a:spLocks noGrp="1"/>
+          </p:cNvSpPr>
+          <p:nvPr>
+            <p:ph type="sldNum" sz="quarter" idx="5"/>
+          </p:nvPr>
+        </p:nvSpPr>
+        <p:spPr/>
+        <p:txBody>
+          <a:bodyPr/>
+          <a:lstStyle/>
+          <a:p>
+            <a:fld id="{72A7C4A3-ED83-1747-BF0D-21535B635744}" type="slidenum">
+              <a:rPr lang="en-US" smtClean="0"/>
+              <a:t>30</a:t>
+            </a:fld>
+            <a:endParaRPr lang="en-US"/>
+          </a:p>
+        </p:txBody>
+      </p:sp>
+    </p:spTree>
+    <p:extLst>
+      <p:ext uri="{BB962C8B-B14F-4D97-AF65-F5344CB8AC3E}">
+        <p14:creationId xmlns:p14="http://schemas.microsoft.com/office/powerpoint/2010/main" val="2442043486"/>
+      </p:ext>
+    </p:extLst>
+  </p:cSld>
+  <p:clrMapOvr>
+    <a:masterClrMapping/>
+  </p:clrMapOvr>
+</p:notes>
+</file>
+
+<file path=ppt/notesSlides/notesSlide4.xml><?xml version="1.0" encoding="utf-8"?>
+<p:notes xmlns:a="http://schemas.openxmlformats.org/drawingml/2006/main" xmlns:r="http://schemas.openxmlformats.org/officeDocument/2006/relationships" xmlns:p="http://schemas.openxmlformats.org/presentationml/2006/main">
+  <p:cSld>
+    <p:spTree>
+      <p:nvGrpSpPr>
+        <p:cNvPr id="1" name=""/>
+        <p:cNvGrpSpPr/>
+        <p:nvPr/>
+      </p:nvGrpSpPr>
+      <p:grpSpPr>
+        <a:xfrm>
+          <a:off x="0" y="0"/>
+          <a:ext cx="0" cy="0"/>
+          <a:chOff x="0" y="0"/>
+          <a:chExt cx="0" cy="0"/>
+        </a:xfrm>
+      </p:grpSpPr>
+      <p:sp>
+        <p:nvSpPr>
+          <p:cNvPr id="2" name="Slide Image Placeholder 1"/>
+          <p:cNvSpPr>
+            <a:spLocks noGrp="1" noRot="1" noChangeAspect="1"/>
+          </p:cNvSpPr>
+          <p:nvPr>
+            <p:ph type="sldImg"/>
+          </p:nvPr>
+        </p:nvSpPr>
+        <p:spPr/>
+      </p:sp>
+      <p:sp>
+        <p:nvSpPr>
+          <p:cNvPr id="3" name="Notes Placeholder 2"/>
+          <p:cNvSpPr>
+            <a:spLocks noGrp="1"/>
+          </p:cNvSpPr>
+          <p:nvPr>
+            <p:ph type="body" idx="1"/>
+          </p:nvPr>
+        </p:nvSpPr>
+        <p:spPr/>
+        <p:txBody>
+          <a:bodyPr/>
+          <a:lstStyle/>
+          <a:p>
+            <a:r>
+              <a:rPr lang="en-US" dirty="0"/>
+              <a:t>G</a:t>
+            </a:r>
+          </a:p>
+        </p:txBody>
+      </p:sp>
+      <p:sp>
+        <p:nvSpPr>
+          <p:cNvPr id="4" name="Slide Number Placeholder 3"/>
+          <p:cNvSpPr>
+            <a:spLocks noGrp="1"/>
+          </p:cNvSpPr>
+          <p:nvPr>
+            <p:ph type="sldNum" sz="quarter" idx="5"/>
+          </p:nvPr>
+        </p:nvSpPr>
+        <p:spPr/>
+        <p:txBody>
+          <a:bodyPr/>
+          <a:lstStyle/>
+          <a:p>
+            <a:fld id="{72A7C4A3-ED83-1747-BF0D-21535B635744}" type="slidenum">
+              <a:rPr lang="en-US" smtClean="0"/>
+              <a:t>31</a:t>
+            </a:fld>
+            <a:endParaRPr lang="en-US"/>
+          </a:p>
+        </p:txBody>
+      </p:sp>
+    </p:spTree>
+    <p:extLst>
+      <p:ext uri="{BB962C8B-B14F-4D97-AF65-F5344CB8AC3E}">
+        <p14:creationId xmlns:p14="http://schemas.microsoft.com/office/powerpoint/2010/main" val="3113990656"/>
+      </p:ext>
+    </p:extLst>
+  </p:cSld>
+  <p:clrMapOvr>
+    <a:masterClrMapping/>
+  </p:clrMapOvr>
+</p:notes>
+</file>
+
+<file path=ppt/notesSlides/notesSlide5.xml><?xml version="1.0" encoding="utf-8"?>
+<p:notes xmlns:a="http://schemas.openxmlformats.org/drawingml/2006/main" xmlns:r="http://schemas.openxmlformats.org/officeDocument/2006/relationships" xmlns:p="http://schemas.openxmlformats.org/presentationml/2006/main">
+  <p:cSld>
+    <p:spTree>
+      <p:nvGrpSpPr>
+        <p:cNvPr id="1" name=""/>
+        <p:cNvGrpSpPr/>
+        <p:nvPr/>
+      </p:nvGrpSpPr>
+      <p:grpSpPr>
+        <a:xfrm>
+          <a:off x="0" y="0"/>
+          <a:ext cx="0" cy="0"/>
+          <a:chOff x="0" y="0"/>
+          <a:chExt cx="0" cy="0"/>
+        </a:xfrm>
+      </p:grpSpPr>
+      <p:sp>
+        <p:nvSpPr>
+          <p:cNvPr id="2" name="Slide Image Placeholder 1"/>
+          <p:cNvSpPr>
+            <a:spLocks noGrp="1" noRot="1" noChangeAspect="1"/>
+          </p:cNvSpPr>
+          <p:nvPr>
+            <p:ph type="sldImg"/>
+          </p:nvPr>
+        </p:nvSpPr>
+        <p:spPr/>
+      </p:sp>
+      <p:sp>
+        <p:nvSpPr>
+          <p:cNvPr id="3" name="Notes Placeholder 2"/>
+          <p:cNvSpPr>
+            <a:spLocks noGrp="1"/>
+          </p:cNvSpPr>
+          <p:nvPr>
+            <p:ph type="body" idx="1"/>
+          </p:nvPr>
+        </p:nvSpPr>
+        <p:spPr/>
+        <p:txBody>
+          <a:bodyPr/>
+          <a:lstStyle/>
+          <a:p>
+            <a:endParaRPr lang="en-US" dirty="0"/>
+          </a:p>
+        </p:txBody>
+      </p:sp>
+      <p:sp>
+        <p:nvSpPr>
+          <p:cNvPr id="4" name="Slide Number Placeholder 3"/>
+          <p:cNvSpPr>
+            <a:spLocks noGrp="1"/>
+          </p:cNvSpPr>
+          <p:nvPr>
+            <p:ph type="sldNum" sz="quarter" idx="5"/>
+          </p:nvPr>
+        </p:nvSpPr>
+        <p:spPr/>
+        <p:txBody>
+          <a:bodyPr/>
+          <a:lstStyle/>
+          <a:p>
+            <a:fld id="{72A7C4A3-ED83-1747-BF0D-21535B635744}" type="slidenum">
+              <a:rPr lang="en-US" smtClean="0"/>
+              <a:t>33</a:t>
+            </a:fld>
+            <a:endParaRPr lang="en-US"/>
+          </a:p>
+        </p:txBody>
+      </p:sp>
+    </p:spTree>
+    <p:extLst>
+      <p:ext uri="{BB962C8B-B14F-4D97-AF65-F5344CB8AC3E}">
+        <p14:creationId xmlns:p14="http://schemas.microsoft.com/office/powerpoint/2010/main" val="1774549136"/>
+      </p:ext>
+    </p:extLst>
+  </p:cSld>
+  <p:clrMapOvr>
+    <a:masterClrMapping/>
+  </p:clrMapOvr>
+</p:notes>
 </file>
 
 <file path=ppt/slideLayouts/slideLayout1.xml><?xml version="1.0" encoding="utf-8"?>
@@ -3013,7 +3800,12 @@
             <p:ph type="ctrTitle"/>
           </p:nvPr>
         </p:nvSpPr>
-        <p:spPr/>
+        <p:spPr>
+          <a:xfrm>
+            <a:off x="1524000" y="1257831"/>
+            <a:ext cx="9144000" cy="2387600"/>
+          </a:xfrm>
+        </p:spPr>
         <p:txBody>
           <a:bodyPr>
             <a:normAutofit fontScale="90000"/>
@@ -3027,7 +3819,7 @@
             <a:r>
               <a:rPr lang="en-US" b="1" dirty="0">
                 <a:solidFill>
-                  <a:schemeClr val="accent1">
+                  <a:schemeClr val="accent3">
                     <a:lumMod val="75000"/>
                   </a:schemeClr>
                 </a:solidFill>
@@ -3050,12 +3842,19 @@
             </a:r>
             <a:r>
               <a:rPr lang="en-US" b="1" dirty="0"/>
-              <a:t>, and </a:t>
+              <a:t>,</a:t>
+            </a:r>
+            <a:br>
+              <a:rPr lang="en-US" b="1" dirty="0"/>
+            </a:br>
+            <a:r>
+              <a:rPr lang="en-US" b="1" dirty="0"/>
+              <a:t>and </a:t>
             </a:r>
             <a:r>
               <a:rPr lang="en-US" b="1" dirty="0">
                 <a:solidFill>
-                  <a:schemeClr val="accent3">
+                  <a:schemeClr val="accent1">
                     <a:lumMod val="75000"/>
                   </a:schemeClr>
                 </a:solidFill>
@@ -3064,7 +3863,7 @@
             </a:r>
             <a:endParaRPr lang="en-US" dirty="0">
               <a:solidFill>
-                <a:schemeClr val="accent3">
+                <a:schemeClr val="accent1">
                   <a:lumMod val="75000"/>
                 </a:schemeClr>
               </a:solidFill>
@@ -3088,7 +3887,12 @@
             <p:ph type="subTitle" idx="1"/>
           </p:nvPr>
         </p:nvSpPr>
-        <p:spPr/>
+        <p:spPr>
+          <a:xfrm>
+            <a:off x="4428066" y="5053746"/>
+            <a:ext cx="4165600" cy="664243"/>
+          </a:xfrm>
+        </p:spPr>
         <p:txBody>
           <a:bodyPr/>
           <a:lstStyle/>
@@ -3105,6 +3909,94 @@
           </a:p>
         </p:txBody>
       </p:sp>
+      <p:pic>
+        <p:nvPicPr>
+          <p:cNvPr id="4" name="Picture 3">
+            <a:extLst>
+              <a:ext uri="{FF2B5EF4-FFF2-40B4-BE49-F238E27FC236}">
+                <a16:creationId xmlns:a16="http://schemas.microsoft.com/office/drawing/2014/main" id="{9C5E07FF-D2F7-504C-8FD1-74EA504C72B6}"/>
+              </a:ext>
+            </a:extLst>
+          </p:cNvPr>
+          <p:cNvPicPr>
+            <a:picLocks noChangeAspect="1"/>
+          </p:cNvPicPr>
+          <p:nvPr/>
+        </p:nvPicPr>
+        <p:blipFill>
+          <a:blip r:embed="rId2"/>
+          <a:stretch>
+            <a:fillRect/>
+          </a:stretch>
+        </p:blipFill>
+        <p:spPr>
+          <a:xfrm>
+            <a:off x="939801" y="21698"/>
+            <a:ext cx="2931911" cy="2931911"/>
+          </a:xfrm>
+          <a:prstGeom prst="rect">
+            <a:avLst/>
+          </a:prstGeom>
+        </p:spPr>
+      </p:pic>
+      <p:pic>
+        <p:nvPicPr>
+          <p:cNvPr id="5" name="Picture 4">
+            <a:extLst>
+              <a:ext uri="{FF2B5EF4-FFF2-40B4-BE49-F238E27FC236}">
+                <a16:creationId xmlns:a16="http://schemas.microsoft.com/office/drawing/2014/main" id="{D947542B-8066-C04E-8548-E35DB556EF48}"/>
+              </a:ext>
+            </a:extLst>
+          </p:cNvPr>
+          <p:cNvPicPr>
+            <a:picLocks noChangeAspect="1"/>
+          </p:cNvPicPr>
+          <p:nvPr/>
+        </p:nvPicPr>
+        <p:blipFill rotWithShape="1">
+          <a:blip r:embed="rId3"/>
+          <a:srcRect l="22202" t="19636" r="27354" b="8048"/>
+          <a:stretch/>
+        </p:blipFill>
+        <p:spPr>
+          <a:xfrm>
+            <a:off x="9312530" y="1374570"/>
+            <a:ext cx="1694137" cy="2428715"/>
+          </a:xfrm>
+          <a:prstGeom prst="rect">
+            <a:avLst/>
+          </a:prstGeom>
+        </p:spPr>
+      </p:pic>
+      <p:pic>
+        <p:nvPicPr>
+          <p:cNvPr id="6" name="Picture 5">
+            <a:extLst>
+              <a:ext uri="{FF2B5EF4-FFF2-40B4-BE49-F238E27FC236}">
+                <a16:creationId xmlns:a16="http://schemas.microsoft.com/office/drawing/2014/main" id="{DC9F62C8-ED6F-E140-BA71-6369B9E3B2C2}"/>
+              </a:ext>
+            </a:extLst>
+          </p:cNvPr>
+          <p:cNvPicPr>
+            <a:picLocks noChangeAspect="1"/>
+          </p:cNvPicPr>
+          <p:nvPr/>
+        </p:nvPicPr>
+        <p:blipFill rotWithShape="1">
+          <a:blip r:embed="rId4"/>
+          <a:srcRect l="14252" t="15105" r="19796"/>
+          <a:stretch/>
+        </p:blipFill>
+        <p:spPr>
+          <a:xfrm>
+            <a:off x="3778798" y="3330389"/>
+            <a:ext cx="2037802" cy="2623113"/>
+          </a:xfrm>
+          <a:prstGeom prst="rect">
+            <a:avLst/>
+          </a:prstGeom>
+        </p:spPr>
+      </p:pic>
     </p:spTree>
     <p:extLst>
       <p:ext uri="{BB962C8B-B14F-4D97-AF65-F5344CB8AC3E}">
@@ -3119,6 +4011,89 @@
 </file>
 
 <file path=ppt/slides/slide10.xml><?xml version="1.0" encoding="utf-8"?>
+<p:sld xmlns:a="http://schemas.openxmlformats.org/drawingml/2006/main" xmlns:r="http://schemas.openxmlformats.org/officeDocument/2006/relationships" xmlns:p="http://schemas.openxmlformats.org/presentationml/2006/main">
+  <p:cSld>
+    <p:spTree>
+      <p:nvGrpSpPr>
+        <p:cNvPr id="1" name=""/>
+        <p:cNvGrpSpPr/>
+        <p:nvPr/>
+      </p:nvGrpSpPr>
+      <p:grpSpPr>
+        <a:xfrm>
+          <a:off x="0" y="0"/>
+          <a:ext cx="0" cy="0"/>
+          <a:chOff x="0" y="0"/>
+          <a:chExt cx="0" cy="0"/>
+        </a:xfrm>
+      </p:grpSpPr>
+      <p:sp>
+        <p:nvSpPr>
+          <p:cNvPr id="2" name="Title 1">
+            <a:extLst>
+              <a:ext uri="{FF2B5EF4-FFF2-40B4-BE49-F238E27FC236}">
+                <a16:creationId xmlns:a16="http://schemas.microsoft.com/office/drawing/2014/main" id="{259FB59D-BBB8-F240-B5BC-47B5434219C2}"/>
+              </a:ext>
+            </a:extLst>
+          </p:cNvPr>
+          <p:cNvSpPr>
+            <a:spLocks noGrp="1"/>
+          </p:cNvSpPr>
+          <p:nvPr>
+            <p:ph type="title"/>
+          </p:nvPr>
+        </p:nvSpPr>
+        <p:spPr/>
+        <p:txBody>
+          <a:bodyPr/>
+          <a:lstStyle/>
+          <a:p>
+            <a:r>
+              <a:rPr lang="en-US" dirty="0"/>
+              <a:t>Motivation</a:t>
+            </a:r>
+          </a:p>
+        </p:txBody>
+      </p:sp>
+      <p:sp>
+        <p:nvSpPr>
+          <p:cNvPr id="3" name="Content Placeholder 2">
+            <a:extLst>
+              <a:ext uri="{FF2B5EF4-FFF2-40B4-BE49-F238E27FC236}">
+                <a16:creationId xmlns:a16="http://schemas.microsoft.com/office/drawing/2014/main" id="{CAC42175-F3B9-3D4B-8FC6-00A119321E15}"/>
+              </a:ext>
+            </a:extLst>
+          </p:cNvPr>
+          <p:cNvSpPr>
+            <a:spLocks noGrp="1"/>
+          </p:cNvSpPr>
+          <p:nvPr>
+            <p:ph idx="1"/>
+          </p:nvPr>
+        </p:nvSpPr>
+        <p:spPr/>
+        <p:txBody>
+          <a:bodyPr/>
+          <a:lstStyle/>
+          <a:p>
+            <a:endParaRPr lang="en-US"/>
+          </a:p>
+        </p:txBody>
+      </p:sp>
+    </p:spTree>
+    <p:extLst>
+      <p:ext uri="{BB962C8B-B14F-4D97-AF65-F5344CB8AC3E}">
+        <p14:creationId xmlns:p14="http://schemas.microsoft.com/office/powerpoint/2010/main" val="2525965204"/>
+      </p:ext>
+    </p:extLst>
+  </p:cSld>
+  <p:clrMapOvr>
+    <a:masterClrMapping/>
+  </p:clrMapOvr>
+</p:sld>
+</file>
+
+<file path=ppt/slides/slide11.xml><?xml version="1.0" encoding="utf-8"?>
 <p:sld xmlns:a="http://schemas.openxmlformats.org/drawingml/2006/main" xmlns:r="http://schemas.openxmlformats.org/officeDocument/2006/relationships" xmlns:p="http://schemas.openxmlformats.org/presentationml/2006/main">
   <p:cSld>
     <p:spTree>
@@ -3250,8 +4225,7 @@
           </a:prstGeom>
           <a:solidFill>
             <a:schemeClr val="accent2">
-              <a:lumMod val="60000"/>
-              <a:lumOff val="40000"/>
+              <a:lumMod val="75000"/>
             </a:schemeClr>
           </a:solidFill>
         </p:spPr>
@@ -3364,8 +4338,7 @@
           </a:prstGeom>
           <a:solidFill>
             <a:schemeClr val="accent1">
-              <a:lumMod val="60000"/>
-              <a:lumOff val="40000"/>
+              <a:lumMod val="75000"/>
             </a:schemeClr>
           </a:solidFill>
         </p:spPr>
@@ -3419,8 +4392,7 @@
           </a:prstGeom>
           <a:solidFill>
             <a:schemeClr val="accent1">
-              <a:lumMod val="60000"/>
-              <a:lumOff val="40000"/>
+              <a:lumMod val="75000"/>
             </a:schemeClr>
           </a:solidFill>
         </p:spPr>
@@ -3474,8 +4446,7 @@
           </a:prstGeom>
           <a:solidFill>
             <a:schemeClr val="accent2">
-              <a:lumMod val="60000"/>
-              <a:lumOff val="40000"/>
+              <a:lumMod val="75000"/>
             </a:schemeClr>
           </a:solidFill>
         </p:spPr>
@@ -3970,89 +4941,6 @@
 </p:sld>
 </file>
 
-<file path=ppt/slides/slide11.xml><?xml version="1.0" encoding="utf-8"?>
-<p:sld xmlns:a="http://schemas.openxmlformats.org/drawingml/2006/main" xmlns:r="http://schemas.openxmlformats.org/officeDocument/2006/relationships" xmlns:p="http://schemas.openxmlformats.org/presentationml/2006/main">
-  <p:cSld>
-    <p:spTree>
-      <p:nvGrpSpPr>
-        <p:cNvPr id="1" name=""/>
-        <p:cNvGrpSpPr/>
-        <p:nvPr/>
-      </p:nvGrpSpPr>
-      <p:grpSpPr>
-        <a:xfrm>
-          <a:off x="0" y="0"/>
-          <a:ext cx="0" cy="0"/>
-          <a:chOff x="0" y="0"/>
-          <a:chExt cx="0" cy="0"/>
-        </a:xfrm>
-      </p:grpSpPr>
-      <p:sp>
-        <p:nvSpPr>
-          <p:cNvPr id="2" name="Title 1">
-            <a:extLst>
-              <a:ext uri="{FF2B5EF4-FFF2-40B4-BE49-F238E27FC236}">
-                <a16:creationId xmlns:a16="http://schemas.microsoft.com/office/drawing/2014/main" id="{E778BC20-8A6F-1849-BA59-27CFBF5F768E}"/>
-              </a:ext>
-            </a:extLst>
-          </p:cNvPr>
-          <p:cNvSpPr>
-            <a:spLocks noGrp="1"/>
-          </p:cNvSpPr>
-          <p:nvPr>
-            <p:ph type="title"/>
-          </p:nvPr>
-        </p:nvSpPr>
-        <p:spPr/>
-        <p:txBody>
-          <a:bodyPr/>
-          <a:lstStyle/>
-          <a:p>
-            <a:r>
-              <a:rPr lang="en-US" dirty="0"/>
-              <a:t>Definition of PKCR</a:t>
-            </a:r>
-          </a:p>
-        </p:txBody>
-      </p:sp>
-      <p:sp>
-        <p:nvSpPr>
-          <p:cNvPr id="3" name="Content Placeholder 2">
-            <a:extLst>
-              <a:ext uri="{FF2B5EF4-FFF2-40B4-BE49-F238E27FC236}">
-                <a16:creationId xmlns:a16="http://schemas.microsoft.com/office/drawing/2014/main" id="{EE4F802B-B94C-5F4C-8DD7-525C3E350053}"/>
-              </a:ext>
-            </a:extLst>
-          </p:cNvPr>
-          <p:cNvSpPr>
-            <a:spLocks noGrp="1"/>
-          </p:cNvSpPr>
-          <p:nvPr>
-            <p:ph idx="1"/>
-          </p:nvPr>
-        </p:nvSpPr>
-        <p:spPr/>
-        <p:txBody>
-          <a:bodyPr/>
-          <a:lstStyle/>
-          <a:p>
-            <a:endParaRPr lang="en-US"/>
-          </a:p>
-        </p:txBody>
-      </p:sp>
-    </p:spTree>
-    <p:extLst>
-      <p:ext uri="{BB962C8B-B14F-4D97-AF65-F5344CB8AC3E}">
-        <p14:creationId xmlns:p14="http://schemas.microsoft.com/office/powerpoint/2010/main" val="2239538696"/>
-      </p:ext>
-    </p:extLst>
-  </p:cSld>
-  <p:clrMapOvr>
-    <a:masterClrMapping/>
-  </p:clrMapOvr>
-</p:sld>
-</file>
-
 <file path=ppt/slides/slide12.xml><?xml version="1.0" encoding="utf-8"?>
 <p:sld xmlns:a="http://schemas.openxmlformats.org/drawingml/2006/main" xmlns:r="http://schemas.openxmlformats.org/officeDocument/2006/relationships" xmlns:p="http://schemas.openxmlformats.org/presentationml/2006/main">
   <p:cSld>
@@ -4075,6 +4963,89 @@
           <p:cNvPr id="2" name="Title 1">
             <a:extLst>
               <a:ext uri="{FF2B5EF4-FFF2-40B4-BE49-F238E27FC236}">
+                <a16:creationId xmlns:a16="http://schemas.microsoft.com/office/drawing/2014/main" id="{E778BC20-8A6F-1849-BA59-27CFBF5F768E}"/>
+              </a:ext>
+            </a:extLst>
+          </p:cNvPr>
+          <p:cNvSpPr>
+            <a:spLocks noGrp="1"/>
+          </p:cNvSpPr>
+          <p:nvPr>
+            <p:ph type="title"/>
+          </p:nvPr>
+        </p:nvSpPr>
+        <p:spPr/>
+        <p:txBody>
+          <a:bodyPr/>
+          <a:lstStyle/>
+          <a:p>
+            <a:r>
+              <a:rPr lang="en-US" dirty="0"/>
+              <a:t>Definition of PKCR</a:t>
+            </a:r>
+          </a:p>
+        </p:txBody>
+      </p:sp>
+      <p:sp>
+        <p:nvSpPr>
+          <p:cNvPr id="3" name="Content Placeholder 2">
+            <a:extLst>
+              <a:ext uri="{FF2B5EF4-FFF2-40B4-BE49-F238E27FC236}">
+                <a16:creationId xmlns:a16="http://schemas.microsoft.com/office/drawing/2014/main" id="{EE4F802B-B94C-5F4C-8DD7-525C3E350053}"/>
+              </a:ext>
+            </a:extLst>
+          </p:cNvPr>
+          <p:cNvSpPr>
+            <a:spLocks noGrp="1"/>
+          </p:cNvSpPr>
+          <p:nvPr>
+            <p:ph idx="1"/>
+          </p:nvPr>
+        </p:nvSpPr>
+        <p:spPr/>
+        <p:txBody>
+          <a:bodyPr/>
+          <a:lstStyle/>
+          <a:p>
+            <a:endParaRPr lang="en-US"/>
+          </a:p>
+        </p:txBody>
+      </p:sp>
+    </p:spTree>
+    <p:extLst>
+      <p:ext uri="{BB962C8B-B14F-4D97-AF65-F5344CB8AC3E}">
+        <p14:creationId xmlns:p14="http://schemas.microsoft.com/office/powerpoint/2010/main" val="2239538696"/>
+      </p:ext>
+    </p:extLst>
+  </p:cSld>
+  <p:clrMapOvr>
+    <a:masterClrMapping/>
+  </p:clrMapOvr>
+</p:sld>
+</file>
+
+<file path=ppt/slides/slide13.xml><?xml version="1.0" encoding="utf-8"?>
+<p:sld xmlns:a="http://schemas.openxmlformats.org/drawingml/2006/main" xmlns:r="http://schemas.openxmlformats.org/officeDocument/2006/relationships" xmlns:p="http://schemas.openxmlformats.org/presentationml/2006/main">
+  <p:cSld>
+    <p:spTree>
+      <p:nvGrpSpPr>
+        <p:cNvPr id="1" name=""/>
+        <p:cNvGrpSpPr/>
+        <p:nvPr/>
+      </p:nvGrpSpPr>
+      <p:grpSpPr>
+        <a:xfrm>
+          <a:off x="0" y="0"/>
+          <a:ext cx="0" cy="0"/>
+          <a:chOff x="0" y="0"/>
+          <a:chExt cx="0" cy="0"/>
+        </a:xfrm>
+      </p:grpSpPr>
+      <p:sp>
+        <p:nvSpPr>
+          <p:cNvPr id="2" name="Title 1">
+            <a:extLst>
+              <a:ext uri="{FF2B5EF4-FFF2-40B4-BE49-F238E27FC236}">
                 <a16:creationId xmlns:a16="http://schemas.microsoft.com/office/drawing/2014/main" id="{3DA1EAE9-792A-B147-93B7-1D958EDDC9E7}"/>
               </a:ext>
             </a:extLst>
@@ -4136,7 +5107,7 @@
 </p:sld>
 </file>
 
-<file path=ppt/slides/slide13.xml><?xml version="1.0" encoding="utf-8"?>
+<file path=ppt/slides/slide14.xml><?xml version="1.0" encoding="utf-8"?>
 <p:sld xmlns:a="http://schemas.openxmlformats.org/drawingml/2006/main" xmlns:r="http://schemas.openxmlformats.org/officeDocument/2006/relationships" xmlns:p="http://schemas.openxmlformats.org/presentationml/2006/main">
   <p:cSld>
     <p:spTree>
@@ -4657,8 +5628,7 @@
           </a:prstGeom>
           <a:solidFill>
             <a:schemeClr val="accent3">
-              <a:lumMod val="60000"/>
-              <a:lumOff val="40000"/>
+              <a:lumMod val="75000"/>
             </a:schemeClr>
           </a:solidFill>
         </p:spPr>
@@ -4712,8 +5682,7 @@
           </a:prstGeom>
           <a:solidFill>
             <a:schemeClr val="accent2">
-              <a:lumMod val="60000"/>
-              <a:lumOff val="40000"/>
+              <a:lumMod val="75000"/>
             </a:schemeClr>
           </a:solidFill>
         </p:spPr>
@@ -4767,8 +5736,7 @@
           </a:prstGeom>
           <a:solidFill>
             <a:schemeClr val="accent1">
-              <a:lumMod val="60000"/>
-              <a:lumOff val="40000"/>
+              <a:lumMod val="75000"/>
             </a:schemeClr>
           </a:solidFill>
         </p:spPr>
@@ -4822,8 +5790,7 @@
           </a:prstGeom>
           <a:solidFill>
             <a:schemeClr val="accent2">
-              <a:lumMod val="60000"/>
-              <a:lumOff val="40000"/>
+              <a:lumMod val="75000"/>
             </a:schemeClr>
           </a:solidFill>
         </p:spPr>
@@ -4868,7 +5835,7 @@
 </p:sld>
 </file>
 
-<file path=ppt/slides/slide14.xml><?xml version="1.0" encoding="utf-8"?>
+<file path=ppt/slides/slide15.xml><?xml version="1.0" encoding="utf-8"?>
 <p:sld xmlns:a="http://schemas.openxmlformats.org/drawingml/2006/main" xmlns:r="http://schemas.openxmlformats.org/officeDocument/2006/relationships" xmlns:p="http://schemas.openxmlformats.org/presentationml/2006/main">
   <p:cSld>
     <p:spTree>
@@ -5389,8 +6356,7 @@
           </a:prstGeom>
           <a:solidFill>
             <a:schemeClr val="accent3">
-              <a:lumMod val="60000"/>
-              <a:lumOff val="40000"/>
+              <a:lumMod val="75000"/>
             </a:schemeClr>
           </a:solidFill>
         </p:spPr>
@@ -5444,8 +6410,7 @@
           </a:prstGeom>
           <a:solidFill>
             <a:schemeClr val="accent1">
-              <a:lumMod val="60000"/>
-              <a:lumOff val="40000"/>
+              <a:lumMod val="75000"/>
             </a:schemeClr>
           </a:solidFill>
         </p:spPr>
@@ -5662,8 +6627,7 @@
           </a:prstGeom>
           <a:solidFill>
             <a:schemeClr val="accent2">
-              <a:lumMod val="60000"/>
-              <a:lumOff val="40000"/>
+              <a:lumMod val="75000"/>
             </a:schemeClr>
           </a:solidFill>
         </p:spPr>
@@ -5708,7 +6672,7 @@
 </p:sld>
 </file>
 
-<file path=ppt/slides/slide15.xml><?xml version="1.0" encoding="utf-8"?>
+<file path=ppt/slides/slide16.xml><?xml version="1.0" encoding="utf-8"?>
 <p:sld xmlns:a="http://schemas.openxmlformats.org/drawingml/2006/main" xmlns:r="http://schemas.openxmlformats.org/officeDocument/2006/relationships" xmlns:p="http://schemas.openxmlformats.org/presentationml/2006/main">
   <p:cSld>
     <p:spTree>
@@ -5791,7 +6755,739 @@
 </p:sld>
 </file>
 
-<file path=ppt/slides/slide16.xml><?xml version="1.0" encoding="utf-8"?>
+<file path=ppt/slides/slide17.xml><?xml version="1.0" encoding="utf-8"?>
+<p:sld xmlns:a="http://schemas.openxmlformats.org/drawingml/2006/main" xmlns:r="http://schemas.openxmlformats.org/officeDocument/2006/relationships" xmlns:p="http://schemas.openxmlformats.org/presentationml/2006/main">
+  <p:cSld>
+    <p:spTree>
+      <p:nvGrpSpPr>
+        <p:cNvPr id="1" name=""/>
+        <p:cNvGrpSpPr/>
+        <p:nvPr/>
+      </p:nvGrpSpPr>
+      <p:grpSpPr>
+        <a:xfrm>
+          <a:off x="0" y="0"/>
+          <a:ext cx="0" cy="0"/>
+          <a:chOff x="0" y="0"/>
+          <a:chExt cx="0" cy="0"/>
+        </a:xfrm>
+      </p:grpSpPr>
+      <p:sp>
+        <p:nvSpPr>
+          <p:cNvPr id="2" name="Title 1">
+            <a:extLst>
+              <a:ext uri="{FF2B5EF4-FFF2-40B4-BE49-F238E27FC236}">
+                <a16:creationId xmlns:a16="http://schemas.microsoft.com/office/drawing/2014/main" id="{2E566F50-6E6D-1744-B6A9-FC3AA2D84FC7}"/>
+              </a:ext>
+            </a:extLst>
+          </p:cNvPr>
+          <p:cNvSpPr>
+            <a:spLocks noGrp="1"/>
+          </p:cNvSpPr>
+          <p:nvPr>
+            <p:ph type="title"/>
+          </p:nvPr>
+        </p:nvSpPr>
+        <p:spPr/>
+        <p:txBody>
+          <a:bodyPr/>
+          <a:lstStyle/>
+          <a:p>
+            <a:r>
+              <a:rPr lang="en-US" dirty="0"/>
+              <a:t>Summary of THC results</a:t>
+            </a:r>
+          </a:p>
+        </p:txBody>
+      </p:sp>
+      <p:sp>
+        <p:nvSpPr>
+          <p:cNvPr id="3" name="Content Placeholder 2">
+            <a:extLst>
+              <a:ext uri="{FF2B5EF4-FFF2-40B4-BE49-F238E27FC236}">
+                <a16:creationId xmlns:a16="http://schemas.microsoft.com/office/drawing/2014/main" id="{179B9446-EF49-1B49-8F4C-54F244862F3E}"/>
+              </a:ext>
+            </a:extLst>
+          </p:cNvPr>
+          <p:cNvSpPr>
+            <a:spLocks noGrp="1"/>
+          </p:cNvSpPr>
+          <p:nvPr>
+            <p:ph idx="1"/>
+          </p:nvPr>
+        </p:nvSpPr>
+        <p:spPr/>
+        <p:txBody>
+          <a:bodyPr/>
+          <a:lstStyle/>
+          <a:p>
+            <a:endParaRPr lang="en-US"/>
+          </a:p>
+        </p:txBody>
+      </p:sp>
+    </p:spTree>
+    <p:extLst>
+      <p:ext uri="{BB962C8B-B14F-4D97-AF65-F5344CB8AC3E}">
+        <p14:creationId xmlns:p14="http://schemas.microsoft.com/office/powerpoint/2010/main" val="232927603"/>
+      </p:ext>
+    </p:extLst>
+  </p:cSld>
+  <p:clrMapOvr>
+    <a:masterClrMapping/>
+  </p:clrMapOvr>
+</p:sld>
+</file>
+
+<file path=ppt/slides/slide18.xml><?xml version="1.0" encoding="utf-8"?>
+<p:sld xmlns:a="http://schemas.openxmlformats.org/drawingml/2006/main" xmlns:r="http://schemas.openxmlformats.org/officeDocument/2006/relationships" xmlns:p="http://schemas.openxmlformats.org/presentationml/2006/main">
+  <p:cSld>
+    <p:spTree>
+      <p:nvGrpSpPr>
+        <p:cNvPr id="1" name=""/>
+        <p:cNvGrpSpPr/>
+        <p:nvPr/>
+      </p:nvGrpSpPr>
+      <p:grpSpPr>
+        <a:xfrm>
+          <a:off x="0" y="0"/>
+          <a:ext cx="0" cy="0"/>
+          <a:chOff x="0" y="0"/>
+          <a:chExt cx="0" cy="0"/>
+        </a:xfrm>
+      </p:grpSpPr>
+      <p:grpSp>
+        <p:nvGrpSpPr>
+          <p:cNvPr id="31" name="Group 30">
+            <a:extLst>
+              <a:ext uri="{FF2B5EF4-FFF2-40B4-BE49-F238E27FC236}">
+                <a16:creationId xmlns:a16="http://schemas.microsoft.com/office/drawing/2014/main" id="{DE31FD9B-7CE5-B741-998B-AC0C87790E61}"/>
+              </a:ext>
+            </a:extLst>
+          </p:cNvPr>
+          <p:cNvGrpSpPr/>
+          <p:nvPr/>
+        </p:nvGrpSpPr>
+        <p:grpSpPr>
+          <a:xfrm>
+            <a:off x="2957902" y="425950"/>
+            <a:ext cx="6986014" cy="5990526"/>
+            <a:chOff x="2071914" y="226697"/>
+            <a:chExt cx="7518775" cy="6447370"/>
+          </a:xfrm>
+        </p:grpSpPr>
+        <p:sp>
+          <p:nvSpPr>
+            <p:cNvPr id="32" name="Oval 31">
+              <a:extLst>
+                <a:ext uri="{FF2B5EF4-FFF2-40B4-BE49-F238E27FC236}">
+                  <a16:creationId xmlns:a16="http://schemas.microsoft.com/office/drawing/2014/main" id="{98701D3E-1F88-AF4D-875A-0717C9E6C490}"/>
+                </a:ext>
+              </a:extLst>
+            </p:cNvPr>
+            <p:cNvSpPr/>
+            <p:nvPr/>
+          </p:nvSpPr>
+          <p:spPr>
+            <a:xfrm>
+              <a:off x="2071914" y="229634"/>
+              <a:ext cx="2927131" cy="2927131"/>
+            </a:xfrm>
+            <a:prstGeom prst="ellipse">
+              <a:avLst/>
+            </a:prstGeom>
+            <a:solidFill>
+              <a:schemeClr val="accent3">
+                <a:lumMod val="40000"/>
+                <a:lumOff val="60000"/>
+              </a:schemeClr>
+            </a:solidFill>
+            <a:ln w="76200">
+              <a:solidFill>
+                <a:schemeClr val="accent3">
+                  <a:lumMod val="75000"/>
+                </a:schemeClr>
+              </a:solidFill>
+            </a:ln>
+          </p:spPr>
+          <p:style>
+            <a:lnRef idx="2">
+              <a:schemeClr val="accent1">
+                <a:shade val="50000"/>
+              </a:schemeClr>
+            </a:lnRef>
+            <a:fillRef idx="1">
+              <a:schemeClr val="accent1"/>
+            </a:fillRef>
+            <a:effectRef idx="0">
+              <a:schemeClr val="accent1"/>
+            </a:effectRef>
+            <a:fontRef idx="minor">
+              <a:schemeClr val="lt1"/>
+            </a:fontRef>
+          </p:style>
+          <p:txBody>
+            <a:bodyPr rtlCol="0" anchor="ctr"/>
+            <a:lstStyle/>
+            <a:p>
+              <a:pPr algn="ctr"/>
+              <a:endParaRPr lang="en-US" sz="2400" dirty="0"/>
+            </a:p>
+          </p:txBody>
+        </p:sp>
+        <p:sp>
+          <p:nvSpPr>
+            <p:cNvPr id="33" name="Oval 32">
+              <a:extLst>
+                <a:ext uri="{FF2B5EF4-FFF2-40B4-BE49-F238E27FC236}">
+                  <a16:creationId xmlns:a16="http://schemas.microsoft.com/office/drawing/2014/main" id="{5F772962-9E5A-744E-A02F-F164D5D88A1D}"/>
+                </a:ext>
+              </a:extLst>
+            </p:cNvPr>
+            <p:cNvSpPr/>
+            <p:nvPr/>
+          </p:nvSpPr>
+          <p:spPr>
+            <a:xfrm>
+              <a:off x="6663558" y="226697"/>
+              <a:ext cx="2927131" cy="2927131"/>
+            </a:xfrm>
+            <a:prstGeom prst="ellipse">
+              <a:avLst/>
+            </a:prstGeom>
+            <a:solidFill>
+              <a:schemeClr val="accent2">
+                <a:lumMod val="40000"/>
+                <a:lumOff val="60000"/>
+              </a:schemeClr>
+            </a:solidFill>
+            <a:ln w="76200">
+              <a:solidFill>
+                <a:schemeClr val="accent2">
+                  <a:lumMod val="75000"/>
+                </a:schemeClr>
+              </a:solidFill>
+            </a:ln>
+          </p:spPr>
+          <p:style>
+            <a:lnRef idx="2">
+              <a:schemeClr val="accent1">
+                <a:shade val="50000"/>
+              </a:schemeClr>
+            </a:lnRef>
+            <a:fillRef idx="1">
+              <a:schemeClr val="accent1"/>
+            </a:fillRef>
+            <a:effectRef idx="0">
+              <a:schemeClr val="accent1"/>
+            </a:effectRef>
+            <a:fontRef idx="minor">
+              <a:schemeClr val="lt1"/>
+            </a:fontRef>
+          </p:style>
+          <p:txBody>
+            <a:bodyPr rtlCol="0" anchor="ctr"/>
+            <a:lstStyle/>
+            <a:p>
+              <a:pPr algn="ctr"/>
+              <a:endParaRPr lang="en-US" sz="2400" dirty="0"/>
+            </a:p>
+          </p:txBody>
+        </p:sp>
+        <p:sp>
+          <p:nvSpPr>
+            <p:cNvPr id="34" name="Oval 33">
+              <a:extLst>
+                <a:ext uri="{FF2B5EF4-FFF2-40B4-BE49-F238E27FC236}">
+                  <a16:creationId xmlns:a16="http://schemas.microsoft.com/office/drawing/2014/main" id="{984EC0DD-04AE-F842-B98D-A0A94A4059C4}"/>
+                </a:ext>
+              </a:extLst>
+            </p:cNvPr>
+            <p:cNvSpPr/>
+            <p:nvPr/>
+          </p:nvSpPr>
+          <p:spPr>
+            <a:xfrm>
+              <a:off x="4346027" y="3746936"/>
+              <a:ext cx="2927131" cy="2927131"/>
+            </a:xfrm>
+            <a:prstGeom prst="ellipse">
+              <a:avLst/>
+            </a:prstGeom>
+            <a:solidFill>
+              <a:schemeClr val="accent1">
+                <a:lumMod val="40000"/>
+                <a:lumOff val="60000"/>
+              </a:schemeClr>
+            </a:solidFill>
+            <a:ln w="76200">
+              <a:solidFill>
+                <a:schemeClr val="accent1">
+                  <a:lumMod val="75000"/>
+                </a:schemeClr>
+              </a:solidFill>
+            </a:ln>
+          </p:spPr>
+          <p:style>
+            <a:lnRef idx="2">
+              <a:schemeClr val="accent1">
+                <a:shade val="50000"/>
+              </a:schemeClr>
+            </a:lnRef>
+            <a:fillRef idx="1">
+              <a:schemeClr val="accent1"/>
+            </a:fillRef>
+            <a:effectRef idx="0">
+              <a:schemeClr val="accent1"/>
+            </a:effectRef>
+            <a:fontRef idx="minor">
+              <a:schemeClr val="lt1"/>
+            </a:fontRef>
+          </p:style>
+          <p:txBody>
+            <a:bodyPr rtlCol="0" anchor="ctr"/>
+            <a:lstStyle/>
+            <a:p>
+              <a:pPr algn="ctr"/>
+              <a:endParaRPr lang="en-US" sz="2400" dirty="0"/>
+            </a:p>
+          </p:txBody>
+        </p:sp>
+        <p:cxnSp>
+          <p:nvCxnSpPr>
+            <p:cNvPr id="35" name="Straight Connector 34">
+              <a:extLst>
+                <a:ext uri="{FF2B5EF4-FFF2-40B4-BE49-F238E27FC236}">
+                  <a16:creationId xmlns:a16="http://schemas.microsoft.com/office/drawing/2014/main" id="{4B7B94C1-966A-3447-8E78-27368D17A259}"/>
+                </a:ext>
+              </a:extLst>
+            </p:cNvPr>
+            <p:cNvCxnSpPr>
+              <a:cxnSpLocks/>
+              <a:stCxn id="32" idx="5"/>
+            </p:cNvCxnSpPr>
+            <p:nvPr/>
+          </p:nvCxnSpPr>
+          <p:spPr>
+            <a:xfrm>
+              <a:off x="4570377" y="2728097"/>
+              <a:ext cx="1198873" cy="463955"/>
+            </a:xfrm>
+            <a:prstGeom prst="line">
+              <a:avLst/>
+            </a:prstGeom>
+            <a:ln w="76200">
+              <a:solidFill>
+                <a:schemeClr val="accent3">
+                  <a:lumMod val="75000"/>
+                </a:schemeClr>
+              </a:solidFill>
+            </a:ln>
+          </p:spPr>
+          <p:style>
+            <a:lnRef idx="1">
+              <a:schemeClr val="accent1"/>
+            </a:lnRef>
+            <a:fillRef idx="0">
+              <a:schemeClr val="accent1"/>
+            </a:fillRef>
+            <a:effectRef idx="0">
+              <a:schemeClr val="accent1"/>
+            </a:effectRef>
+            <a:fontRef idx="minor">
+              <a:schemeClr val="tx1"/>
+            </a:fontRef>
+          </p:style>
+        </p:cxnSp>
+        <p:cxnSp>
+          <p:nvCxnSpPr>
+            <p:cNvPr id="36" name="Straight Connector 35">
+              <a:extLst>
+                <a:ext uri="{FF2B5EF4-FFF2-40B4-BE49-F238E27FC236}">
+                  <a16:creationId xmlns:a16="http://schemas.microsoft.com/office/drawing/2014/main" id="{89460233-33ED-4445-AF20-2E3EF4D1C2C8}"/>
+                </a:ext>
+              </a:extLst>
+            </p:cNvPr>
+            <p:cNvCxnSpPr>
+              <a:cxnSpLocks/>
+              <a:endCxn id="33" idx="3"/>
+            </p:cNvCxnSpPr>
+            <p:nvPr/>
+          </p:nvCxnSpPr>
+          <p:spPr>
+            <a:xfrm flipV="1">
+              <a:off x="5809592" y="2725160"/>
+              <a:ext cx="1282634" cy="428668"/>
+            </a:xfrm>
+            <a:prstGeom prst="line">
+              <a:avLst/>
+            </a:prstGeom>
+            <a:ln w="76200">
+              <a:solidFill>
+                <a:schemeClr val="accent2">
+                  <a:lumMod val="75000"/>
+                </a:schemeClr>
+              </a:solidFill>
+            </a:ln>
+          </p:spPr>
+          <p:style>
+            <a:lnRef idx="1">
+              <a:schemeClr val="accent1"/>
+            </a:lnRef>
+            <a:fillRef idx="0">
+              <a:schemeClr val="accent1"/>
+            </a:fillRef>
+            <a:effectRef idx="0">
+              <a:schemeClr val="accent1"/>
+            </a:effectRef>
+            <a:fontRef idx="minor">
+              <a:schemeClr val="tx1"/>
+            </a:fontRef>
+          </p:style>
+        </p:cxnSp>
+        <p:cxnSp>
+          <p:nvCxnSpPr>
+            <p:cNvPr id="37" name="Straight Connector 36">
+              <a:extLst>
+                <a:ext uri="{FF2B5EF4-FFF2-40B4-BE49-F238E27FC236}">
+                  <a16:creationId xmlns:a16="http://schemas.microsoft.com/office/drawing/2014/main" id="{DD2450A3-4E6B-8248-A7F5-4A5EC0CA8F7E}"/>
+                </a:ext>
+              </a:extLst>
+            </p:cNvPr>
+            <p:cNvCxnSpPr>
+              <a:cxnSpLocks/>
+              <a:endCxn id="34" idx="0"/>
+            </p:cNvCxnSpPr>
+            <p:nvPr/>
+          </p:nvCxnSpPr>
+          <p:spPr>
+            <a:xfrm>
+              <a:off x="5809593" y="3153828"/>
+              <a:ext cx="0" cy="593108"/>
+            </a:xfrm>
+            <a:prstGeom prst="line">
+              <a:avLst/>
+            </a:prstGeom>
+            <a:ln w="76200">
+              <a:solidFill>
+                <a:schemeClr val="accent1">
+                  <a:lumMod val="75000"/>
+                </a:schemeClr>
+              </a:solidFill>
+            </a:ln>
+          </p:spPr>
+          <p:style>
+            <a:lnRef idx="1">
+              <a:schemeClr val="accent1"/>
+            </a:lnRef>
+            <a:fillRef idx="0">
+              <a:schemeClr val="accent1"/>
+            </a:fillRef>
+            <a:effectRef idx="0">
+              <a:schemeClr val="accent1"/>
+            </a:effectRef>
+            <a:fontRef idx="minor">
+              <a:schemeClr val="tx1"/>
+            </a:fontRef>
+          </p:style>
+        </p:cxnSp>
+        <p:pic>
+          <p:nvPicPr>
+            <p:cNvPr id="38" name="Picture 37">
+              <a:extLst>
+                <a:ext uri="{FF2B5EF4-FFF2-40B4-BE49-F238E27FC236}">
+                  <a16:creationId xmlns:a16="http://schemas.microsoft.com/office/drawing/2014/main" id="{26A361CB-9E99-7D42-9727-5A1732E45771}"/>
+                </a:ext>
+              </a:extLst>
+            </p:cNvPr>
+            <p:cNvPicPr>
+              <a:picLocks noChangeAspect="1"/>
+            </p:cNvPicPr>
+            <p:nvPr/>
+          </p:nvPicPr>
+          <p:blipFill>
+            <a:blip r:embed="rId3"/>
+            <a:stretch>
+              <a:fillRect/>
+            </a:stretch>
+          </p:blipFill>
+          <p:spPr>
+            <a:xfrm>
+              <a:off x="2553493" y="803838"/>
+              <a:ext cx="1805233" cy="1805233"/>
+            </a:xfrm>
+            <a:prstGeom prst="rect">
+              <a:avLst/>
+            </a:prstGeom>
+          </p:spPr>
+        </p:pic>
+        <p:pic>
+          <p:nvPicPr>
+            <p:cNvPr id="39" name="Picture 38">
+              <a:extLst>
+                <a:ext uri="{FF2B5EF4-FFF2-40B4-BE49-F238E27FC236}">
+                  <a16:creationId xmlns:a16="http://schemas.microsoft.com/office/drawing/2014/main" id="{EF699442-5E7A-1647-9583-5CF2C973EB9E}"/>
+                </a:ext>
+              </a:extLst>
+            </p:cNvPr>
+            <p:cNvPicPr>
+              <a:picLocks noChangeAspect="1"/>
+            </p:cNvPicPr>
+            <p:nvPr/>
+          </p:nvPicPr>
+          <p:blipFill rotWithShape="1">
+            <a:blip r:embed="rId4"/>
+            <a:srcRect l="22202" t="19636" r="27354" b="8048"/>
+            <a:stretch/>
+          </p:blipFill>
+          <p:spPr>
+            <a:xfrm>
+              <a:off x="7497508" y="803838"/>
+              <a:ext cx="1259231" cy="1805233"/>
+            </a:xfrm>
+            <a:prstGeom prst="rect">
+              <a:avLst/>
+            </a:prstGeom>
+          </p:spPr>
+        </p:pic>
+        <p:pic>
+          <p:nvPicPr>
+            <p:cNvPr id="40" name="Picture 39">
+              <a:extLst>
+                <a:ext uri="{FF2B5EF4-FFF2-40B4-BE49-F238E27FC236}">
+                  <a16:creationId xmlns:a16="http://schemas.microsoft.com/office/drawing/2014/main" id="{7A1D16AD-6242-D846-957F-8780BC25410B}"/>
+                </a:ext>
+              </a:extLst>
+            </p:cNvPr>
+            <p:cNvPicPr>
+              <a:picLocks noChangeAspect="1"/>
+            </p:cNvPicPr>
+            <p:nvPr/>
+          </p:nvPicPr>
+          <p:blipFill rotWithShape="1">
+            <a:blip r:embed="rId5"/>
+            <a:srcRect l="14252" t="15105" r="19796"/>
+            <a:stretch/>
+          </p:blipFill>
+          <p:spPr>
+            <a:xfrm>
+              <a:off x="4977335" y="4139198"/>
+              <a:ext cx="1664513" cy="2142605"/>
+            </a:xfrm>
+            <a:prstGeom prst="rect">
+              <a:avLst/>
+            </a:prstGeom>
+          </p:spPr>
+        </p:pic>
+      </p:grpSp>
+      <p:grpSp>
+        <p:nvGrpSpPr>
+          <p:cNvPr id="7" name="Group 6">
+            <a:extLst>
+              <a:ext uri="{FF2B5EF4-FFF2-40B4-BE49-F238E27FC236}">
+                <a16:creationId xmlns:a16="http://schemas.microsoft.com/office/drawing/2014/main" id="{C94D69D9-61DF-5A41-A29F-9E2640B76CF2}"/>
+              </a:ext>
+            </a:extLst>
+          </p:cNvPr>
+          <p:cNvGrpSpPr/>
+          <p:nvPr/>
+        </p:nvGrpSpPr>
+        <p:grpSpPr>
+          <a:xfrm>
+            <a:off x="1447222" y="938144"/>
+            <a:ext cx="10007374" cy="4580423"/>
+            <a:chOff x="1447222" y="938144"/>
+            <a:chExt cx="10007374" cy="4580423"/>
+          </a:xfrm>
+        </p:grpSpPr>
+        <p:sp>
+          <p:nvSpPr>
+            <p:cNvPr id="3" name="Rounded Rectangle 2">
+              <a:extLst>
+                <a:ext uri="{FF2B5EF4-FFF2-40B4-BE49-F238E27FC236}">
+                  <a16:creationId xmlns:a16="http://schemas.microsoft.com/office/drawing/2014/main" id="{C87ED3C2-07A5-E54B-B21F-D5A423ACD8CB}"/>
+                </a:ext>
+              </a:extLst>
+            </p:cNvPr>
+            <p:cNvSpPr/>
+            <p:nvPr/>
+          </p:nvSpPr>
+          <p:spPr>
+            <a:xfrm>
+              <a:off x="1447222" y="938144"/>
+              <a:ext cx="10007374" cy="1053463"/>
+            </a:xfrm>
+            <a:prstGeom prst="roundRect">
+              <a:avLst/>
+            </a:prstGeom>
+            <a:solidFill>
+              <a:srgbClr val="FFDA83"/>
+            </a:solidFill>
+            <a:ln>
+              <a:noFill/>
+            </a:ln>
+          </p:spPr>
+          <p:style>
+            <a:lnRef idx="2">
+              <a:schemeClr val="accent1">
+                <a:shade val="50000"/>
+              </a:schemeClr>
+            </a:lnRef>
+            <a:fillRef idx="1">
+              <a:schemeClr val="accent1"/>
+            </a:fillRef>
+            <a:effectRef idx="0">
+              <a:schemeClr val="accent1"/>
+            </a:effectRef>
+            <a:fontRef idx="minor">
+              <a:schemeClr val="lt1"/>
+            </a:fontRef>
+          </p:style>
+          <p:txBody>
+            <a:bodyPr rtlCol="0" anchor="ctr"/>
+            <a:lstStyle/>
+            <a:p>
+              <a:r>
+                <a:rPr lang="en-US" sz="4400" dirty="0">
+                  <a:solidFill>
+                    <a:schemeClr val="tx1"/>
+                  </a:solidFill>
+                </a:rPr>
+                <a:t>1. Topology-Hiding Computation</a:t>
+              </a:r>
+            </a:p>
+          </p:txBody>
+        </p:sp>
+        <p:sp>
+          <p:nvSpPr>
+            <p:cNvPr id="29" name="Rounded Rectangle 28">
+              <a:extLst>
+                <a:ext uri="{FF2B5EF4-FFF2-40B4-BE49-F238E27FC236}">
+                  <a16:creationId xmlns:a16="http://schemas.microsoft.com/office/drawing/2014/main" id="{5A71E8A6-1C70-254F-9B1C-02BB7732CB75}"/>
+                </a:ext>
+              </a:extLst>
+            </p:cNvPr>
+            <p:cNvSpPr/>
+            <p:nvPr/>
+          </p:nvSpPr>
+          <p:spPr>
+            <a:xfrm>
+              <a:off x="1447222" y="2701624"/>
+              <a:ext cx="10007374" cy="1053463"/>
+            </a:xfrm>
+            <a:prstGeom prst="roundRect">
+              <a:avLst/>
+            </a:prstGeom>
+            <a:solidFill>
+              <a:srgbClr val="FFDA83"/>
+            </a:solidFill>
+            <a:ln>
+              <a:noFill/>
+            </a:ln>
+          </p:spPr>
+          <p:style>
+            <a:lnRef idx="2">
+              <a:schemeClr val="accent1">
+                <a:shade val="50000"/>
+              </a:schemeClr>
+            </a:lnRef>
+            <a:fillRef idx="1">
+              <a:schemeClr val="accent1"/>
+            </a:fillRef>
+            <a:effectRef idx="0">
+              <a:schemeClr val="accent1"/>
+            </a:effectRef>
+            <a:fontRef idx="minor">
+              <a:schemeClr val="lt1"/>
+            </a:fontRef>
+          </p:style>
+          <p:txBody>
+            <a:bodyPr rtlCol="0" anchor="ctr"/>
+            <a:lstStyle/>
+            <a:p>
+              <a:r>
+                <a:rPr lang="en-US" sz="4400" dirty="0">
+                  <a:solidFill>
+                    <a:schemeClr val="tx1"/>
+                  </a:solidFill>
+                </a:rPr>
+                <a:t>2. Robust Property Preserving Hashing</a:t>
+              </a:r>
+            </a:p>
+          </p:txBody>
+        </p:sp>
+        <p:sp>
+          <p:nvSpPr>
+            <p:cNvPr id="30" name="Rounded Rectangle 29">
+              <a:extLst>
+                <a:ext uri="{FF2B5EF4-FFF2-40B4-BE49-F238E27FC236}">
+                  <a16:creationId xmlns:a16="http://schemas.microsoft.com/office/drawing/2014/main" id="{B342904E-F413-4A47-9E95-4F8795D8D122}"/>
+                </a:ext>
+              </a:extLst>
+            </p:cNvPr>
+            <p:cNvSpPr/>
+            <p:nvPr/>
+          </p:nvSpPr>
+          <p:spPr>
+            <a:xfrm>
+              <a:off x="1447222" y="4465104"/>
+              <a:ext cx="10007374" cy="1053463"/>
+            </a:xfrm>
+            <a:prstGeom prst="roundRect">
+              <a:avLst/>
+            </a:prstGeom>
+            <a:solidFill>
+              <a:srgbClr val="FFDA83"/>
+            </a:solidFill>
+            <a:ln>
+              <a:noFill/>
+            </a:ln>
+          </p:spPr>
+          <p:style>
+            <a:lnRef idx="2">
+              <a:schemeClr val="accent1">
+                <a:shade val="50000"/>
+              </a:schemeClr>
+            </a:lnRef>
+            <a:fillRef idx="1">
+              <a:schemeClr val="accent1"/>
+            </a:fillRef>
+            <a:effectRef idx="0">
+              <a:schemeClr val="accent1"/>
+            </a:effectRef>
+            <a:fontRef idx="minor">
+              <a:schemeClr val="lt1"/>
+            </a:fontRef>
+          </p:style>
+          <p:txBody>
+            <a:bodyPr rtlCol="0" anchor="ctr"/>
+            <a:lstStyle/>
+            <a:p>
+              <a:r>
+                <a:rPr lang="en-US" sz="4400" dirty="0">
+                  <a:solidFill>
+                    <a:schemeClr val="tx1"/>
+                  </a:solidFill>
+                </a:rPr>
+                <a:t>3. Fine-Grained Cryptography</a:t>
+              </a:r>
+            </a:p>
+          </p:txBody>
+        </p:sp>
+      </p:grpSp>
+    </p:spTree>
+    <p:extLst>
+      <p:ext uri="{BB962C8B-B14F-4D97-AF65-F5344CB8AC3E}">
+        <p14:creationId xmlns:p14="http://schemas.microsoft.com/office/powerpoint/2010/main" val="317392656"/>
+      </p:ext>
+    </p:extLst>
+  </p:cSld>
+  <p:clrMapOvr>
+    <a:masterClrMapping/>
+  </p:clrMapOvr>
+</p:sld>
+</file>
+
+<file path=ppt/slides/slide19.xml><?xml version="1.0" encoding="utf-8"?>
 <p:sld xmlns:a="http://schemas.openxmlformats.org/drawingml/2006/main" xmlns:r="http://schemas.openxmlformats.org/officeDocument/2006/relationships" xmlns:p="http://schemas.openxmlformats.org/presentationml/2006/main">
   <p:cSld>
     <p:spTree>
@@ -6254,8 +7950,7 @@
           </a:prstGeom>
           <a:solidFill>
             <a:schemeClr val="accent3">
-              <a:lumMod val="60000"/>
-              <a:lumOff val="40000"/>
+              <a:lumMod val="75000"/>
             </a:schemeClr>
           </a:solidFill>
         </p:spPr>
@@ -6309,8 +8004,7 @@
           </a:prstGeom>
           <a:solidFill>
             <a:schemeClr val="accent2">
-              <a:lumMod val="60000"/>
-              <a:lumOff val="40000"/>
+              <a:lumMod val="75000"/>
             </a:schemeClr>
           </a:solidFill>
         </p:spPr>
@@ -6364,8 +8058,7 @@
           </a:prstGeom>
           <a:solidFill>
             <a:schemeClr val="accent3">
-              <a:lumMod val="60000"/>
-              <a:lumOff val="40000"/>
+              <a:lumMod val="75000"/>
             </a:schemeClr>
           </a:solidFill>
         </p:spPr>
@@ -6468,7 +8161,173 @@
 </p:sld>
 </file>
 
-<file path=ppt/slides/slide17.xml><?xml version="1.0" encoding="utf-8"?>
+<file path=ppt/slides/slide2.xml><?xml version="1.0" encoding="utf-8"?>
+<p:sld xmlns:a="http://schemas.openxmlformats.org/drawingml/2006/main" xmlns:r="http://schemas.openxmlformats.org/officeDocument/2006/relationships" xmlns:p="http://schemas.openxmlformats.org/presentationml/2006/main">
+  <p:cSld>
+    <p:spTree>
+      <p:nvGrpSpPr>
+        <p:cNvPr id="1" name=""/>
+        <p:cNvGrpSpPr/>
+        <p:nvPr/>
+      </p:nvGrpSpPr>
+      <p:grpSpPr>
+        <a:xfrm>
+          <a:off x="0" y="0"/>
+          <a:ext cx="0" cy="0"/>
+          <a:chOff x="0" y="0"/>
+          <a:chExt cx="0" cy="0"/>
+        </a:xfrm>
+      </p:grpSpPr>
+      <p:sp>
+        <p:nvSpPr>
+          <p:cNvPr id="2" name="Title 1">
+            <a:extLst>
+              <a:ext uri="{FF2B5EF4-FFF2-40B4-BE49-F238E27FC236}">
+                <a16:creationId xmlns:a16="http://schemas.microsoft.com/office/drawing/2014/main" id="{87A77E4B-BC4D-6346-AE20-ADBD7FA4BCA0}"/>
+              </a:ext>
+            </a:extLst>
+          </p:cNvPr>
+          <p:cNvSpPr>
+            <a:spLocks noGrp="1"/>
+          </p:cNvSpPr>
+          <p:nvPr>
+            <p:ph type="title"/>
+          </p:nvPr>
+        </p:nvSpPr>
+        <p:spPr/>
+        <p:txBody>
+          <a:bodyPr/>
+          <a:lstStyle/>
+          <a:p>
+            <a:r>
+              <a:rPr lang="en-US" dirty="0"/>
+              <a:t>Outline &amp; Introduction</a:t>
+            </a:r>
+          </a:p>
+        </p:txBody>
+      </p:sp>
+      <p:sp>
+        <p:nvSpPr>
+          <p:cNvPr id="3" name="Content Placeholder 2">
+            <a:extLst>
+              <a:ext uri="{FF2B5EF4-FFF2-40B4-BE49-F238E27FC236}">
+                <a16:creationId xmlns:a16="http://schemas.microsoft.com/office/drawing/2014/main" id="{D02ED6EF-AAA0-FE4A-AF63-A9F138DA0C9A}"/>
+              </a:ext>
+            </a:extLst>
+          </p:cNvPr>
+          <p:cNvSpPr>
+            <a:spLocks noGrp="1"/>
+          </p:cNvSpPr>
+          <p:nvPr>
+            <p:ph idx="1"/>
+          </p:nvPr>
+        </p:nvSpPr>
+        <p:spPr/>
+        <p:txBody>
+          <a:bodyPr/>
+          <a:lstStyle/>
+          <a:p>
+            <a:endParaRPr lang="en-US"/>
+          </a:p>
+        </p:txBody>
+      </p:sp>
+    </p:spTree>
+    <p:extLst>
+      <p:ext uri="{BB962C8B-B14F-4D97-AF65-F5344CB8AC3E}">
+        <p14:creationId xmlns:p14="http://schemas.microsoft.com/office/powerpoint/2010/main" val="3536849199"/>
+      </p:ext>
+    </p:extLst>
+  </p:cSld>
+  <p:clrMapOvr>
+    <a:masterClrMapping/>
+  </p:clrMapOvr>
+</p:sld>
+</file>
+
+<file path=ppt/slides/slide20.xml><?xml version="1.0" encoding="utf-8"?>
+<p:sld xmlns:a="http://schemas.openxmlformats.org/drawingml/2006/main" xmlns:r="http://schemas.openxmlformats.org/officeDocument/2006/relationships" xmlns:p="http://schemas.openxmlformats.org/presentationml/2006/main">
+  <p:cSld>
+    <p:spTree>
+      <p:nvGrpSpPr>
+        <p:cNvPr id="1" name=""/>
+        <p:cNvGrpSpPr/>
+        <p:nvPr/>
+      </p:nvGrpSpPr>
+      <p:grpSpPr>
+        <a:xfrm>
+          <a:off x="0" y="0"/>
+          <a:ext cx="0" cy="0"/>
+          <a:chOff x="0" y="0"/>
+          <a:chExt cx="0" cy="0"/>
+        </a:xfrm>
+      </p:grpSpPr>
+      <p:sp>
+        <p:nvSpPr>
+          <p:cNvPr id="2" name="Title 1">
+            <a:extLst>
+              <a:ext uri="{FF2B5EF4-FFF2-40B4-BE49-F238E27FC236}">
+                <a16:creationId xmlns:a16="http://schemas.microsoft.com/office/drawing/2014/main" id="{259FB59D-BBB8-F240-B5BC-47B5434219C2}"/>
+              </a:ext>
+            </a:extLst>
+          </p:cNvPr>
+          <p:cNvSpPr>
+            <a:spLocks noGrp="1"/>
+          </p:cNvSpPr>
+          <p:nvPr>
+            <p:ph type="title"/>
+          </p:nvPr>
+        </p:nvSpPr>
+        <p:spPr/>
+        <p:txBody>
+          <a:bodyPr/>
+          <a:lstStyle/>
+          <a:p>
+            <a:r>
+              <a:rPr lang="en-US" dirty="0"/>
+              <a:t>Motivation</a:t>
+            </a:r>
+          </a:p>
+        </p:txBody>
+      </p:sp>
+      <p:sp>
+        <p:nvSpPr>
+          <p:cNvPr id="3" name="Content Placeholder 2">
+            <a:extLst>
+              <a:ext uri="{FF2B5EF4-FFF2-40B4-BE49-F238E27FC236}">
+                <a16:creationId xmlns:a16="http://schemas.microsoft.com/office/drawing/2014/main" id="{CAC42175-F3B9-3D4B-8FC6-00A119321E15}"/>
+              </a:ext>
+            </a:extLst>
+          </p:cNvPr>
+          <p:cNvSpPr>
+            <a:spLocks noGrp="1"/>
+          </p:cNvSpPr>
+          <p:nvPr>
+            <p:ph idx="1"/>
+          </p:nvPr>
+        </p:nvSpPr>
+        <p:spPr/>
+        <p:txBody>
+          <a:bodyPr/>
+          <a:lstStyle/>
+          <a:p>
+            <a:endParaRPr lang="en-US"/>
+          </a:p>
+        </p:txBody>
+      </p:sp>
+    </p:spTree>
+    <p:extLst>
+      <p:ext uri="{BB962C8B-B14F-4D97-AF65-F5344CB8AC3E}">
+        <p14:creationId xmlns:p14="http://schemas.microsoft.com/office/powerpoint/2010/main" val="1213054355"/>
+      </p:ext>
+    </p:extLst>
+  </p:cSld>
+  <p:clrMapOvr>
+    <a:masterClrMapping/>
+  </p:clrMapOvr>
+</p:sld>
+</file>
+
+<file path=ppt/slides/slide21.xml><?xml version="1.0" encoding="utf-8"?>
 <p:sld xmlns:a="http://schemas.openxmlformats.org/drawingml/2006/main" xmlns:r="http://schemas.openxmlformats.org/officeDocument/2006/relationships" xmlns:p="http://schemas.openxmlformats.org/presentationml/2006/main">
   <p:cSld>
     <p:spTree>
@@ -7605,7 +9464,7 @@
 </p:sld>
 </file>
 
-<file path=ppt/slides/slide18.xml><?xml version="1.0" encoding="utf-8"?>
+<file path=ppt/slides/slide22.xml><?xml version="1.0" encoding="utf-8"?>
 <p:sld xmlns:a="http://schemas.openxmlformats.org/drawingml/2006/main" xmlns:r="http://schemas.openxmlformats.org/officeDocument/2006/relationships" xmlns:p="http://schemas.openxmlformats.org/presentationml/2006/main">
   <p:cSld>
     <p:spTree>
@@ -8515,7 +10374,7 @@
 </p:sld>
 </file>
 
-<file path=ppt/slides/slide19.xml><?xml version="1.0" encoding="utf-8"?>
+<file path=ppt/slides/slide23.xml><?xml version="1.0" encoding="utf-8"?>
 <p:sld xmlns:a="http://schemas.openxmlformats.org/drawingml/2006/main" xmlns:r="http://schemas.openxmlformats.org/officeDocument/2006/relationships" xmlns:p="http://schemas.openxmlformats.org/presentationml/2006/main">
   <p:cSld>
     <p:spTree>
@@ -8598,7 +10457,7 @@
 </p:sld>
 </file>
 
-<file path=ppt/slides/slide2.xml><?xml version="1.0" encoding="utf-8"?>
+<file path=ppt/slides/slide24.xml><?xml version="1.0" encoding="utf-8"?>
 <p:sld xmlns:a="http://schemas.openxmlformats.org/drawingml/2006/main" xmlns:r="http://schemas.openxmlformats.org/officeDocument/2006/relationships" xmlns:p="http://schemas.openxmlformats.org/presentationml/2006/main">
   <p:cSld>
     <p:spTree>
@@ -8620,7 +10479,7 @@
           <p:cNvPr id="2" name="Title 1">
             <a:extLst>
               <a:ext uri="{FF2B5EF4-FFF2-40B4-BE49-F238E27FC236}">
-                <a16:creationId xmlns:a16="http://schemas.microsoft.com/office/drawing/2014/main" id="{87A77E4B-BC4D-6346-AE20-ADBD7FA4BCA0}"/>
+                <a16:creationId xmlns:a16="http://schemas.microsoft.com/office/drawing/2014/main" id="{1076C172-36AC-304A-85AC-D2778FCB88C1}"/>
               </a:ext>
             </a:extLst>
           </p:cNvPr>
@@ -8638,7 +10497,7 @@
           <a:p>
             <a:r>
               <a:rPr lang="en-US" dirty="0"/>
-              <a:t>Outline &amp; Introduction</a:t>
+              <a:t>PPH Lower Bounds: Reconstructing Predicates</a:t>
             </a:r>
           </a:p>
         </p:txBody>
@@ -8648,7 +10507,7 @@
           <p:cNvPr id="3" name="Content Placeholder 2">
             <a:extLst>
               <a:ext uri="{FF2B5EF4-FFF2-40B4-BE49-F238E27FC236}">
-                <a16:creationId xmlns:a16="http://schemas.microsoft.com/office/drawing/2014/main" id="{D02ED6EF-AAA0-FE4A-AF63-A9F138DA0C9A}"/>
+                <a16:creationId xmlns:a16="http://schemas.microsoft.com/office/drawing/2014/main" id="{E00CBEED-169B-5545-B3F2-5378B7044922}"/>
               </a:ext>
             </a:extLst>
           </p:cNvPr>
@@ -8671,7 +10530,7 @@
     </p:spTree>
     <p:extLst>
       <p:ext uri="{BB962C8B-B14F-4D97-AF65-F5344CB8AC3E}">
-        <p14:creationId xmlns:p14="http://schemas.microsoft.com/office/powerpoint/2010/main" val="3536849199"/>
+        <p14:creationId xmlns:p14="http://schemas.microsoft.com/office/powerpoint/2010/main" val="1348711994"/>
       </p:ext>
     </p:extLst>
   </p:cSld>
@@ -8681,7 +10540,7 @@
 </p:sld>
 </file>
 
-<file path=ppt/slides/slide20.xml><?xml version="1.0" encoding="utf-8"?>
+<file path=ppt/slides/slide25.xml><?xml version="1.0" encoding="utf-8"?>
 <p:sld xmlns:a="http://schemas.openxmlformats.org/drawingml/2006/main" xmlns:r="http://schemas.openxmlformats.org/officeDocument/2006/relationships" xmlns:p="http://schemas.openxmlformats.org/presentationml/2006/main">
   <p:cSld>
     <p:spTree>
@@ -8703,89 +10562,6 @@
           <p:cNvPr id="2" name="Title 1">
             <a:extLst>
               <a:ext uri="{FF2B5EF4-FFF2-40B4-BE49-F238E27FC236}">
-                <a16:creationId xmlns:a16="http://schemas.microsoft.com/office/drawing/2014/main" id="{1076C172-36AC-304A-85AC-D2778FCB88C1}"/>
-              </a:ext>
-            </a:extLst>
-          </p:cNvPr>
-          <p:cNvSpPr>
-            <a:spLocks noGrp="1"/>
-          </p:cNvSpPr>
-          <p:nvPr>
-            <p:ph type="title"/>
-          </p:nvPr>
-        </p:nvSpPr>
-        <p:spPr/>
-        <p:txBody>
-          <a:bodyPr/>
-          <a:lstStyle/>
-          <a:p>
-            <a:r>
-              <a:rPr lang="en-US" dirty="0"/>
-              <a:t>PPH Lower Bounds: Reconstructing Predicates</a:t>
-            </a:r>
-          </a:p>
-        </p:txBody>
-      </p:sp>
-      <p:sp>
-        <p:nvSpPr>
-          <p:cNvPr id="3" name="Content Placeholder 2">
-            <a:extLst>
-              <a:ext uri="{FF2B5EF4-FFF2-40B4-BE49-F238E27FC236}">
-                <a16:creationId xmlns:a16="http://schemas.microsoft.com/office/drawing/2014/main" id="{E00CBEED-169B-5545-B3F2-5378B7044922}"/>
-              </a:ext>
-            </a:extLst>
-          </p:cNvPr>
-          <p:cNvSpPr>
-            <a:spLocks noGrp="1"/>
-          </p:cNvSpPr>
-          <p:nvPr>
-            <p:ph idx="1"/>
-          </p:nvPr>
-        </p:nvSpPr>
-        <p:spPr/>
-        <p:txBody>
-          <a:bodyPr/>
-          <a:lstStyle/>
-          <a:p>
-            <a:endParaRPr lang="en-US"/>
-          </a:p>
-        </p:txBody>
-      </p:sp>
-    </p:spTree>
-    <p:extLst>
-      <p:ext uri="{BB962C8B-B14F-4D97-AF65-F5344CB8AC3E}">
-        <p14:creationId xmlns:p14="http://schemas.microsoft.com/office/powerpoint/2010/main" val="1348711994"/>
-      </p:ext>
-    </p:extLst>
-  </p:cSld>
-  <p:clrMapOvr>
-    <a:masterClrMapping/>
-  </p:clrMapOvr>
-</p:sld>
-</file>
-
-<file path=ppt/slides/slide21.xml><?xml version="1.0" encoding="utf-8"?>
-<p:sld xmlns:a="http://schemas.openxmlformats.org/drawingml/2006/main" xmlns:r="http://schemas.openxmlformats.org/officeDocument/2006/relationships" xmlns:p="http://schemas.openxmlformats.org/presentationml/2006/main">
-  <p:cSld>
-    <p:spTree>
-      <p:nvGrpSpPr>
-        <p:cNvPr id="1" name=""/>
-        <p:cNvGrpSpPr/>
-        <p:nvPr/>
-      </p:nvGrpSpPr>
-      <p:grpSpPr>
-        <a:xfrm>
-          <a:off x="0" y="0"/>
-          <a:ext cx="0" cy="0"/>
-          <a:chOff x="0" y="0"/>
-          <a:chExt cx="0" cy="0"/>
-        </a:xfrm>
-      </p:grpSpPr>
-      <p:sp>
-        <p:nvSpPr>
-          <p:cNvPr id="2" name="Title 1">
-            <a:extLst>
-              <a:ext uri="{FF2B5EF4-FFF2-40B4-BE49-F238E27FC236}">
                 <a16:creationId xmlns:a16="http://schemas.microsoft.com/office/drawing/2014/main" id="{D4E634E1-F325-9C4D-AB3D-49570D15A4D1}"/>
               </a:ext>
             </a:extLst>
@@ -8847,7 +10623,7 @@
 </p:sld>
 </file>
 
-<file path=ppt/slides/slide22.xml><?xml version="1.0" encoding="utf-8"?>
+<file path=ppt/slides/slide26.xml><?xml version="1.0" encoding="utf-8"?>
 <p:sld xmlns:a="http://schemas.openxmlformats.org/drawingml/2006/main" xmlns:r="http://schemas.openxmlformats.org/officeDocument/2006/relationships" xmlns:p="http://schemas.openxmlformats.org/presentationml/2006/main">
   <p:cSld>
     <p:spTree>
@@ -9721,7 +11497,7 @@
 </p:sld>
 </file>
 
-<file path=ppt/slides/slide23.xml><?xml version="1.0" encoding="utf-8"?>
+<file path=ppt/slides/slide27.xml><?xml version="1.0" encoding="utf-8"?>
 <p:sld xmlns:a="http://schemas.openxmlformats.org/drawingml/2006/main" xmlns:r="http://schemas.openxmlformats.org/officeDocument/2006/relationships" xmlns:p="http://schemas.openxmlformats.org/presentationml/2006/main">
   <p:cSld>
     <p:spTree>
@@ -9804,7 +11580,7 @@
 </p:sld>
 </file>
 
-<file path=ppt/slides/slide24.xml><?xml version="1.0" encoding="utf-8"?>
+<file path=ppt/slides/slide28.xml><?xml version="1.0" encoding="utf-8"?>
 <p:sld xmlns:a="http://schemas.openxmlformats.org/drawingml/2006/main" xmlns:r="http://schemas.openxmlformats.org/officeDocument/2006/relationships" xmlns:p="http://schemas.openxmlformats.org/presentationml/2006/main">
   <p:cSld>
     <p:spTree>
@@ -9887,7 +11663,7 @@
 </p:sld>
 </file>
 
-<file path=ppt/slides/slide25.xml><?xml version="1.0" encoding="utf-8"?>
+<file path=ppt/slides/slide29.xml><?xml version="1.0" encoding="utf-8"?>
 <p:sld xmlns:a="http://schemas.openxmlformats.org/drawingml/2006/main" xmlns:r="http://schemas.openxmlformats.org/officeDocument/2006/relationships" xmlns:p="http://schemas.openxmlformats.org/presentationml/2006/main">
   <p:cSld>
     <p:spTree>
@@ -9904,657 +11680,63 @@
           <a:chExt cx="0" cy="0"/>
         </a:xfrm>
       </p:grpSpPr>
-      <p:grpSp>
-        <p:nvGrpSpPr>
-          <p:cNvPr id="6" name="Group 5">
+      <p:sp>
+        <p:nvSpPr>
+          <p:cNvPr id="2" name="Title 1">
             <a:extLst>
               <a:ext uri="{FF2B5EF4-FFF2-40B4-BE49-F238E27FC236}">
-                <a16:creationId xmlns:a16="http://schemas.microsoft.com/office/drawing/2014/main" id="{726D2F3C-DAAA-6B42-A8C6-63EE73DD471F}"/>
+                <a16:creationId xmlns:a16="http://schemas.microsoft.com/office/drawing/2014/main" id="{0F487D3E-0A14-9441-9B70-97218C430896}"/>
               </a:ext>
             </a:extLst>
           </p:cNvPr>
-          <p:cNvGrpSpPr/>
-          <p:nvPr/>
-        </p:nvGrpSpPr>
-        <p:grpSpPr>
-          <a:xfrm>
-            <a:off x="2793640" y="1251850"/>
-            <a:ext cx="6286129" cy="5390373"/>
-            <a:chOff x="2071914" y="226697"/>
-            <a:chExt cx="7518773" cy="6447371"/>
-          </a:xfrm>
-        </p:grpSpPr>
-        <p:sp>
-          <p:nvSpPr>
-            <p:cNvPr id="7" name="Oval 6">
-              <a:extLst>
-                <a:ext uri="{FF2B5EF4-FFF2-40B4-BE49-F238E27FC236}">
-                  <a16:creationId xmlns:a16="http://schemas.microsoft.com/office/drawing/2014/main" id="{66A1EF76-64EB-9842-B293-A2F7D60EC587}"/>
-                </a:ext>
-              </a:extLst>
-            </p:cNvPr>
-            <p:cNvSpPr/>
-            <p:nvPr/>
-          </p:nvSpPr>
-          <p:spPr>
-            <a:xfrm>
-              <a:off x="2071914" y="229635"/>
-              <a:ext cx="2927130" cy="2927131"/>
-            </a:xfrm>
-            <a:prstGeom prst="ellipse">
-              <a:avLst/>
-            </a:prstGeom>
-            <a:solidFill>
-              <a:schemeClr val="accent3">
-                <a:lumMod val="40000"/>
-                <a:lumOff val="60000"/>
-              </a:schemeClr>
-            </a:solidFill>
-            <a:ln w="76200">
-              <a:solidFill>
-                <a:schemeClr val="accent3">
-                  <a:lumMod val="75000"/>
-                </a:schemeClr>
-              </a:solidFill>
-            </a:ln>
-          </p:spPr>
-          <p:style>
-            <a:lnRef idx="2">
-              <a:schemeClr val="accent1">
-                <a:shade val="50000"/>
-              </a:schemeClr>
-            </a:lnRef>
-            <a:fillRef idx="1">
-              <a:schemeClr val="accent1"/>
-            </a:fillRef>
-            <a:effectRef idx="0">
-              <a:schemeClr val="accent1"/>
-            </a:effectRef>
-            <a:fontRef idx="minor">
-              <a:schemeClr val="lt1"/>
-            </a:fontRef>
-          </p:style>
-          <p:txBody>
-            <a:bodyPr rtlCol="0" anchor="ctr"/>
-            <a:lstStyle/>
-            <a:p>
-              <a:pPr algn="ctr"/>
-              <a:endParaRPr lang="en-US" sz="2400" dirty="0"/>
-            </a:p>
-          </p:txBody>
-        </p:sp>
-        <p:sp>
-          <p:nvSpPr>
-            <p:cNvPr id="8" name="Oval 7">
-              <a:extLst>
-                <a:ext uri="{FF2B5EF4-FFF2-40B4-BE49-F238E27FC236}">
-                  <a16:creationId xmlns:a16="http://schemas.microsoft.com/office/drawing/2014/main" id="{F9888931-6150-7445-BD31-1CD1A57D4BE1}"/>
-                </a:ext>
-              </a:extLst>
-            </p:cNvPr>
-            <p:cNvSpPr/>
-            <p:nvPr/>
-          </p:nvSpPr>
-          <p:spPr>
-            <a:xfrm>
-              <a:off x="6663557" y="226697"/>
-              <a:ext cx="2927130" cy="2927131"/>
-            </a:xfrm>
-            <a:prstGeom prst="ellipse">
-              <a:avLst/>
-            </a:prstGeom>
-            <a:solidFill>
-              <a:schemeClr val="accent2">
-                <a:lumMod val="40000"/>
-                <a:lumOff val="60000"/>
-              </a:schemeClr>
-            </a:solidFill>
-            <a:ln w="76200">
-              <a:solidFill>
-                <a:schemeClr val="accent2">
-                  <a:lumMod val="75000"/>
-                </a:schemeClr>
-              </a:solidFill>
-            </a:ln>
-          </p:spPr>
-          <p:style>
-            <a:lnRef idx="2">
-              <a:schemeClr val="accent1">
-                <a:shade val="50000"/>
-              </a:schemeClr>
-            </a:lnRef>
-            <a:fillRef idx="1">
-              <a:schemeClr val="accent1"/>
-            </a:fillRef>
-            <a:effectRef idx="0">
-              <a:schemeClr val="accent1"/>
-            </a:effectRef>
-            <a:fontRef idx="minor">
-              <a:schemeClr val="lt1"/>
-            </a:fontRef>
-          </p:style>
-          <p:txBody>
-            <a:bodyPr rtlCol="0" anchor="ctr"/>
-            <a:lstStyle/>
-            <a:p>
-              <a:pPr algn="ctr"/>
-              <a:endParaRPr lang="en-US" sz="2400" dirty="0"/>
-            </a:p>
-          </p:txBody>
-        </p:sp>
-        <p:sp>
-          <p:nvSpPr>
-            <p:cNvPr id="9" name="Oval 8">
-              <a:extLst>
-                <a:ext uri="{FF2B5EF4-FFF2-40B4-BE49-F238E27FC236}">
-                  <a16:creationId xmlns:a16="http://schemas.microsoft.com/office/drawing/2014/main" id="{9A266EB6-849D-A147-85B5-C9B06A695B9B}"/>
-                </a:ext>
-              </a:extLst>
-            </p:cNvPr>
-            <p:cNvSpPr/>
-            <p:nvPr/>
-          </p:nvSpPr>
-          <p:spPr>
-            <a:xfrm>
-              <a:off x="4346026" y="3746937"/>
-              <a:ext cx="2927130" cy="2927131"/>
-            </a:xfrm>
-            <a:prstGeom prst="ellipse">
-              <a:avLst/>
-            </a:prstGeom>
-            <a:solidFill>
-              <a:schemeClr val="accent1">
-                <a:lumMod val="40000"/>
-                <a:lumOff val="60000"/>
-              </a:schemeClr>
-            </a:solidFill>
-            <a:ln w="76200">
-              <a:solidFill>
-                <a:schemeClr val="accent1">
-                  <a:lumMod val="75000"/>
-                </a:schemeClr>
-              </a:solidFill>
-            </a:ln>
-          </p:spPr>
-          <p:style>
-            <a:lnRef idx="2">
-              <a:schemeClr val="accent1">
-                <a:shade val="50000"/>
-              </a:schemeClr>
-            </a:lnRef>
-            <a:fillRef idx="1">
-              <a:schemeClr val="accent1"/>
-            </a:fillRef>
-            <a:effectRef idx="0">
-              <a:schemeClr val="accent1"/>
-            </a:effectRef>
-            <a:fontRef idx="minor">
-              <a:schemeClr val="lt1"/>
-            </a:fontRef>
-          </p:style>
-          <p:txBody>
-            <a:bodyPr rtlCol="0" anchor="ctr"/>
-            <a:lstStyle/>
-            <a:p>
-              <a:pPr algn="ctr"/>
-              <a:endParaRPr lang="en-US" sz="2400" dirty="0"/>
-            </a:p>
-          </p:txBody>
-        </p:sp>
-        <p:cxnSp>
-          <p:nvCxnSpPr>
-            <p:cNvPr id="10" name="Straight Connector 9">
-              <a:extLst>
-                <a:ext uri="{FF2B5EF4-FFF2-40B4-BE49-F238E27FC236}">
-                  <a16:creationId xmlns:a16="http://schemas.microsoft.com/office/drawing/2014/main" id="{344E2A36-8C8D-FD4F-B59D-D88DFE5EB611}"/>
-                </a:ext>
-              </a:extLst>
-            </p:cNvPr>
-            <p:cNvCxnSpPr>
-              <a:cxnSpLocks/>
-              <a:stCxn id="7" idx="5"/>
-            </p:cNvCxnSpPr>
-            <p:nvPr/>
-          </p:nvCxnSpPr>
-          <p:spPr>
-            <a:xfrm>
-              <a:off x="4570376" y="2728098"/>
-              <a:ext cx="1198873" cy="463955"/>
-            </a:xfrm>
-            <a:prstGeom prst="line">
-              <a:avLst/>
-            </a:prstGeom>
-            <a:ln w="76200">
-              <a:solidFill>
-                <a:schemeClr val="accent3">
-                  <a:lumMod val="75000"/>
-                </a:schemeClr>
-              </a:solidFill>
-            </a:ln>
-          </p:spPr>
-          <p:style>
-            <a:lnRef idx="1">
-              <a:schemeClr val="accent1"/>
-            </a:lnRef>
-            <a:fillRef idx="0">
-              <a:schemeClr val="accent1"/>
-            </a:fillRef>
-            <a:effectRef idx="0">
-              <a:schemeClr val="accent1"/>
-            </a:effectRef>
-            <a:fontRef idx="minor">
-              <a:schemeClr val="tx1"/>
-            </a:fontRef>
-          </p:style>
-        </p:cxnSp>
-        <p:cxnSp>
-          <p:nvCxnSpPr>
-            <p:cNvPr id="11" name="Straight Connector 10">
-              <a:extLst>
-                <a:ext uri="{FF2B5EF4-FFF2-40B4-BE49-F238E27FC236}">
-                  <a16:creationId xmlns:a16="http://schemas.microsoft.com/office/drawing/2014/main" id="{2A05CE55-B089-1342-B3CE-EEBB41A3FE73}"/>
-                </a:ext>
-              </a:extLst>
-            </p:cNvPr>
-            <p:cNvCxnSpPr>
-              <a:cxnSpLocks/>
-              <a:endCxn id="8" idx="3"/>
-            </p:cNvCxnSpPr>
-            <p:nvPr/>
-          </p:nvCxnSpPr>
-          <p:spPr>
-            <a:xfrm flipV="1">
-              <a:off x="5809591" y="2725160"/>
-              <a:ext cx="1282634" cy="428668"/>
-            </a:xfrm>
-            <a:prstGeom prst="line">
-              <a:avLst/>
-            </a:prstGeom>
-            <a:ln w="76200">
-              <a:solidFill>
-                <a:schemeClr val="accent2">
-                  <a:lumMod val="75000"/>
-                </a:schemeClr>
-              </a:solidFill>
-            </a:ln>
-          </p:spPr>
-          <p:style>
-            <a:lnRef idx="1">
-              <a:schemeClr val="accent1"/>
-            </a:lnRef>
-            <a:fillRef idx="0">
-              <a:schemeClr val="accent1"/>
-            </a:fillRef>
-            <a:effectRef idx="0">
-              <a:schemeClr val="accent1"/>
-            </a:effectRef>
-            <a:fontRef idx="minor">
-              <a:schemeClr val="tx1"/>
-            </a:fontRef>
-          </p:style>
-        </p:cxnSp>
-        <p:cxnSp>
-          <p:nvCxnSpPr>
-            <p:cNvPr id="12" name="Straight Connector 11">
-              <a:extLst>
-                <a:ext uri="{FF2B5EF4-FFF2-40B4-BE49-F238E27FC236}">
-                  <a16:creationId xmlns:a16="http://schemas.microsoft.com/office/drawing/2014/main" id="{FA1CAB12-6D99-904F-A6E8-03F781AB7054}"/>
-                </a:ext>
-              </a:extLst>
-            </p:cNvPr>
-            <p:cNvCxnSpPr>
-              <a:cxnSpLocks/>
-              <a:endCxn id="9" idx="0"/>
-            </p:cNvCxnSpPr>
-            <p:nvPr/>
-          </p:nvCxnSpPr>
-          <p:spPr>
-            <a:xfrm>
-              <a:off x="5809592" y="3153828"/>
-              <a:ext cx="0" cy="593107"/>
-            </a:xfrm>
-            <a:prstGeom prst="line">
-              <a:avLst/>
-            </a:prstGeom>
-            <a:ln w="76200">
-              <a:solidFill>
-                <a:schemeClr val="accent1">
-                  <a:lumMod val="75000"/>
-                </a:schemeClr>
-              </a:solidFill>
-            </a:ln>
-          </p:spPr>
-          <p:style>
-            <a:lnRef idx="1">
-              <a:schemeClr val="accent1"/>
-            </a:lnRef>
-            <a:fillRef idx="0">
-              <a:schemeClr val="accent1"/>
-            </a:fillRef>
-            <a:effectRef idx="0">
-              <a:schemeClr val="accent1"/>
-            </a:effectRef>
-            <a:fontRef idx="minor">
-              <a:schemeClr val="tx1"/>
-            </a:fontRef>
-          </p:style>
-        </p:cxnSp>
-        <p:pic>
-          <p:nvPicPr>
-            <p:cNvPr id="13" name="Picture 12">
-              <a:extLst>
-                <a:ext uri="{FF2B5EF4-FFF2-40B4-BE49-F238E27FC236}">
-                  <a16:creationId xmlns:a16="http://schemas.microsoft.com/office/drawing/2014/main" id="{0B198E3D-0AA6-214C-8462-70A44D4498BD}"/>
-                </a:ext>
-              </a:extLst>
-            </p:cNvPr>
-            <p:cNvPicPr>
-              <a:picLocks noChangeAspect="1"/>
-            </p:cNvPicPr>
-            <p:nvPr/>
-          </p:nvPicPr>
-          <p:blipFill>
-            <a:blip r:embed="rId2"/>
-            <a:stretch>
-              <a:fillRect/>
-            </a:stretch>
-          </p:blipFill>
-          <p:spPr>
-            <a:xfrm>
-              <a:off x="2553493" y="803838"/>
-              <a:ext cx="1805233" cy="1805233"/>
-            </a:xfrm>
-            <a:prstGeom prst="rect">
-              <a:avLst/>
-            </a:prstGeom>
-          </p:spPr>
-        </p:pic>
-        <p:pic>
-          <p:nvPicPr>
-            <p:cNvPr id="14" name="Picture 13">
-              <a:extLst>
-                <a:ext uri="{FF2B5EF4-FFF2-40B4-BE49-F238E27FC236}">
-                  <a16:creationId xmlns:a16="http://schemas.microsoft.com/office/drawing/2014/main" id="{21AE12E6-2D84-9E43-8C45-01BAF5C86EDA}"/>
-                </a:ext>
-              </a:extLst>
-            </p:cNvPr>
-            <p:cNvPicPr>
-              <a:picLocks noChangeAspect="1"/>
-            </p:cNvPicPr>
-            <p:nvPr/>
-          </p:nvPicPr>
-          <p:blipFill rotWithShape="1">
-            <a:blip r:embed="rId3"/>
-            <a:srcRect l="22202" t="19636" r="27354" b="8048"/>
-            <a:stretch/>
-          </p:blipFill>
-          <p:spPr>
-            <a:xfrm>
-              <a:off x="7497507" y="803838"/>
-              <a:ext cx="1259231" cy="1805233"/>
-            </a:xfrm>
-            <a:prstGeom prst="rect">
-              <a:avLst/>
-            </a:prstGeom>
-          </p:spPr>
-        </p:pic>
-        <p:pic>
-          <p:nvPicPr>
-            <p:cNvPr id="15" name="Picture 14">
-              <a:extLst>
-                <a:ext uri="{FF2B5EF4-FFF2-40B4-BE49-F238E27FC236}">
-                  <a16:creationId xmlns:a16="http://schemas.microsoft.com/office/drawing/2014/main" id="{BA7D6EB4-10A3-AF47-8DDA-3DD5283D6E85}"/>
-                </a:ext>
-              </a:extLst>
-            </p:cNvPr>
-            <p:cNvPicPr>
-              <a:picLocks noChangeAspect="1"/>
-            </p:cNvPicPr>
-            <p:nvPr/>
-          </p:nvPicPr>
-          <p:blipFill rotWithShape="1">
-            <a:blip r:embed="rId4"/>
-            <a:srcRect l="14252" t="15105" r="19796"/>
-            <a:stretch/>
-          </p:blipFill>
-          <p:spPr>
-            <a:xfrm>
-              <a:off x="4977335" y="4139198"/>
-              <a:ext cx="1664513" cy="2142605"/>
-            </a:xfrm>
-            <a:prstGeom prst="rect">
-              <a:avLst/>
-            </a:prstGeom>
-          </p:spPr>
-        </p:pic>
-      </p:grpSp>
-      <p:sp>
-        <p:nvSpPr>
-          <p:cNvPr id="16" name="Rectangle 15">
+          <p:cNvSpPr>
+            <a:spLocks noGrp="1"/>
+          </p:cNvSpPr>
+          <p:nvPr>
+            <p:ph type="title"/>
+          </p:nvPr>
+        </p:nvSpPr>
+        <p:spPr/>
+        <p:txBody>
+          <a:bodyPr/>
+          <a:lstStyle/>
+          <a:p>
+            <a:r>
+              <a:rPr lang="en-US" dirty="0"/>
+              <a:t>PPH Results Summary</a:t>
+            </a:r>
+          </a:p>
+        </p:txBody>
+      </p:sp>
+      <p:sp>
+        <p:nvSpPr>
+          <p:cNvPr id="3" name="Content Placeholder 2">
             <a:extLst>
               <a:ext uri="{FF2B5EF4-FFF2-40B4-BE49-F238E27FC236}">
-                <a16:creationId xmlns:a16="http://schemas.microsoft.com/office/drawing/2014/main" id="{18997943-C8C3-0B4B-A5AC-7253CE48C9F0}"/>
+                <a16:creationId xmlns:a16="http://schemas.microsoft.com/office/drawing/2014/main" id="{DB31C384-AE06-2641-A0AE-1FF6253967C1}"/>
               </a:ext>
             </a:extLst>
           </p:cNvPr>
-          <p:cNvSpPr/>
-          <p:nvPr/>
-        </p:nvSpPr>
-        <p:spPr>
-          <a:xfrm>
-            <a:off x="816282" y="1976244"/>
-            <a:ext cx="2159673" cy="521615"/>
-          </a:xfrm>
-          <a:prstGeom prst="rect">
-            <a:avLst/>
-          </a:prstGeom>
-          <a:solidFill>
-            <a:schemeClr val="accent3">
-              <a:lumMod val="60000"/>
-              <a:lumOff val="40000"/>
-            </a:schemeClr>
-          </a:solidFill>
-        </p:spPr>
-        <p:style>
-          <a:lnRef idx="2">
-            <a:schemeClr val="accent1">
-              <a:shade val="50000"/>
-            </a:schemeClr>
-          </a:lnRef>
-          <a:fillRef idx="1">
-            <a:schemeClr val="accent1"/>
-          </a:fillRef>
-          <a:effectRef idx="0">
-            <a:schemeClr val="accent1"/>
-          </a:effectRef>
-          <a:fontRef idx="minor">
-            <a:schemeClr val="lt1"/>
-          </a:fontRef>
-        </p:style>
-        <p:txBody>
-          <a:bodyPr rtlCol="0" anchor="ctr"/>
+          <p:cNvSpPr>
+            <a:spLocks noGrp="1"/>
+          </p:cNvSpPr>
+          <p:nvPr>
+            <p:ph idx="1"/>
+          </p:nvPr>
+        </p:nvSpPr>
+        <p:spPr/>
+        <p:txBody>
+          <a:bodyPr/>
           <a:lstStyle/>
           <a:p>
-            <a:pPr algn="ctr"/>
-            <a:r>
-              <a:rPr lang="en-US" dirty="0"/>
-              <a:t>Hamming Distance</a:t>
-            </a:r>
-          </a:p>
-        </p:txBody>
-      </p:sp>
-      <p:sp>
-        <p:nvSpPr>
-          <p:cNvPr id="17" name="Rectangle 16">
-            <a:extLst>
-              <a:ext uri="{FF2B5EF4-FFF2-40B4-BE49-F238E27FC236}">
-                <a16:creationId xmlns:a16="http://schemas.microsoft.com/office/drawing/2014/main" id="{3A923E76-036D-9C48-A9E4-CB79C7DB8B7E}"/>
-              </a:ext>
-            </a:extLst>
-          </p:cNvPr>
-          <p:cNvSpPr/>
-          <p:nvPr/>
-        </p:nvSpPr>
-        <p:spPr>
-          <a:xfrm>
-            <a:off x="8747625" y="1766700"/>
-            <a:ext cx="2606175" cy="536233"/>
-          </a:xfrm>
-          <a:prstGeom prst="rect">
-            <a:avLst/>
-          </a:prstGeom>
-          <a:solidFill>
-            <a:schemeClr val="accent2">
-              <a:lumMod val="60000"/>
-              <a:lumOff val="40000"/>
-            </a:schemeClr>
-          </a:solidFill>
-        </p:spPr>
-        <p:style>
-          <a:lnRef idx="2">
-            <a:schemeClr val="accent1">
-              <a:shade val="50000"/>
-            </a:schemeClr>
-          </a:lnRef>
-          <a:fillRef idx="1">
-            <a:schemeClr val="accent1"/>
-          </a:fillRef>
-          <a:effectRef idx="0">
-            <a:schemeClr val="accent1"/>
-          </a:effectRef>
-          <a:fontRef idx="minor">
-            <a:schemeClr val="lt1"/>
-          </a:fontRef>
-        </p:style>
-        <p:txBody>
-          <a:bodyPr rtlCol="0" anchor="ctr"/>
-          <a:lstStyle/>
-          <a:p>
-            <a:pPr algn="ctr"/>
-            <a:r>
-              <a:rPr lang="en-US" dirty="0"/>
-              <a:t>Function Access</a:t>
-            </a:r>
-          </a:p>
-        </p:txBody>
-      </p:sp>
-      <p:sp>
-        <p:nvSpPr>
-          <p:cNvPr id="18" name="Rectangle 17">
-            <a:extLst>
-              <a:ext uri="{FF2B5EF4-FFF2-40B4-BE49-F238E27FC236}">
-                <a16:creationId xmlns:a16="http://schemas.microsoft.com/office/drawing/2014/main" id="{36EDAD74-9725-DB45-B938-F4465203CC37}"/>
-              </a:ext>
-            </a:extLst>
-          </p:cNvPr>
-          <p:cNvSpPr/>
-          <p:nvPr/>
-        </p:nvSpPr>
-        <p:spPr>
-          <a:xfrm>
-            <a:off x="966111" y="2644710"/>
-            <a:ext cx="2159673" cy="521615"/>
-          </a:xfrm>
-          <a:prstGeom prst="rect">
-            <a:avLst/>
-          </a:prstGeom>
-          <a:solidFill>
-            <a:schemeClr val="accent3">
-              <a:lumMod val="60000"/>
-              <a:lumOff val="40000"/>
-            </a:schemeClr>
-          </a:solidFill>
-        </p:spPr>
-        <p:style>
-          <a:lnRef idx="2">
-            <a:schemeClr val="accent1">
-              <a:shade val="50000"/>
-            </a:schemeClr>
-          </a:lnRef>
-          <a:fillRef idx="1">
-            <a:schemeClr val="accent1"/>
-          </a:fillRef>
-          <a:effectRef idx="0">
-            <a:schemeClr val="accent1"/>
-          </a:effectRef>
-          <a:fontRef idx="minor">
-            <a:schemeClr val="lt1"/>
-          </a:fontRef>
-        </p:style>
-        <p:txBody>
-          <a:bodyPr rtlCol="0" anchor="ctr"/>
-          <a:lstStyle/>
-          <a:p>
-            <a:pPr algn="ctr"/>
-            <a:r>
-              <a:rPr lang="en-US" dirty="0"/>
-              <a:t>Greater-than</a:t>
-            </a:r>
-          </a:p>
-        </p:txBody>
-      </p:sp>
-      <p:sp>
-        <p:nvSpPr>
-          <p:cNvPr id="19" name="Rounded Rectangle 18">
-            <a:extLst>
-              <a:ext uri="{FF2B5EF4-FFF2-40B4-BE49-F238E27FC236}">
-                <a16:creationId xmlns:a16="http://schemas.microsoft.com/office/drawing/2014/main" id="{109EEFEF-3A7F-664C-A310-48EEE2114B01}"/>
-              </a:ext>
-            </a:extLst>
-          </p:cNvPr>
-          <p:cNvSpPr/>
-          <p:nvPr/>
-        </p:nvSpPr>
-        <p:spPr>
-          <a:xfrm>
-            <a:off x="1447222" y="324184"/>
-            <a:ext cx="10007374" cy="1053463"/>
-          </a:xfrm>
-          <a:prstGeom prst="roundRect">
-            <a:avLst/>
-          </a:prstGeom>
-          <a:solidFill>
-            <a:srgbClr val="FFDA83"/>
-          </a:solidFill>
-          <a:ln>
-            <a:noFill/>
-          </a:ln>
-        </p:spPr>
-        <p:style>
-          <a:lnRef idx="2">
-            <a:schemeClr val="accent1">
-              <a:shade val="50000"/>
-            </a:schemeClr>
-          </a:lnRef>
-          <a:fillRef idx="1">
-            <a:schemeClr val="accent1"/>
-          </a:fillRef>
-          <a:effectRef idx="0">
-            <a:schemeClr val="accent1"/>
-          </a:effectRef>
-          <a:fontRef idx="minor">
-            <a:schemeClr val="lt1"/>
-          </a:fontRef>
-        </p:style>
-        <p:txBody>
-          <a:bodyPr rtlCol="0" anchor="ctr"/>
-          <a:lstStyle/>
-          <a:p>
-            <a:r>
-              <a:rPr lang="en-US" sz="4400" dirty="0">
-                <a:solidFill>
-                  <a:schemeClr val="tx1"/>
-                </a:solidFill>
-              </a:rPr>
-              <a:t>3. Fine-Grained Cryptography</a:t>
-            </a:r>
+            <a:endParaRPr lang="en-US"/>
           </a:p>
         </p:txBody>
       </p:sp>
     </p:spTree>
     <p:extLst>
       <p:ext uri="{BB962C8B-B14F-4D97-AF65-F5344CB8AC3E}">
-        <p14:creationId xmlns:p14="http://schemas.microsoft.com/office/powerpoint/2010/main" val="3742634818"/>
+        <p14:creationId xmlns:p14="http://schemas.microsoft.com/office/powerpoint/2010/main" val="3958105298"/>
       </p:ext>
     </p:extLst>
   </p:cSld>
@@ -11147,6 +12329,2547 @@
 </p:sld>
 </file>
 
+<file path=ppt/slides/slide30.xml><?xml version="1.0" encoding="utf-8"?>
+<p:sld xmlns:a="http://schemas.openxmlformats.org/drawingml/2006/main" xmlns:r="http://schemas.openxmlformats.org/officeDocument/2006/relationships" xmlns:p="http://schemas.openxmlformats.org/presentationml/2006/main">
+  <p:cSld>
+    <p:spTree>
+      <p:nvGrpSpPr>
+        <p:cNvPr id="1" name=""/>
+        <p:cNvGrpSpPr/>
+        <p:nvPr/>
+      </p:nvGrpSpPr>
+      <p:grpSpPr>
+        <a:xfrm>
+          <a:off x="0" y="0"/>
+          <a:ext cx="0" cy="0"/>
+          <a:chOff x="0" y="0"/>
+          <a:chExt cx="0" cy="0"/>
+        </a:xfrm>
+      </p:grpSpPr>
+      <p:grpSp>
+        <p:nvGrpSpPr>
+          <p:cNvPr id="31" name="Group 30">
+            <a:extLst>
+              <a:ext uri="{FF2B5EF4-FFF2-40B4-BE49-F238E27FC236}">
+                <a16:creationId xmlns:a16="http://schemas.microsoft.com/office/drawing/2014/main" id="{DE31FD9B-7CE5-B741-998B-AC0C87790E61}"/>
+              </a:ext>
+            </a:extLst>
+          </p:cNvPr>
+          <p:cNvGrpSpPr/>
+          <p:nvPr/>
+        </p:nvGrpSpPr>
+        <p:grpSpPr>
+          <a:xfrm>
+            <a:off x="2957902" y="425950"/>
+            <a:ext cx="6986014" cy="5990526"/>
+            <a:chOff x="2071914" y="226697"/>
+            <a:chExt cx="7518775" cy="6447370"/>
+          </a:xfrm>
+        </p:grpSpPr>
+        <p:sp>
+          <p:nvSpPr>
+            <p:cNvPr id="32" name="Oval 31">
+              <a:extLst>
+                <a:ext uri="{FF2B5EF4-FFF2-40B4-BE49-F238E27FC236}">
+                  <a16:creationId xmlns:a16="http://schemas.microsoft.com/office/drawing/2014/main" id="{98701D3E-1F88-AF4D-875A-0717C9E6C490}"/>
+                </a:ext>
+              </a:extLst>
+            </p:cNvPr>
+            <p:cNvSpPr/>
+            <p:nvPr/>
+          </p:nvSpPr>
+          <p:spPr>
+            <a:xfrm>
+              <a:off x="2071914" y="229634"/>
+              <a:ext cx="2927131" cy="2927131"/>
+            </a:xfrm>
+            <a:prstGeom prst="ellipse">
+              <a:avLst/>
+            </a:prstGeom>
+            <a:solidFill>
+              <a:schemeClr val="accent3">
+                <a:lumMod val="40000"/>
+                <a:lumOff val="60000"/>
+              </a:schemeClr>
+            </a:solidFill>
+            <a:ln w="76200">
+              <a:solidFill>
+                <a:schemeClr val="accent3">
+                  <a:lumMod val="75000"/>
+                </a:schemeClr>
+              </a:solidFill>
+            </a:ln>
+          </p:spPr>
+          <p:style>
+            <a:lnRef idx="2">
+              <a:schemeClr val="accent1">
+                <a:shade val="50000"/>
+              </a:schemeClr>
+            </a:lnRef>
+            <a:fillRef idx="1">
+              <a:schemeClr val="accent1"/>
+            </a:fillRef>
+            <a:effectRef idx="0">
+              <a:schemeClr val="accent1"/>
+            </a:effectRef>
+            <a:fontRef idx="minor">
+              <a:schemeClr val="lt1"/>
+            </a:fontRef>
+          </p:style>
+          <p:txBody>
+            <a:bodyPr rtlCol="0" anchor="ctr"/>
+            <a:lstStyle/>
+            <a:p>
+              <a:pPr algn="ctr"/>
+              <a:endParaRPr lang="en-US" sz="2400" dirty="0"/>
+            </a:p>
+          </p:txBody>
+        </p:sp>
+        <p:sp>
+          <p:nvSpPr>
+            <p:cNvPr id="33" name="Oval 32">
+              <a:extLst>
+                <a:ext uri="{FF2B5EF4-FFF2-40B4-BE49-F238E27FC236}">
+                  <a16:creationId xmlns:a16="http://schemas.microsoft.com/office/drawing/2014/main" id="{5F772962-9E5A-744E-A02F-F164D5D88A1D}"/>
+                </a:ext>
+              </a:extLst>
+            </p:cNvPr>
+            <p:cNvSpPr/>
+            <p:nvPr/>
+          </p:nvSpPr>
+          <p:spPr>
+            <a:xfrm>
+              <a:off x="6663558" y="226697"/>
+              <a:ext cx="2927131" cy="2927131"/>
+            </a:xfrm>
+            <a:prstGeom prst="ellipse">
+              <a:avLst/>
+            </a:prstGeom>
+            <a:solidFill>
+              <a:schemeClr val="accent2">
+                <a:lumMod val="40000"/>
+                <a:lumOff val="60000"/>
+              </a:schemeClr>
+            </a:solidFill>
+            <a:ln w="76200">
+              <a:solidFill>
+                <a:schemeClr val="accent2">
+                  <a:lumMod val="75000"/>
+                </a:schemeClr>
+              </a:solidFill>
+            </a:ln>
+          </p:spPr>
+          <p:style>
+            <a:lnRef idx="2">
+              <a:schemeClr val="accent1">
+                <a:shade val="50000"/>
+              </a:schemeClr>
+            </a:lnRef>
+            <a:fillRef idx="1">
+              <a:schemeClr val="accent1"/>
+            </a:fillRef>
+            <a:effectRef idx="0">
+              <a:schemeClr val="accent1"/>
+            </a:effectRef>
+            <a:fontRef idx="minor">
+              <a:schemeClr val="lt1"/>
+            </a:fontRef>
+          </p:style>
+          <p:txBody>
+            <a:bodyPr rtlCol="0" anchor="ctr"/>
+            <a:lstStyle/>
+            <a:p>
+              <a:pPr algn="ctr"/>
+              <a:endParaRPr lang="en-US" sz="2400" dirty="0"/>
+            </a:p>
+          </p:txBody>
+        </p:sp>
+        <p:sp>
+          <p:nvSpPr>
+            <p:cNvPr id="34" name="Oval 33">
+              <a:extLst>
+                <a:ext uri="{FF2B5EF4-FFF2-40B4-BE49-F238E27FC236}">
+                  <a16:creationId xmlns:a16="http://schemas.microsoft.com/office/drawing/2014/main" id="{984EC0DD-04AE-F842-B98D-A0A94A4059C4}"/>
+                </a:ext>
+              </a:extLst>
+            </p:cNvPr>
+            <p:cNvSpPr/>
+            <p:nvPr/>
+          </p:nvSpPr>
+          <p:spPr>
+            <a:xfrm>
+              <a:off x="4346027" y="3746936"/>
+              <a:ext cx="2927131" cy="2927131"/>
+            </a:xfrm>
+            <a:prstGeom prst="ellipse">
+              <a:avLst/>
+            </a:prstGeom>
+            <a:solidFill>
+              <a:schemeClr val="accent1">
+                <a:lumMod val="40000"/>
+                <a:lumOff val="60000"/>
+              </a:schemeClr>
+            </a:solidFill>
+            <a:ln w="76200">
+              <a:solidFill>
+                <a:schemeClr val="accent1">
+                  <a:lumMod val="75000"/>
+                </a:schemeClr>
+              </a:solidFill>
+            </a:ln>
+          </p:spPr>
+          <p:style>
+            <a:lnRef idx="2">
+              <a:schemeClr val="accent1">
+                <a:shade val="50000"/>
+              </a:schemeClr>
+            </a:lnRef>
+            <a:fillRef idx="1">
+              <a:schemeClr val="accent1"/>
+            </a:fillRef>
+            <a:effectRef idx="0">
+              <a:schemeClr val="accent1"/>
+            </a:effectRef>
+            <a:fontRef idx="minor">
+              <a:schemeClr val="lt1"/>
+            </a:fontRef>
+          </p:style>
+          <p:txBody>
+            <a:bodyPr rtlCol="0" anchor="ctr"/>
+            <a:lstStyle/>
+            <a:p>
+              <a:pPr algn="ctr"/>
+              <a:endParaRPr lang="en-US" sz="2400" dirty="0"/>
+            </a:p>
+          </p:txBody>
+        </p:sp>
+        <p:cxnSp>
+          <p:nvCxnSpPr>
+            <p:cNvPr id="35" name="Straight Connector 34">
+              <a:extLst>
+                <a:ext uri="{FF2B5EF4-FFF2-40B4-BE49-F238E27FC236}">
+                  <a16:creationId xmlns:a16="http://schemas.microsoft.com/office/drawing/2014/main" id="{4B7B94C1-966A-3447-8E78-27368D17A259}"/>
+                </a:ext>
+              </a:extLst>
+            </p:cNvPr>
+            <p:cNvCxnSpPr>
+              <a:cxnSpLocks/>
+              <a:stCxn id="32" idx="5"/>
+            </p:cNvCxnSpPr>
+            <p:nvPr/>
+          </p:nvCxnSpPr>
+          <p:spPr>
+            <a:xfrm>
+              <a:off x="4570377" y="2728097"/>
+              <a:ext cx="1198873" cy="463955"/>
+            </a:xfrm>
+            <a:prstGeom prst="line">
+              <a:avLst/>
+            </a:prstGeom>
+            <a:ln w="76200">
+              <a:solidFill>
+                <a:schemeClr val="accent3">
+                  <a:lumMod val="75000"/>
+                </a:schemeClr>
+              </a:solidFill>
+            </a:ln>
+          </p:spPr>
+          <p:style>
+            <a:lnRef idx="1">
+              <a:schemeClr val="accent1"/>
+            </a:lnRef>
+            <a:fillRef idx="0">
+              <a:schemeClr val="accent1"/>
+            </a:fillRef>
+            <a:effectRef idx="0">
+              <a:schemeClr val="accent1"/>
+            </a:effectRef>
+            <a:fontRef idx="minor">
+              <a:schemeClr val="tx1"/>
+            </a:fontRef>
+          </p:style>
+        </p:cxnSp>
+        <p:cxnSp>
+          <p:nvCxnSpPr>
+            <p:cNvPr id="36" name="Straight Connector 35">
+              <a:extLst>
+                <a:ext uri="{FF2B5EF4-FFF2-40B4-BE49-F238E27FC236}">
+                  <a16:creationId xmlns:a16="http://schemas.microsoft.com/office/drawing/2014/main" id="{89460233-33ED-4445-AF20-2E3EF4D1C2C8}"/>
+                </a:ext>
+              </a:extLst>
+            </p:cNvPr>
+            <p:cNvCxnSpPr>
+              <a:cxnSpLocks/>
+              <a:endCxn id="33" idx="3"/>
+            </p:cNvCxnSpPr>
+            <p:nvPr/>
+          </p:nvCxnSpPr>
+          <p:spPr>
+            <a:xfrm flipV="1">
+              <a:off x="5809592" y="2725160"/>
+              <a:ext cx="1282634" cy="428668"/>
+            </a:xfrm>
+            <a:prstGeom prst="line">
+              <a:avLst/>
+            </a:prstGeom>
+            <a:ln w="76200">
+              <a:solidFill>
+                <a:schemeClr val="accent2">
+                  <a:lumMod val="75000"/>
+                </a:schemeClr>
+              </a:solidFill>
+            </a:ln>
+          </p:spPr>
+          <p:style>
+            <a:lnRef idx="1">
+              <a:schemeClr val="accent1"/>
+            </a:lnRef>
+            <a:fillRef idx="0">
+              <a:schemeClr val="accent1"/>
+            </a:fillRef>
+            <a:effectRef idx="0">
+              <a:schemeClr val="accent1"/>
+            </a:effectRef>
+            <a:fontRef idx="minor">
+              <a:schemeClr val="tx1"/>
+            </a:fontRef>
+          </p:style>
+        </p:cxnSp>
+        <p:cxnSp>
+          <p:nvCxnSpPr>
+            <p:cNvPr id="37" name="Straight Connector 36">
+              <a:extLst>
+                <a:ext uri="{FF2B5EF4-FFF2-40B4-BE49-F238E27FC236}">
+                  <a16:creationId xmlns:a16="http://schemas.microsoft.com/office/drawing/2014/main" id="{DD2450A3-4E6B-8248-A7F5-4A5EC0CA8F7E}"/>
+                </a:ext>
+              </a:extLst>
+            </p:cNvPr>
+            <p:cNvCxnSpPr>
+              <a:cxnSpLocks/>
+              <a:endCxn id="34" idx="0"/>
+            </p:cNvCxnSpPr>
+            <p:nvPr/>
+          </p:nvCxnSpPr>
+          <p:spPr>
+            <a:xfrm>
+              <a:off x="5809593" y="3153828"/>
+              <a:ext cx="0" cy="593108"/>
+            </a:xfrm>
+            <a:prstGeom prst="line">
+              <a:avLst/>
+            </a:prstGeom>
+            <a:ln w="76200">
+              <a:solidFill>
+                <a:schemeClr val="accent1">
+                  <a:lumMod val="75000"/>
+                </a:schemeClr>
+              </a:solidFill>
+            </a:ln>
+          </p:spPr>
+          <p:style>
+            <a:lnRef idx="1">
+              <a:schemeClr val="accent1"/>
+            </a:lnRef>
+            <a:fillRef idx="0">
+              <a:schemeClr val="accent1"/>
+            </a:fillRef>
+            <a:effectRef idx="0">
+              <a:schemeClr val="accent1"/>
+            </a:effectRef>
+            <a:fontRef idx="minor">
+              <a:schemeClr val="tx1"/>
+            </a:fontRef>
+          </p:style>
+        </p:cxnSp>
+        <p:pic>
+          <p:nvPicPr>
+            <p:cNvPr id="38" name="Picture 37">
+              <a:extLst>
+                <a:ext uri="{FF2B5EF4-FFF2-40B4-BE49-F238E27FC236}">
+                  <a16:creationId xmlns:a16="http://schemas.microsoft.com/office/drawing/2014/main" id="{26A361CB-9E99-7D42-9727-5A1732E45771}"/>
+                </a:ext>
+              </a:extLst>
+            </p:cNvPr>
+            <p:cNvPicPr>
+              <a:picLocks noChangeAspect="1"/>
+            </p:cNvPicPr>
+            <p:nvPr/>
+          </p:nvPicPr>
+          <p:blipFill>
+            <a:blip r:embed="rId3"/>
+            <a:stretch>
+              <a:fillRect/>
+            </a:stretch>
+          </p:blipFill>
+          <p:spPr>
+            <a:xfrm>
+              <a:off x="2553493" y="803838"/>
+              <a:ext cx="1805233" cy="1805233"/>
+            </a:xfrm>
+            <a:prstGeom prst="rect">
+              <a:avLst/>
+            </a:prstGeom>
+          </p:spPr>
+        </p:pic>
+        <p:pic>
+          <p:nvPicPr>
+            <p:cNvPr id="39" name="Picture 38">
+              <a:extLst>
+                <a:ext uri="{FF2B5EF4-FFF2-40B4-BE49-F238E27FC236}">
+                  <a16:creationId xmlns:a16="http://schemas.microsoft.com/office/drawing/2014/main" id="{EF699442-5E7A-1647-9583-5CF2C973EB9E}"/>
+                </a:ext>
+              </a:extLst>
+            </p:cNvPr>
+            <p:cNvPicPr>
+              <a:picLocks noChangeAspect="1"/>
+            </p:cNvPicPr>
+            <p:nvPr/>
+          </p:nvPicPr>
+          <p:blipFill rotWithShape="1">
+            <a:blip r:embed="rId4"/>
+            <a:srcRect l="22202" t="19636" r="27354" b="8048"/>
+            <a:stretch/>
+          </p:blipFill>
+          <p:spPr>
+            <a:xfrm>
+              <a:off x="7497508" y="803838"/>
+              <a:ext cx="1259231" cy="1805233"/>
+            </a:xfrm>
+            <a:prstGeom prst="rect">
+              <a:avLst/>
+            </a:prstGeom>
+          </p:spPr>
+        </p:pic>
+        <p:pic>
+          <p:nvPicPr>
+            <p:cNvPr id="40" name="Picture 39">
+              <a:extLst>
+                <a:ext uri="{FF2B5EF4-FFF2-40B4-BE49-F238E27FC236}">
+                  <a16:creationId xmlns:a16="http://schemas.microsoft.com/office/drawing/2014/main" id="{7A1D16AD-6242-D846-957F-8780BC25410B}"/>
+                </a:ext>
+              </a:extLst>
+            </p:cNvPr>
+            <p:cNvPicPr>
+              <a:picLocks noChangeAspect="1"/>
+            </p:cNvPicPr>
+            <p:nvPr/>
+          </p:nvPicPr>
+          <p:blipFill rotWithShape="1">
+            <a:blip r:embed="rId5"/>
+            <a:srcRect l="14252" t="15105" r="19796"/>
+            <a:stretch/>
+          </p:blipFill>
+          <p:spPr>
+            <a:xfrm>
+              <a:off x="4977335" y="4139198"/>
+              <a:ext cx="1664513" cy="2142605"/>
+            </a:xfrm>
+            <a:prstGeom prst="rect">
+              <a:avLst/>
+            </a:prstGeom>
+          </p:spPr>
+        </p:pic>
+      </p:grpSp>
+      <p:grpSp>
+        <p:nvGrpSpPr>
+          <p:cNvPr id="7" name="Group 6">
+            <a:extLst>
+              <a:ext uri="{FF2B5EF4-FFF2-40B4-BE49-F238E27FC236}">
+                <a16:creationId xmlns:a16="http://schemas.microsoft.com/office/drawing/2014/main" id="{C94D69D9-61DF-5A41-A29F-9E2640B76CF2}"/>
+              </a:ext>
+            </a:extLst>
+          </p:cNvPr>
+          <p:cNvGrpSpPr/>
+          <p:nvPr/>
+        </p:nvGrpSpPr>
+        <p:grpSpPr>
+          <a:xfrm>
+            <a:off x="1447222" y="938144"/>
+            <a:ext cx="10007374" cy="4580423"/>
+            <a:chOff x="1447222" y="938144"/>
+            <a:chExt cx="10007374" cy="4580423"/>
+          </a:xfrm>
+        </p:grpSpPr>
+        <p:sp>
+          <p:nvSpPr>
+            <p:cNvPr id="3" name="Rounded Rectangle 2">
+              <a:extLst>
+                <a:ext uri="{FF2B5EF4-FFF2-40B4-BE49-F238E27FC236}">
+                  <a16:creationId xmlns:a16="http://schemas.microsoft.com/office/drawing/2014/main" id="{C87ED3C2-07A5-E54B-B21F-D5A423ACD8CB}"/>
+                </a:ext>
+              </a:extLst>
+            </p:cNvPr>
+            <p:cNvSpPr/>
+            <p:nvPr/>
+          </p:nvSpPr>
+          <p:spPr>
+            <a:xfrm>
+              <a:off x="1447222" y="938144"/>
+              <a:ext cx="10007374" cy="1053463"/>
+            </a:xfrm>
+            <a:prstGeom prst="roundRect">
+              <a:avLst/>
+            </a:prstGeom>
+            <a:solidFill>
+              <a:srgbClr val="FFDA83"/>
+            </a:solidFill>
+            <a:ln>
+              <a:noFill/>
+            </a:ln>
+          </p:spPr>
+          <p:style>
+            <a:lnRef idx="2">
+              <a:schemeClr val="accent1">
+                <a:shade val="50000"/>
+              </a:schemeClr>
+            </a:lnRef>
+            <a:fillRef idx="1">
+              <a:schemeClr val="accent1"/>
+            </a:fillRef>
+            <a:effectRef idx="0">
+              <a:schemeClr val="accent1"/>
+            </a:effectRef>
+            <a:fontRef idx="minor">
+              <a:schemeClr val="lt1"/>
+            </a:fontRef>
+          </p:style>
+          <p:txBody>
+            <a:bodyPr rtlCol="0" anchor="ctr"/>
+            <a:lstStyle/>
+            <a:p>
+              <a:r>
+                <a:rPr lang="en-US" sz="4400" dirty="0">
+                  <a:solidFill>
+                    <a:schemeClr val="tx1"/>
+                  </a:solidFill>
+                </a:rPr>
+                <a:t>1. Topology-Hiding Computation</a:t>
+              </a:r>
+            </a:p>
+          </p:txBody>
+        </p:sp>
+        <p:sp>
+          <p:nvSpPr>
+            <p:cNvPr id="29" name="Rounded Rectangle 28">
+              <a:extLst>
+                <a:ext uri="{FF2B5EF4-FFF2-40B4-BE49-F238E27FC236}">
+                  <a16:creationId xmlns:a16="http://schemas.microsoft.com/office/drawing/2014/main" id="{5A71E8A6-1C70-254F-9B1C-02BB7732CB75}"/>
+                </a:ext>
+              </a:extLst>
+            </p:cNvPr>
+            <p:cNvSpPr/>
+            <p:nvPr/>
+          </p:nvSpPr>
+          <p:spPr>
+            <a:xfrm>
+              <a:off x="1447222" y="2701624"/>
+              <a:ext cx="10007374" cy="1053463"/>
+            </a:xfrm>
+            <a:prstGeom prst="roundRect">
+              <a:avLst/>
+            </a:prstGeom>
+            <a:solidFill>
+              <a:srgbClr val="FFDA83"/>
+            </a:solidFill>
+            <a:ln>
+              <a:noFill/>
+            </a:ln>
+          </p:spPr>
+          <p:style>
+            <a:lnRef idx="2">
+              <a:schemeClr val="accent1">
+                <a:shade val="50000"/>
+              </a:schemeClr>
+            </a:lnRef>
+            <a:fillRef idx="1">
+              <a:schemeClr val="accent1"/>
+            </a:fillRef>
+            <a:effectRef idx="0">
+              <a:schemeClr val="accent1"/>
+            </a:effectRef>
+            <a:fontRef idx="minor">
+              <a:schemeClr val="lt1"/>
+            </a:fontRef>
+          </p:style>
+          <p:txBody>
+            <a:bodyPr rtlCol="0" anchor="ctr"/>
+            <a:lstStyle/>
+            <a:p>
+              <a:r>
+                <a:rPr lang="en-US" sz="4400" dirty="0">
+                  <a:solidFill>
+                    <a:schemeClr val="tx1"/>
+                  </a:solidFill>
+                </a:rPr>
+                <a:t>2. Robust Property Preserving Hashing</a:t>
+              </a:r>
+            </a:p>
+          </p:txBody>
+        </p:sp>
+        <p:sp>
+          <p:nvSpPr>
+            <p:cNvPr id="30" name="Rounded Rectangle 29">
+              <a:extLst>
+                <a:ext uri="{FF2B5EF4-FFF2-40B4-BE49-F238E27FC236}">
+                  <a16:creationId xmlns:a16="http://schemas.microsoft.com/office/drawing/2014/main" id="{B342904E-F413-4A47-9E95-4F8795D8D122}"/>
+                </a:ext>
+              </a:extLst>
+            </p:cNvPr>
+            <p:cNvSpPr/>
+            <p:nvPr/>
+          </p:nvSpPr>
+          <p:spPr>
+            <a:xfrm>
+              <a:off x="1447222" y="4465104"/>
+              <a:ext cx="10007374" cy="1053463"/>
+            </a:xfrm>
+            <a:prstGeom prst="roundRect">
+              <a:avLst/>
+            </a:prstGeom>
+            <a:solidFill>
+              <a:srgbClr val="FFDA83"/>
+            </a:solidFill>
+            <a:ln>
+              <a:noFill/>
+            </a:ln>
+          </p:spPr>
+          <p:style>
+            <a:lnRef idx="2">
+              <a:schemeClr val="accent1">
+                <a:shade val="50000"/>
+              </a:schemeClr>
+            </a:lnRef>
+            <a:fillRef idx="1">
+              <a:schemeClr val="accent1"/>
+            </a:fillRef>
+            <a:effectRef idx="0">
+              <a:schemeClr val="accent1"/>
+            </a:effectRef>
+            <a:fontRef idx="minor">
+              <a:schemeClr val="lt1"/>
+            </a:fontRef>
+          </p:style>
+          <p:txBody>
+            <a:bodyPr rtlCol="0" anchor="ctr"/>
+            <a:lstStyle/>
+            <a:p>
+              <a:r>
+                <a:rPr lang="en-US" sz="4400" dirty="0">
+                  <a:solidFill>
+                    <a:schemeClr val="tx1"/>
+                  </a:solidFill>
+                </a:rPr>
+                <a:t>3. Fine-Grained Cryptography</a:t>
+              </a:r>
+            </a:p>
+          </p:txBody>
+        </p:sp>
+      </p:grpSp>
+    </p:spTree>
+    <p:extLst>
+      <p:ext uri="{BB962C8B-B14F-4D97-AF65-F5344CB8AC3E}">
+        <p14:creationId xmlns:p14="http://schemas.microsoft.com/office/powerpoint/2010/main" val="1866176858"/>
+      </p:ext>
+    </p:extLst>
+  </p:cSld>
+  <p:clrMapOvr>
+    <a:masterClrMapping/>
+  </p:clrMapOvr>
+</p:sld>
+</file>
+
+<file path=ppt/slides/slide31.xml><?xml version="1.0" encoding="utf-8"?>
+<p:sld xmlns:a="http://schemas.openxmlformats.org/drawingml/2006/main" xmlns:r="http://schemas.openxmlformats.org/officeDocument/2006/relationships" xmlns:p="http://schemas.openxmlformats.org/presentationml/2006/main">
+  <p:cSld>
+    <p:spTree>
+      <p:nvGrpSpPr>
+        <p:cNvPr id="1" name=""/>
+        <p:cNvGrpSpPr/>
+        <p:nvPr/>
+      </p:nvGrpSpPr>
+      <p:grpSpPr>
+        <a:xfrm>
+          <a:off x="0" y="0"/>
+          <a:ext cx="0" cy="0"/>
+          <a:chOff x="0" y="0"/>
+          <a:chExt cx="0" cy="0"/>
+        </a:xfrm>
+      </p:grpSpPr>
+      <p:grpSp>
+        <p:nvGrpSpPr>
+          <p:cNvPr id="6" name="Group 5">
+            <a:extLst>
+              <a:ext uri="{FF2B5EF4-FFF2-40B4-BE49-F238E27FC236}">
+                <a16:creationId xmlns:a16="http://schemas.microsoft.com/office/drawing/2014/main" id="{726D2F3C-DAAA-6B42-A8C6-63EE73DD471F}"/>
+              </a:ext>
+            </a:extLst>
+          </p:cNvPr>
+          <p:cNvGrpSpPr/>
+          <p:nvPr/>
+        </p:nvGrpSpPr>
+        <p:grpSpPr>
+          <a:xfrm>
+            <a:off x="2793640" y="1251850"/>
+            <a:ext cx="6286129" cy="5390373"/>
+            <a:chOff x="2071914" y="226697"/>
+            <a:chExt cx="7518773" cy="6447371"/>
+          </a:xfrm>
+        </p:grpSpPr>
+        <p:sp>
+          <p:nvSpPr>
+            <p:cNvPr id="7" name="Oval 6">
+              <a:extLst>
+                <a:ext uri="{FF2B5EF4-FFF2-40B4-BE49-F238E27FC236}">
+                  <a16:creationId xmlns:a16="http://schemas.microsoft.com/office/drawing/2014/main" id="{66A1EF76-64EB-9842-B293-A2F7D60EC587}"/>
+                </a:ext>
+              </a:extLst>
+            </p:cNvPr>
+            <p:cNvSpPr/>
+            <p:nvPr/>
+          </p:nvSpPr>
+          <p:spPr>
+            <a:xfrm>
+              <a:off x="2071914" y="229635"/>
+              <a:ext cx="2927130" cy="2927131"/>
+            </a:xfrm>
+            <a:prstGeom prst="ellipse">
+              <a:avLst/>
+            </a:prstGeom>
+            <a:solidFill>
+              <a:schemeClr val="accent3">
+                <a:lumMod val="40000"/>
+                <a:lumOff val="60000"/>
+              </a:schemeClr>
+            </a:solidFill>
+            <a:ln w="76200">
+              <a:solidFill>
+                <a:schemeClr val="accent3">
+                  <a:lumMod val="75000"/>
+                </a:schemeClr>
+              </a:solidFill>
+            </a:ln>
+          </p:spPr>
+          <p:style>
+            <a:lnRef idx="2">
+              <a:schemeClr val="accent1">
+                <a:shade val="50000"/>
+              </a:schemeClr>
+            </a:lnRef>
+            <a:fillRef idx="1">
+              <a:schemeClr val="accent1"/>
+            </a:fillRef>
+            <a:effectRef idx="0">
+              <a:schemeClr val="accent1"/>
+            </a:effectRef>
+            <a:fontRef idx="minor">
+              <a:schemeClr val="lt1"/>
+            </a:fontRef>
+          </p:style>
+          <p:txBody>
+            <a:bodyPr rtlCol="0" anchor="ctr"/>
+            <a:lstStyle/>
+            <a:p>
+              <a:pPr algn="ctr"/>
+              <a:endParaRPr lang="en-US" sz="2400" dirty="0"/>
+            </a:p>
+          </p:txBody>
+        </p:sp>
+        <p:sp>
+          <p:nvSpPr>
+            <p:cNvPr id="8" name="Oval 7">
+              <a:extLst>
+                <a:ext uri="{FF2B5EF4-FFF2-40B4-BE49-F238E27FC236}">
+                  <a16:creationId xmlns:a16="http://schemas.microsoft.com/office/drawing/2014/main" id="{F9888931-6150-7445-BD31-1CD1A57D4BE1}"/>
+                </a:ext>
+              </a:extLst>
+            </p:cNvPr>
+            <p:cNvSpPr/>
+            <p:nvPr/>
+          </p:nvSpPr>
+          <p:spPr>
+            <a:xfrm>
+              <a:off x="6663557" y="226697"/>
+              <a:ext cx="2927130" cy="2927131"/>
+            </a:xfrm>
+            <a:prstGeom prst="ellipse">
+              <a:avLst/>
+            </a:prstGeom>
+            <a:solidFill>
+              <a:schemeClr val="accent2">
+                <a:lumMod val="40000"/>
+                <a:lumOff val="60000"/>
+              </a:schemeClr>
+            </a:solidFill>
+            <a:ln w="76200">
+              <a:solidFill>
+                <a:schemeClr val="accent2">
+                  <a:lumMod val="75000"/>
+                </a:schemeClr>
+              </a:solidFill>
+            </a:ln>
+          </p:spPr>
+          <p:style>
+            <a:lnRef idx="2">
+              <a:schemeClr val="accent1">
+                <a:shade val="50000"/>
+              </a:schemeClr>
+            </a:lnRef>
+            <a:fillRef idx="1">
+              <a:schemeClr val="accent1"/>
+            </a:fillRef>
+            <a:effectRef idx="0">
+              <a:schemeClr val="accent1"/>
+            </a:effectRef>
+            <a:fontRef idx="minor">
+              <a:schemeClr val="lt1"/>
+            </a:fontRef>
+          </p:style>
+          <p:txBody>
+            <a:bodyPr rtlCol="0" anchor="ctr"/>
+            <a:lstStyle/>
+            <a:p>
+              <a:pPr algn="ctr"/>
+              <a:endParaRPr lang="en-US" sz="2400" dirty="0"/>
+            </a:p>
+          </p:txBody>
+        </p:sp>
+        <p:sp>
+          <p:nvSpPr>
+            <p:cNvPr id="9" name="Oval 8">
+              <a:extLst>
+                <a:ext uri="{FF2B5EF4-FFF2-40B4-BE49-F238E27FC236}">
+                  <a16:creationId xmlns:a16="http://schemas.microsoft.com/office/drawing/2014/main" id="{9A266EB6-849D-A147-85B5-C9B06A695B9B}"/>
+                </a:ext>
+              </a:extLst>
+            </p:cNvPr>
+            <p:cNvSpPr/>
+            <p:nvPr/>
+          </p:nvSpPr>
+          <p:spPr>
+            <a:xfrm>
+              <a:off x="4346026" y="3746937"/>
+              <a:ext cx="2927130" cy="2927131"/>
+            </a:xfrm>
+            <a:prstGeom prst="ellipse">
+              <a:avLst/>
+            </a:prstGeom>
+            <a:solidFill>
+              <a:schemeClr val="accent1">
+                <a:lumMod val="40000"/>
+                <a:lumOff val="60000"/>
+              </a:schemeClr>
+            </a:solidFill>
+            <a:ln w="76200">
+              <a:solidFill>
+                <a:schemeClr val="accent1">
+                  <a:lumMod val="75000"/>
+                </a:schemeClr>
+              </a:solidFill>
+            </a:ln>
+          </p:spPr>
+          <p:style>
+            <a:lnRef idx="2">
+              <a:schemeClr val="accent1">
+                <a:shade val="50000"/>
+              </a:schemeClr>
+            </a:lnRef>
+            <a:fillRef idx="1">
+              <a:schemeClr val="accent1"/>
+            </a:fillRef>
+            <a:effectRef idx="0">
+              <a:schemeClr val="accent1"/>
+            </a:effectRef>
+            <a:fontRef idx="minor">
+              <a:schemeClr val="lt1"/>
+            </a:fontRef>
+          </p:style>
+          <p:txBody>
+            <a:bodyPr rtlCol="0" anchor="ctr"/>
+            <a:lstStyle/>
+            <a:p>
+              <a:pPr algn="ctr"/>
+              <a:endParaRPr lang="en-US" sz="2400" dirty="0"/>
+            </a:p>
+          </p:txBody>
+        </p:sp>
+        <p:cxnSp>
+          <p:nvCxnSpPr>
+            <p:cNvPr id="10" name="Straight Connector 9">
+              <a:extLst>
+                <a:ext uri="{FF2B5EF4-FFF2-40B4-BE49-F238E27FC236}">
+                  <a16:creationId xmlns:a16="http://schemas.microsoft.com/office/drawing/2014/main" id="{344E2A36-8C8D-FD4F-B59D-D88DFE5EB611}"/>
+                </a:ext>
+              </a:extLst>
+            </p:cNvPr>
+            <p:cNvCxnSpPr>
+              <a:cxnSpLocks/>
+              <a:stCxn id="7" idx="5"/>
+            </p:cNvCxnSpPr>
+            <p:nvPr/>
+          </p:nvCxnSpPr>
+          <p:spPr>
+            <a:xfrm>
+              <a:off x="4570376" y="2728098"/>
+              <a:ext cx="1198873" cy="463955"/>
+            </a:xfrm>
+            <a:prstGeom prst="line">
+              <a:avLst/>
+            </a:prstGeom>
+            <a:ln w="76200">
+              <a:solidFill>
+                <a:schemeClr val="accent3">
+                  <a:lumMod val="75000"/>
+                </a:schemeClr>
+              </a:solidFill>
+            </a:ln>
+          </p:spPr>
+          <p:style>
+            <a:lnRef idx="1">
+              <a:schemeClr val="accent1"/>
+            </a:lnRef>
+            <a:fillRef idx="0">
+              <a:schemeClr val="accent1"/>
+            </a:fillRef>
+            <a:effectRef idx="0">
+              <a:schemeClr val="accent1"/>
+            </a:effectRef>
+            <a:fontRef idx="minor">
+              <a:schemeClr val="tx1"/>
+            </a:fontRef>
+          </p:style>
+        </p:cxnSp>
+        <p:cxnSp>
+          <p:nvCxnSpPr>
+            <p:cNvPr id="11" name="Straight Connector 10">
+              <a:extLst>
+                <a:ext uri="{FF2B5EF4-FFF2-40B4-BE49-F238E27FC236}">
+                  <a16:creationId xmlns:a16="http://schemas.microsoft.com/office/drawing/2014/main" id="{2A05CE55-B089-1342-B3CE-EEBB41A3FE73}"/>
+                </a:ext>
+              </a:extLst>
+            </p:cNvPr>
+            <p:cNvCxnSpPr>
+              <a:cxnSpLocks/>
+              <a:endCxn id="8" idx="3"/>
+            </p:cNvCxnSpPr>
+            <p:nvPr/>
+          </p:nvCxnSpPr>
+          <p:spPr>
+            <a:xfrm flipV="1">
+              <a:off x="5809591" y="2725160"/>
+              <a:ext cx="1282634" cy="428668"/>
+            </a:xfrm>
+            <a:prstGeom prst="line">
+              <a:avLst/>
+            </a:prstGeom>
+            <a:ln w="76200">
+              <a:solidFill>
+                <a:schemeClr val="accent2">
+                  <a:lumMod val="75000"/>
+                </a:schemeClr>
+              </a:solidFill>
+            </a:ln>
+          </p:spPr>
+          <p:style>
+            <a:lnRef idx="1">
+              <a:schemeClr val="accent1"/>
+            </a:lnRef>
+            <a:fillRef idx="0">
+              <a:schemeClr val="accent1"/>
+            </a:fillRef>
+            <a:effectRef idx="0">
+              <a:schemeClr val="accent1"/>
+            </a:effectRef>
+            <a:fontRef idx="minor">
+              <a:schemeClr val="tx1"/>
+            </a:fontRef>
+          </p:style>
+        </p:cxnSp>
+        <p:cxnSp>
+          <p:nvCxnSpPr>
+            <p:cNvPr id="12" name="Straight Connector 11">
+              <a:extLst>
+                <a:ext uri="{FF2B5EF4-FFF2-40B4-BE49-F238E27FC236}">
+                  <a16:creationId xmlns:a16="http://schemas.microsoft.com/office/drawing/2014/main" id="{FA1CAB12-6D99-904F-A6E8-03F781AB7054}"/>
+                </a:ext>
+              </a:extLst>
+            </p:cNvPr>
+            <p:cNvCxnSpPr>
+              <a:cxnSpLocks/>
+              <a:endCxn id="9" idx="0"/>
+            </p:cNvCxnSpPr>
+            <p:nvPr/>
+          </p:nvCxnSpPr>
+          <p:spPr>
+            <a:xfrm>
+              <a:off x="5809592" y="3153828"/>
+              <a:ext cx="0" cy="593107"/>
+            </a:xfrm>
+            <a:prstGeom prst="line">
+              <a:avLst/>
+            </a:prstGeom>
+            <a:ln w="76200">
+              <a:solidFill>
+                <a:schemeClr val="accent1">
+                  <a:lumMod val="75000"/>
+                </a:schemeClr>
+              </a:solidFill>
+            </a:ln>
+          </p:spPr>
+          <p:style>
+            <a:lnRef idx="1">
+              <a:schemeClr val="accent1"/>
+            </a:lnRef>
+            <a:fillRef idx="0">
+              <a:schemeClr val="accent1"/>
+            </a:fillRef>
+            <a:effectRef idx="0">
+              <a:schemeClr val="accent1"/>
+            </a:effectRef>
+            <a:fontRef idx="minor">
+              <a:schemeClr val="tx1"/>
+            </a:fontRef>
+          </p:style>
+        </p:cxnSp>
+        <p:pic>
+          <p:nvPicPr>
+            <p:cNvPr id="13" name="Picture 12">
+              <a:extLst>
+                <a:ext uri="{FF2B5EF4-FFF2-40B4-BE49-F238E27FC236}">
+                  <a16:creationId xmlns:a16="http://schemas.microsoft.com/office/drawing/2014/main" id="{0B198E3D-0AA6-214C-8462-70A44D4498BD}"/>
+                </a:ext>
+              </a:extLst>
+            </p:cNvPr>
+            <p:cNvPicPr>
+              <a:picLocks noChangeAspect="1"/>
+            </p:cNvPicPr>
+            <p:nvPr/>
+          </p:nvPicPr>
+          <p:blipFill>
+            <a:blip r:embed="rId3"/>
+            <a:stretch>
+              <a:fillRect/>
+            </a:stretch>
+          </p:blipFill>
+          <p:spPr>
+            <a:xfrm>
+              <a:off x="2553493" y="803838"/>
+              <a:ext cx="1805233" cy="1805233"/>
+            </a:xfrm>
+            <a:prstGeom prst="rect">
+              <a:avLst/>
+            </a:prstGeom>
+          </p:spPr>
+        </p:pic>
+        <p:pic>
+          <p:nvPicPr>
+            <p:cNvPr id="14" name="Picture 13">
+              <a:extLst>
+                <a:ext uri="{FF2B5EF4-FFF2-40B4-BE49-F238E27FC236}">
+                  <a16:creationId xmlns:a16="http://schemas.microsoft.com/office/drawing/2014/main" id="{21AE12E6-2D84-9E43-8C45-01BAF5C86EDA}"/>
+                </a:ext>
+              </a:extLst>
+            </p:cNvPr>
+            <p:cNvPicPr>
+              <a:picLocks noChangeAspect="1"/>
+            </p:cNvPicPr>
+            <p:nvPr/>
+          </p:nvPicPr>
+          <p:blipFill rotWithShape="1">
+            <a:blip r:embed="rId4"/>
+            <a:srcRect l="22202" t="19636" r="27354" b="8048"/>
+            <a:stretch/>
+          </p:blipFill>
+          <p:spPr>
+            <a:xfrm>
+              <a:off x="7497507" y="803838"/>
+              <a:ext cx="1259231" cy="1805233"/>
+            </a:xfrm>
+            <a:prstGeom prst="rect">
+              <a:avLst/>
+            </a:prstGeom>
+          </p:spPr>
+        </p:pic>
+        <p:pic>
+          <p:nvPicPr>
+            <p:cNvPr id="15" name="Picture 14">
+              <a:extLst>
+                <a:ext uri="{FF2B5EF4-FFF2-40B4-BE49-F238E27FC236}">
+                  <a16:creationId xmlns:a16="http://schemas.microsoft.com/office/drawing/2014/main" id="{BA7D6EB4-10A3-AF47-8DDA-3DD5283D6E85}"/>
+                </a:ext>
+              </a:extLst>
+            </p:cNvPr>
+            <p:cNvPicPr>
+              <a:picLocks noChangeAspect="1"/>
+            </p:cNvPicPr>
+            <p:nvPr/>
+          </p:nvPicPr>
+          <p:blipFill rotWithShape="1">
+            <a:blip r:embed="rId5"/>
+            <a:srcRect l="14252" t="15105" r="19796"/>
+            <a:stretch/>
+          </p:blipFill>
+          <p:spPr>
+            <a:xfrm>
+              <a:off x="4977335" y="4139198"/>
+              <a:ext cx="1664513" cy="2142605"/>
+            </a:xfrm>
+            <a:prstGeom prst="rect">
+              <a:avLst/>
+            </a:prstGeom>
+          </p:spPr>
+        </p:pic>
+      </p:grpSp>
+      <p:sp>
+        <p:nvSpPr>
+          <p:cNvPr id="16" name="Rectangle 15">
+            <a:extLst>
+              <a:ext uri="{FF2B5EF4-FFF2-40B4-BE49-F238E27FC236}">
+                <a16:creationId xmlns:a16="http://schemas.microsoft.com/office/drawing/2014/main" id="{18997943-C8C3-0B4B-A5AC-7253CE48C9F0}"/>
+              </a:ext>
+            </a:extLst>
+          </p:cNvPr>
+          <p:cNvSpPr/>
+          <p:nvPr/>
+        </p:nvSpPr>
+        <p:spPr>
+          <a:xfrm>
+            <a:off x="892482" y="2236086"/>
+            <a:ext cx="2937213" cy="1007566"/>
+          </a:xfrm>
+          <a:prstGeom prst="rect">
+            <a:avLst/>
+          </a:prstGeom>
+          <a:solidFill>
+            <a:schemeClr val="accent3">
+              <a:lumMod val="75000"/>
+            </a:schemeClr>
+          </a:solidFill>
+        </p:spPr>
+        <p:style>
+          <a:lnRef idx="2">
+            <a:schemeClr val="accent1">
+              <a:shade val="50000"/>
+            </a:schemeClr>
+          </a:lnRef>
+          <a:fillRef idx="1">
+            <a:schemeClr val="accent1"/>
+          </a:fillRef>
+          <a:effectRef idx="0">
+            <a:schemeClr val="accent1"/>
+          </a:effectRef>
+          <a:fontRef idx="minor">
+            <a:schemeClr val="lt1"/>
+          </a:fontRef>
+        </p:style>
+        <p:txBody>
+          <a:bodyPr rtlCol="0" anchor="ctr"/>
+          <a:lstStyle/>
+          <a:p>
+            <a:pPr algn="ctr"/>
+            <a:r>
+              <a:rPr lang="en-US" sz="2400" dirty="0"/>
+              <a:t>Messaging in O(</a:t>
+            </a:r>
+            <a:r>
+              <a:rPr lang="en-US" sz="2400" dirty="0" err="1"/>
+              <a:t>n^a</a:t>
+            </a:r>
+            <a:r>
+              <a:rPr lang="en-US" sz="2400" dirty="0"/>
+              <a:t>) time</a:t>
+            </a:r>
+          </a:p>
+        </p:txBody>
+      </p:sp>
+      <mc:AlternateContent xmlns:mc="http://schemas.openxmlformats.org/markup-compatibility/2006">
+        <mc:Choice xmlns:a14="http://schemas.microsoft.com/office/drawing/2010/main" Requires="a14">
+          <p:sp>
+            <p:nvSpPr>
+              <p:cNvPr id="17" name="Rectangle 16">
+                <a:extLst>
+                  <a:ext uri="{FF2B5EF4-FFF2-40B4-BE49-F238E27FC236}">
+                    <a16:creationId xmlns:a16="http://schemas.microsoft.com/office/drawing/2014/main" id="{3A923E76-036D-9C48-A9E4-CB79C7DB8B7E}"/>
+                  </a:ext>
+                </a:extLst>
+              </p:cNvPr>
+              <p:cNvSpPr/>
+              <p:nvPr/>
+            </p:nvSpPr>
+            <p:spPr>
+              <a:xfrm>
+                <a:off x="8848421" y="2229742"/>
+                <a:ext cx="2606175" cy="1013910"/>
+              </a:xfrm>
+              <a:prstGeom prst="rect">
+                <a:avLst/>
+              </a:prstGeom>
+              <a:solidFill>
+                <a:schemeClr val="accent2">
+                  <a:lumMod val="75000"/>
+                </a:schemeClr>
+              </a:solidFill>
+            </p:spPr>
+            <p:style>
+              <a:lnRef idx="2">
+                <a:schemeClr val="accent1">
+                  <a:shade val="50000"/>
+                </a:schemeClr>
+              </a:lnRef>
+              <a:fillRef idx="1">
+                <a:schemeClr val="accent1"/>
+              </a:fillRef>
+              <a:effectRef idx="0">
+                <a:schemeClr val="accent1"/>
+              </a:effectRef>
+              <a:fontRef idx="minor">
+                <a:schemeClr val="lt1"/>
+              </a:fontRef>
+            </p:style>
+            <p:txBody>
+              <a:bodyPr rtlCol="0" anchor="ctr"/>
+              <a:lstStyle/>
+              <a:p>
+                <a:pPr algn="ctr"/>
+                <a14:m>
+                  <m:oMath xmlns:m="http://schemas.openxmlformats.org/officeDocument/2006/math">
+                    <m:r>
+                      <a:rPr lang="en-US" sz="2400" i="1" dirty="0" smtClean="0">
+                        <a:latin typeface="Cambria Math" panose="02040503050406030204" pitchFamily="18" charset="0"/>
+                      </a:rPr>
+                      <m:t>𝑂</m:t>
+                    </m:r>
+                    <m:r>
+                      <a:rPr lang="en-US" sz="2400" i="1" dirty="0" smtClean="0">
+                        <a:latin typeface="Cambria Math" panose="02040503050406030204" pitchFamily="18" charset="0"/>
+                      </a:rPr>
+                      <m:t>(</m:t>
+                    </m:r>
+                    <m:sSup>
+                      <m:sSupPr>
+                        <m:ctrlPr>
+                          <a:rPr lang="en-US" sz="2400" i="1" dirty="0" err="1" smtClean="0">
+                            <a:latin typeface="Cambria Math" panose="02040503050406030204" pitchFamily="18" charset="0"/>
+                          </a:rPr>
+                        </m:ctrlPr>
+                      </m:sSupPr>
+                      <m:e>
+                        <m:r>
+                          <a:rPr lang="en-US" sz="2400" i="1" dirty="0" err="1" smtClean="0">
+                            <a:latin typeface="Cambria Math" panose="02040503050406030204" pitchFamily="18" charset="0"/>
+                          </a:rPr>
+                          <m:t>𝑛</m:t>
+                        </m:r>
+                      </m:e>
+                      <m:sup>
+                        <m:r>
+                          <a:rPr lang="en-US" sz="2400" i="1" dirty="0" err="1" smtClean="0">
+                            <a:latin typeface="Cambria Math" panose="02040503050406030204" pitchFamily="18" charset="0"/>
+                          </a:rPr>
+                          <m:t>𝑐</m:t>
+                        </m:r>
+                      </m:sup>
+                    </m:sSup>
+                    <m:r>
+                      <a:rPr lang="en-US" sz="2400" i="1" dirty="0" smtClean="0">
+                        <a:latin typeface="Cambria Math" panose="02040503050406030204" pitchFamily="18" charset="0"/>
+                      </a:rPr>
+                      <m:t>)</m:t>
+                    </m:r>
+                  </m:oMath>
+                </a14:m>
+                <a:r>
+                  <a:rPr lang="en-US" sz="2400" dirty="0"/>
+                  <a:t>-Time</a:t>
+                </a:r>
+              </a:p>
+              <a:p>
+                <a:pPr algn="ctr"/>
+                <a:r>
+                  <a:rPr lang="en-US" sz="2400" dirty="0"/>
+                  <a:t>C &gt;&gt; a</a:t>
+                </a:r>
+              </a:p>
+            </p:txBody>
+          </p:sp>
+        </mc:Choice>
+        <mc:Fallback>
+          <p:sp>
+            <p:nvSpPr>
+              <p:cNvPr id="17" name="Rectangle 16">
+                <a:extLst>
+                  <a:ext uri="{FF2B5EF4-FFF2-40B4-BE49-F238E27FC236}">
+                    <a16:creationId xmlns:a16="http://schemas.microsoft.com/office/drawing/2014/main" id="{3A923E76-036D-9C48-A9E4-CB79C7DB8B7E}"/>
+                  </a:ext>
+                </a:extLst>
+              </p:cNvPr>
+              <p:cNvSpPr>
+                <a:spLocks noRot="1" noChangeAspect="1" noMove="1" noResize="1" noEditPoints="1" noAdjustHandles="1" noChangeArrowheads="1" noChangeShapeType="1" noTextEdit="1"/>
+              </p:cNvSpPr>
+              <p:nvPr/>
+            </p:nvSpPr>
+            <p:spPr>
+              <a:xfrm>
+                <a:off x="8848421" y="2229742"/>
+                <a:ext cx="2606175" cy="1013910"/>
+              </a:xfrm>
+              <a:prstGeom prst="rect">
+                <a:avLst/>
+              </a:prstGeom>
+              <a:blipFill>
+                <a:blip r:embed="rId6"/>
+                <a:stretch>
+                  <a:fillRect b="-2469"/>
+                </a:stretch>
+              </a:blipFill>
+            </p:spPr>
+            <p:txBody>
+              <a:bodyPr/>
+              <a:lstStyle/>
+              <a:p>
+                <a:r>
+                  <a:rPr lang="en-US">
+                    <a:noFill/>
+                  </a:rPr>
+                  <a:t> </a:t>
+                </a:r>
+              </a:p>
+            </p:txBody>
+          </p:sp>
+        </mc:Fallback>
+      </mc:AlternateContent>
+      <p:sp>
+        <p:nvSpPr>
+          <p:cNvPr id="19" name="Rounded Rectangle 18">
+            <a:extLst>
+              <a:ext uri="{FF2B5EF4-FFF2-40B4-BE49-F238E27FC236}">
+                <a16:creationId xmlns:a16="http://schemas.microsoft.com/office/drawing/2014/main" id="{109EEFEF-3A7F-664C-A310-48EEE2114B01}"/>
+              </a:ext>
+            </a:extLst>
+          </p:cNvPr>
+          <p:cNvSpPr/>
+          <p:nvPr/>
+        </p:nvSpPr>
+        <p:spPr>
+          <a:xfrm>
+            <a:off x="1447222" y="324184"/>
+            <a:ext cx="10007374" cy="1053463"/>
+          </a:xfrm>
+          <a:prstGeom prst="roundRect">
+            <a:avLst/>
+          </a:prstGeom>
+          <a:solidFill>
+            <a:srgbClr val="FFDA83"/>
+          </a:solidFill>
+          <a:ln>
+            <a:noFill/>
+          </a:ln>
+        </p:spPr>
+        <p:style>
+          <a:lnRef idx="2">
+            <a:schemeClr val="accent1">
+              <a:shade val="50000"/>
+            </a:schemeClr>
+          </a:lnRef>
+          <a:fillRef idx="1">
+            <a:schemeClr val="accent1"/>
+          </a:fillRef>
+          <a:effectRef idx="0">
+            <a:schemeClr val="accent1"/>
+          </a:effectRef>
+          <a:fontRef idx="minor">
+            <a:schemeClr val="lt1"/>
+          </a:fontRef>
+        </p:style>
+        <p:txBody>
+          <a:bodyPr rtlCol="0" anchor="ctr"/>
+          <a:lstStyle/>
+          <a:p>
+            <a:r>
+              <a:rPr lang="en-US" sz="4400" dirty="0">
+                <a:solidFill>
+                  <a:schemeClr val="tx1"/>
+                </a:solidFill>
+              </a:rPr>
+              <a:t>3. Fine-Grained Cryptography</a:t>
+            </a:r>
+          </a:p>
+        </p:txBody>
+      </p:sp>
+      <p:sp>
+        <p:nvSpPr>
+          <p:cNvPr id="21" name="Rectangle 20">
+            <a:extLst>
+              <a:ext uri="{FF2B5EF4-FFF2-40B4-BE49-F238E27FC236}">
+                <a16:creationId xmlns:a16="http://schemas.microsoft.com/office/drawing/2014/main" id="{51A66527-4B61-904D-BF52-642B07FDC543}"/>
+              </a:ext>
+            </a:extLst>
+          </p:cNvPr>
+          <p:cNvSpPr/>
+          <p:nvPr/>
+        </p:nvSpPr>
+        <p:spPr>
+          <a:xfrm>
+            <a:off x="3052155" y="5539363"/>
+            <a:ext cx="2159673" cy="521615"/>
+          </a:xfrm>
+          <a:prstGeom prst="rect">
+            <a:avLst/>
+          </a:prstGeom>
+          <a:solidFill>
+            <a:schemeClr val="accent5">
+              <a:lumMod val="75000"/>
+            </a:schemeClr>
+          </a:solidFill>
+        </p:spPr>
+        <p:style>
+          <a:lnRef idx="2">
+            <a:schemeClr val="accent1">
+              <a:shade val="50000"/>
+            </a:schemeClr>
+          </a:lnRef>
+          <a:fillRef idx="1">
+            <a:schemeClr val="accent1"/>
+          </a:fillRef>
+          <a:effectRef idx="0">
+            <a:schemeClr val="accent1"/>
+          </a:effectRef>
+          <a:fontRef idx="minor">
+            <a:schemeClr val="lt1"/>
+          </a:fontRef>
+        </p:style>
+        <p:txBody>
+          <a:bodyPr rtlCol="0" anchor="ctr"/>
+          <a:lstStyle/>
+          <a:p>
+            <a:pPr algn="ctr"/>
+            <a:r>
+              <a:rPr lang="en-US" sz="2400" dirty="0"/>
+              <a:t>Messages</a:t>
+            </a:r>
+          </a:p>
+        </p:txBody>
+      </p:sp>
+    </p:spTree>
+    <p:extLst>
+      <p:ext uri="{BB962C8B-B14F-4D97-AF65-F5344CB8AC3E}">
+        <p14:creationId xmlns:p14="http://schemas.microsoft.com/office/powerpoint/2010/main" val="3742634818"/>
+      </p:ext>
+    </p:extLst>
+  </p:cSld>
+  <p:clrMapOvr>
+    <a:masterClrMapping/>
+  </p:clrMapOvr>
+</p:sld>
+</file>
+
+<file path=ppt/slides/slide32.xml><?xml version="1.0" encoding="utf-8"?>
+<p:sld xmlns:a="http://schemas.openxmlformats.org/drawingml/2006/main" xmlns:r="http://schemas.openxmlformats.org/officeDocument/2006/relationships" xmlns:p="http://schemas.openxmlformats.org/presentationml/2006/main">
+  <p:cSld>
+    <p:spTree>
+      <p:nvGrpSpPr>
+        <p:cNvPr id="1" name=""/>
+        <p:cNvGrpSpPr/>
+        <p:nvPr/>
+      </p:nvGrpSpPr>
+      <p:grpSpPr>
+        <a:xfrm>
+          <a:off x="0" y="0"/>
+          <a:ext cx="0" cy="0"/>
+          <a:chOff x="0" y="0"/>
+          <a:chExt cx="0" cy="0"/>
+        </a:xfrm>
+      </p:grpSpPr>
+      <p:sp>
+        <p:nvSpPr>
+          <p:cNvPr id="2" name="Title 1">
+            <a:extLst>
+              <a:ext uri="{FF2B5EF4-FFF2-40B4-BE49-F238E27FC236}">
+                <a16:creationId xmlns:a16="http://schemas.microsoft.com/office/drawing/2014/main" id="{259FB59D-BBB8-F240-B5BC-47B5434219C2}"/>
+              </a:ext>
+            </a:extLst>
+          </p:cNvPr>
+          <p:cNvSpPr>
+            <a:spLocks noGrp="1"/>
+          </p:cNvSpPr>
+          <p:nvPr>
+            <p:ph type="title"/>
+          </p:nvPr>
+        </p:nvSpPr>
+        <p:spPr/>
+        <p:txBody>
+          <a:bodyPr/>
+          <a:lstStyle/>
+          <a:p>
+            <a:r>
+              <a:rPr lang="en-US" dirty="0"/>
+              <a:t>Motivation</a:t>
+            </a:r>
+          </a:p>
+        </p:txBody>
+      </p:sp>
+      <p:sp>
+        <p:nvSpPr>
+          <p:cNvPr id="3" name="Content Placeholder 2">
+            <a:extLst>
+              <a:ext uri="{FF2B5EF4-FFF2-40B4-BE49-F238E27FC236}">
+                <a16:creationId xmlns:a16="http://schemas.microsoft.com/office/drawing/2014/main" id="{CAC42175-F3B9-3D4B-8FC6-00A119321E15}"/>
+              </a:ext>
+            </a:extLst>
+          </p:cNvPr>
+          <p:cNvSpPr>
+            <a:spLocks noGrp="1"/>
+          </p:cNvSpPr>
+          <p:nvPr>
+            <p:ph idx="1"/>
+          </p:nvPr>
+        </p:nvSpPr>
+        <p:spPr/>
+        <p:txBody>
+          <a:bodyPr/>
+          <a:lstStyle/>
+          <a:p>
+            <a:endParaRPr lang="en-US"/>
+          </a:p>
+        </p:txBody>
+      </p:sp>
+    </p:spTree>
+    <p:extLst>
+      <p:ext uri="{BB962C8B-B14F-4D97-AF65-F5344CB8AC3E}">
+        <p14:creationId xmlns:p14="http://schemas.microsoft.com/office/powerpoint/2010/main" val="2991373109"/>
+      </p:ext>
+    </p:extLst>
+  </p:cSld>
+  <p:clrMapOvr>
+    <a:masterClrMapping/>
+  </p:clrMapOvr>
+</p:sld>
+</file>
+
+<file path=ppt/slides/slide33.xml><?xml version="1.0" encoding="utf-8"?>
+<p:sld xmlns:a="http://schemas.openxmlformats.org/drawingml/2006/main" xmlns:r="http://schemas.openxmlformats.org/officeDocument/2006/relationships" xmlns:p="http://schemas.openxmlformats.org/presentationml/2006/main">
+  <p:cSld>
+    <p:spTree>
+      <p:nvGrpSpPr>
+        <p:cNvPr id="1" name=""/>
+        <p:cNvGrpSpPr/>
+        <p:nvPr/>
+      </p:nvGrpSpPr>
+      <p:grpSpPr>
+        <a:xfrm>
+          <a:off x="0" y="0"/>
+          <a:ext cx="0" cy="0"/>
+          <a:chOff x="0" y="0"/>
+          <a:chExt cx="0" cy="0"/>
+        </a:xfrm>
+      </p:grpSpPr>
+      <p:sp>
+        <p:nvSpPr>
+          <p:cNvPr id="2" name="Title 1">
+            <a:extLst>
+              <a:ext uri="{FF2B5EF4-FFF2-40B4-BE49-F238E27FC236}">
+                <a16:creationId xmlns:a16="http://schemas.microsoft.com/office/drawing/2014/main" id="{F024C1C2-AF3F-A44D-8C3A-EF3CE4D34EBE}"/>
+              </a:ext>
+            </a:extLst>
+          </p:cNvPr>
+          <p:cNvSpPr>
+            <a:spLocks noGrp="1"/>
+          </p:cNvSpPr>
+          <p:nvPr>
+            <p:ph type="title"/>
+          </p:nvPr>
+        </p:nvSpPr>
+        <p:spPr/>
+        <p:txBody>
+          <a:bodyPr/>
+          <a:lstStyle/>
+          <a:p>
+            <a:r>
+              <a:rPr lang="en-US" dirty="0"/>
+              <a:t>FG Key Exchange</a:t>
+            </a:r>
+          </a:p>
+        </p:txBody>
+      </p:sp>
+      <p:sp>
+        <p:nvSpPr>
+          <p:cNvPr id="3" name="Content Placeholder 2">
+            <a:extLst>
+              <a:ext uri="{FF2B5EF4-FFF2-40B4-BE49-F238E27FC236}">
+                <a16:creationId xmlns:a16="http://schemas.microsoft.com/office/drawing/2014/main" id="{3C86D4D1-1CE5-C743-BD90-6F4757936887}"/>
+              </a:ext>
+            </a:extLst>
+          </p:cNvPr>
+          <p:cNvSpPr>
+            <a:spLocks noGrp="1"/>
+          </p:cNvSpPr>
+          <p:nvPr>
+            <p:ph idx="1"/>
+          </p:nvPr>
+        </p:nvSpPr>
+        <p:spPr/>
+        <p:txBody>
+          <a:bodyPr/>
+          <a:lstStyle/>
+          <a:p>
+            <a:r>
+              <a:rPr lang="en-US" dirty="0"/>
+              <a:t>Go in detail</a:t>
+            </a:r>
+          </a:p>
+        </p:txBody>
+      </p:sp>
+    </p:spTree>
+    <p:extLst>
+      <p:ext uri="{BB962C8B-B14F-4D97-AF65-F5344CB8AC3E}">
+        <p14:creationId xmlns:p14="http://schemas.microsoft.com/office/powerpoint/2010/main" val="3133621304"/>
+      </p:ext>
+    </p:extLst>
+  </p:cSld>
+  <p:clrMapOvr>
+    <a:masterClrMapping/>
+  </p:clrMapOvr>
+</p:sld>
+</file>
+
+<file path=ppt/slides/slide34.xml><?xml version="1.0" encoding="utf-8"?>
+<p:sld xmlns:a="http://schemas.openxmlformats.org/drawingml/2006/main" xmlns:r="http://schemas.openxmlformats.org/officeDocument/2006/relationships" xmlns:p="http://schemas.openxmlformats.org/presentationml/2006/main">
+  <p:cSld>
+    <p:spTree>
+      <p:nvGrpSpPr>
+        <p:cNvPr id="1" name=""/>
+        <p:cNvGrpSpPr/>
+        <p:nvPr/>
+      </p:nvGrpSpPr>
+      <p:grpSpPr>
+        <a:xfrm>
+          <a:off x="0" y="0"/>
+          <a:ext cx="0" cy="0"/>
+          <a:chOff x="0" y="0"/>
+          <a:chExt cx="0" cy="0"/>
+        </a:xfrm>
+      </p:grpSpPr>
+      <p:sp>
+        <p:nvSpPr>
+          <p:cNvPr id="2" name="Title 1">
+            <a:extLst>
+              <a:ext uri="{FF2B5EF4-FFF2-40B4-BE49-F238E27FC236}">
+                <a16:creationId xmlns:a16="http://schemas.microsoft.com/office/drawing/2014/main" id="{9DF2CF2C-CF4F-AB41-9874-C6D46BF7E680}"/>
+              </a:ext>
+            </a:extLst>
+          </p:cNvPr>
+          <p:cNvSpPr>
+            <a:spLocks noGrp="1"/>
+          </p:cNvSpPr>
+          <p:nvPr>
+            <p:ph type="title"/>
+          </p:nvPr>
+        </p:nvSpPr>
+        <p:spPr/>
+        <p:txBody>
+          <a:bodyPr/>
+          <a:lstStyle/>
+          <a:p>
+            <a:r>
+              <a:rPr lang="en-US" dirty="0"/>
+              <a:t>OWFs + HC Bits</a:t>
+            </a:r>
+          </a:p>
+        </p:txBody>
+      </p:sp>
+      <p:sp>
+        <p:nvSpPr>
+          <p:cNvPr id="3" name="Content Placeholder 2">
+            <a:extLst>
+              <a:ext uri="{FF2B5EF4-FFF2-40B4-BE49-F238E27FC236}">
+                <a16:creationId xmlns:a16="http://schemas.microsoft.com/office/drawing/2014/main" id="{C6BE2C14-2253-AA45-B058-0F166D15F25D}"/>
+              </a:ext>
+            </a:extLst>
+          </p:cNvPr>
+          <p:cNvSpPr>
+            <a:spLocks noGrp="1"/>
+          </p:cNvSpPr>
+          <p:nvPr>
+            <p:ph idx="1"/>
+          </p:nvPr>
+        </p:nvSpPr>
+        <p:spPr/>
+        <p:txBody>
+          <a:bodyPr/>
+          <a:lstStyle/>
+          <a:p>
+            <a:r>
+              <a:rPr lang="en-US" dirty="0"/>
+              <a:t>Summary</a:t>
+            </a:r>
+          </a:p>
+        </p:txBody>
+      </p:sp>
+    </p:spTree>
+    <p:extLst>
+      <p:ext uri="{BB962C8B-B14F-4D97-AF65-F5344CB8AC3E}">
+        <p14:creationId xmlns:p14="http://schemas.microsoft.com/office/powerpoint/2010/main" val="657097509"/>
+      </p:ext>
+    </p:extLst>
+  </p:cSld>
+  <p:clrMapOvr>
+    <a:masterClrMapping/>
+  </p:clrMapOvr>
+</p:sld>
+</file>
+
+<file path=ppt/slides/slide35.xml><?xml version="1.0" encoding="utf-8"?>
+<p:sld xmlns:a="http://schemas.openxmlformats.org/drawingml/2006/main" xmlns:r="http://schemas.openxmlformats.org/officeDocument/2006/relationships" xmlns:p="http://schemas.openxmlformats.org/presentationml/2006/main">
+  <p:cSld>
+    <p:spTree>
+      <p:nvGrpSpPr>
+        <p:cNvPr id="1" name=""/>
+        <p:cNvGrpSpPr/>
+        <p:nvPr/>
+      </p:nvGrpSpPr>
+      <p:grpSpPr>
+        <a:xfrm>
+          <a:off x="0" y="0"/>
+          <a:ext cx="0" cy="0"/>
+          <a:chOff x="0" y="0"/>
+          <a:chExt cx="0" cy="0"/>
+        </a:xfrm>
+      </p:grpSpPr>
+      <p:sp>
+        <p:nvSpPr>
+          <p:cNvPr id="2" name="Title 1">
+            <a:extLst>
+              <a:ext uri="{FF2B5EF4-FFF2-40B4-BE49-F238E27FC236}">
+                <a16:creationId xmlns:a16="http://schemas.microsoft.com/office/drawing/2014/main" id="{3BEC3094-A81D-3044-9ED8-51360E39B6B7}"/>
+              </a:ext>
+            </a:extLst>
+          </p:cNvPr>
+          <p:cNvSpPr>
+            <a:spLocks noGrp="1"/>
+          </p:cNvSpPr>
+          <p:nvPr>
+            <p:ph type="title"/>
+          </p:nvPr>
+        </p:nvSpPr>
+        <p:spPr/>
+        <p:txBody>
+          <a:bodyPr/>
+          <a:lstStyle/>
+          <a:p>
+            <a:r>
+              <a:rPr lang="en-US" dirty="0"/>
+              <a:t>FG Crypto Summary of results</a:t>
+            </a:r>
+          </a:p>
+        </p:txBody>
+      </p:sp>
+      <p:sp>
+        <p:nvSpPr>
+          <p:cNvPr id="3" name="Content Placeholder 2">
+            <a:extLst>
+              <a:ext uri="{FF2B5EF4-FFF2-40B4-BE49-F238E27FC236}">
+                <a16:creationId xmlns:a16="http://schemas.microsoft.com/office/drawing/2014/main" id="{3EB8141B-F630-A047-8957-23CAE6D7EB57}"/>
+              </a:ext>
+            </a:extLst>
+          </p:cNvPr>
+          <p:cNvSpPr>
+            <a:spLocks noGrp="1"/>
+          </p:cNvSpPr>
+          <p:nvPr>
+            <p:ph idx="1"/>
+          </p:nvPr>
+        </p:nvSpPr>
+        <p:spPr/>
+        <p:txBody>
+          <a:bodyPr/>
+          <a:lstStyle/>
+          <a:p>
+            <a:endParaRPr lang="en-US"/>
+          </a:p>
+        </p:txBody>
+      </p:sp>
+    </p:spTree>
+    <p:extLst>
+      <p:ext uri="{BB962C8B-B14F-4D97-AF65-F5344CB8AC3E}">
+        <p14:creationId xmlns:p14="http://schemas.microsoft.com/office/powerpoint/2010/main" val="852995392"/>
+      </p:ext>
+    </p:extLst>
+  </p:cSld>
+  <p:clrMapOvr>
+    <a:masterClrMapping/>
+  </p:clrMapOvr>
+</p:sld>
+</file>
+
+<file path=ppt/slides/slide36.xml><?xml version="1.0" encoding="utf-8"?>
+<p:sld xmlns:a="http://schemas.openxmlformats.org/drawingml/2006/main" xmlns:r="http://schemas.openxmlformats.org/officeDocument/2006/relationships" xmlns:p="http://schemas.openxmlformats.org/presentationml/2006/main">
+  <p:cSld>
+    <p:spTree>
+      <p:nvGrpSpPr>
+        <p:cNvPr id="1" name=""/>
+        <p:cNvGrpSpPr/>
+        <p:nvPr/>
+      </p:nvGrpSpPr>
+      <p:grpSpPr>
+        <a:xfrm>
+          <a:off x="0" y="0"/>
+          <a:ext cx="0" cy="0"/>
+          <a:chOff x="0" y="0"/>
+          <a:chExt cx="0" cy="0"/>
+        </a:xfrm>
+      </p:grpSpPr>
+      <p:grpSp>
+        <p:nvGrpSpPr>
+          <p:cNvPr id="4" name="Group 3">
+            <a:extLst>
+              <a:ext uri="{FF2B5EF4-FFF2-40B4-BE49-F238E27FC236}">
+                <a16:creationId xmlns:a16="http://schemas.microsoft.com/office/drawing/2014/main" id="{503C9D90-4F79-C241-A930-CBE8D52756E3}"/>
+              </a:ext>
+            </a:extLst>
+          </p:cNvPr>
+          <p:cNvGrpSpPr/>
+          <p:nvPr/>
+        </p:nvGrpSpPr>
+        <p:grpSpPr>
+          <a:xfrm>
+            <a:off x="7219078" y="1770522"/>
+            <a:ext cx="4581874" cy="3928969"/>
+            <a:chOff x="2071914" y="226697"/>
+            <a:chExt cx="7518775" cy="6447370"/>
+          </a:xfrm>
+        </p:grpSpPr>
+        <p:sp>
+          <p:nvSpPr>
+            <p:cNvPr id="5" name="Oval 4">
+              <a:extLst>
+                <a:ext uri="{FF2B5EF4-FFF2-40B4-BE49-F238E27FC236}">
+                  <a16:creationId xmlns:a16="http://schemas.microsoft.com/office/drawing/2014/main" id="{79DE37C6-E0C6-3649-9669-1A5E52BD2567}"/>
+                </a:ext>
+              </a:extLst>
+            </p:cNvPr>
+            <p:cNvSpPr/>
+            <p:nvPr/>
+          </p:nvSpPr>
+          <p:spPr>
+            <a:xfrm>
+              <a:off x="2071914" y="229634"/>
+              <a:ext cx="2927131" cy="2927131"/>
+            </a:xfrm>
+            <a:prstGeom prst="ellipse">
+              <a:avLst/>
+            </a:prstGeom>
+            <a:solidFill>
+              <a:schemeClr val="accent3">
+                <a:lumMod val="40000"/>
+                <a:lumOff val="60000"/>
+              </a:schemeClr>
+            </a:solidFill>
+            <a:ln w="76200">
+              <a:solidFill>
+                <a:schemeClr val="accent3">
+                  <a:lumMod val="75000"/>
+                </a:schemeClr>
+              </a:solidFill>
+            </a:ln>
+          </p:spPr>
+          <p:style>
+            <a:lnRef idx="2">
+              <a:schemeClr val="accent1">
+                <a:shade val="50000"/>
+              </a:schemeClr>
+            </a:lnRef>
+            <a:fillRef idx="1">
+              <a:schemeClr val="accent1"/>
+            </a:fillRef>
+            <a:effectRef idx="0">
+              <a:schemeClr val="accent1"/>
+            </a:effectRef>
+            <a:fontRef idx="minor">
+              <a:schemeClr val="lt1"/>
+            </a:fontRef>
+          </p:style>
+          <p:txBody>
+            <a:bodyPr rtlCol="0" anchor="ctr"/>
+            <a:lstStyle/>
+            <a:p>
+              <a:pPr algn="ctr"/>
+              <a:endParaRPr lang="en-US" sz="2400" dirty="0"/>
+            </a:p>
+          </p:txBody>
+        </p:sp>
+        <p:sp>
+          <p:nvSpPr>
+            <p:cNvPr id="6" name="Oval 5">
+              <a:extLst>
+                <a:ext uri="{FF2B5EF4-FFF2-40B4-BE49-F238E27FC236}">
+                  <a16:creationId xmlns:a16="http://schemas.microsoft.com/office/drawing/2014/main" id="{C31C705A-6A22-C446-80E3-2E483885D88B}"/>
+                </a:ext>
+              </a:extLst>
+            </p:cNvPr>
+            <p:cNvSpPr/>
+            <p:nvPr/>
+          </p:nvSpPr>
+          <p:spPr>
+            <a:xfrm>
+              <a:off x="6663558" y="226697"/>
+              <a:ext cx="2927131" cy="2927131"/>
+            </a:xfrm>
+            <a:prstGeom prst="ellipse">
+              <a:avLst/>
+            </a:prstGeom>
+            <a:solidFill>
+              <a:schemeClr val="accent2">
+                <a:lumMod val="40000"/>
+                <a:lumOff val="60000"/>
+              </a:schemeClr>
+            </a:solidFill>
+            <a:ln w="76200">
+              <a:solidFill>
+                <a:schemeClr val="accent2">
+                  <a:lumMod val="75000"/>
+                </a:schemeClr>
+              </a:solidFill>
+            </a:ln>
+          </p:spPr>
+          <p:style>
+            <a:lnRef idx="2">
+              <a:schemeClr val="accent1">
+                <a:shade val="50000"/>
+              </a:schemeClr>
+            </a:lnRef>
+            <a:fillRef idx="1">
+              <a:schemeClr val="accent1"/>
+            </a:fillRef>
+            <a:effectRef idx="0">
+              <a:schemeClr val="accent1"/>
+            </a:effectRef>
+            <a:fontRef idx="minor">
+              <a:schemeClr val="lt1"/>
+            </a:fontRef>
+          </p:style>
+          <p:txBody>
+            <a:bodyPr rtlCol="0" anchor="ctr"/>
+            <a:lstStyle/>
+            <a:p>
+              <a:pPr algn="ctr"/>
+              <a:endParaRPr lang="en-US" sz="2400" dirty="0"/>
+            </a:p>
+          </p:txBody>
+        </p:sp>
+        <p:sp>
+          <p:nvSpPr>
+            <p:cNvPr id="7" name="Oval 6">
+              <a:extLst>
+                <a:ext uri="{FF2B5EF4-FFF2-40B4-BE49-F238E27FC236}">
+                  <a16:creationId xmlns:a16="http://schemas.microsoft.com/office/drawing/2014/main" id="{FF84F79F-CCBD-874E-B10A-FEF0AB033C24}"/>
+                </a:ext>
+              </a:extLst>
+            </p:cNvPr>
+            <p:cNvSpPr/>
+            <p:nvPr/>
+          </p:nvSpPr>
+          <p:spPr>
+            <a:xfrm>
+              <a:off x="4346027" y="3746936"/>
+              <a:ext cx="2927131" cy="2927131"/>
+            </a:xfrm>
+            <a:prstGeom prst="ellipse">
+              <a:avLst/>
+            </a:prstGeom>
+            <a:solidFill>
+              <a:schemeClr val="accent1">
+                <a:lumMod val="40000"/>
+                <a:lumOff val="60000"/>
+              </a:schemeClr>
+            </a:solidFill>
+            <a:ln w="76200">
+              <a:solidFill>
+                <a:schemeClr val="accent1">
+                  <a:lumMod val="75000"/>
+                </a:schemeClr>
+              </a:solidFill>
+            </a:ln>
+          </p:spPr>
+          <p:style>
+            <a:lnRef idx="2">
+              <a:schemeClr val="accent1">
+                <a:shade val="50000"/>
+              </a:schemeClr>
+            </a:lnRef>
+            <a:fillRef idx="1">
+              <a:schemeClr val="accent1"/>
+            </a:fillRef>
+            <a:effectRef idx="0">
+              <a:schemeClr val="accent1"/>
+            </a:effectRef>
+            <a:fontRef idx="minor">
+              <a:schemeClr val="lt1"/>
+            </a:fontRef>
+          </p:style>
+          <p:txBody>
+            <a:bodyPr rtlCol="0" anchor="ctr"/>
+            <a:lstStyle/>
+            <a:p>
+              <a:pPr algn="ctr"/>
+              <a:endParaRPr lang="en-US" sz="2400" dirty="0"/>
+            </a:p>
+          </p:txBody>
+        </p:sp>
+        <p:cxnSp>
+          <p:nvCxnSpPr>
+            <p:cNvPr id="8" name="Straight Connector 7">
+              <a:extLst>
+                <a:ext uri="{FF2B5EF4-FFF2-40B4-BE49-F238E27FC236}">
+                  <a16:creationId xmlns:a16="http://schemas.microsoft.com/office/drawing/2014/main" id="{5EA9E42B-D53F-904A-8429-904F6AA94001}"/>
+                </a:ext>
+              </a:extLst>
+            </p:cNvPr>
+            <p:cNvCxnSpPr>
+              <a:cxnSpLocks/>
+              <a:stCxn id="5" idx="5"/>
+            </p:cNvCxnSpPr>
+            <p:nvPr/>
+          </p:nvCxnSpPr>
+          <p:spPr>
+            <a:xfrm>
+              <a:off x="4570377" y="2728097"/>
+              <a:ext cx="1198873" cy="463955"/>
+            </a:xfrm>
+            <a:prstGeom prst="line">
+              <a:avLst/>
+            </a:prstGeom>
+            <a:ln w="76200">
+              <a:solidFill>
+                <a:schemeClr val="accent3">
+                  <a:lumMod val="75000"/>
+                </a:schemeClr>
+              </a:solidFill>
+            </a:ln>
+          </p:spPr>
+          <p:style>
+            <a:lnRef idx="1">
+              <a:schemeClr val="accent1"/>
+            </a:lnRef>
+            <a:fillRef idx="0">
+              <a:schemeClr val="accent1"/>
+            </a:fillRef>
+            <a:effectRef idx="0">
+              <a:schemeClr val="accent1"/>
+            </a:effectRef>
+            <a:fontRef idx="minor">
+              <a:schemeClr val="tx1"/>
+            </a:fontRef>
+          </p:style>
+        </p:cxnSp>
+        <p:cxnSp>
+          <p:nvCxnSpPr>
+            <p:cNvPr id="9" name="Straight Connector 8">
+              <a:extLst>
+                <a:ext uri="{FF2B5EF4-FFF2-40B4-BE49-F238E27FC236}">
+                  <a16:creationId xmlns:a16="http://schemas.microsoft.com/office/drawing/2014/main" id="{571A8C23-D8A6-E346-B2B4-529F806A7D1E}"/>
+                </a:ext>
+              </a:extLst>
+            </p:cNvPr>
+            <p:cNvCxnSpPr>
+              <a:cxnSpLocks/>
+              <a:endCxn id="6" idx="3"/>
+            </p:cNvCxnSpPr>
+            <p:nvPr/>
+          </p:nvCxnSpPr>
+          <p:spPr>
+            <a:xfrm flipV="1">
+              <a:off x="5809592" y="2725160"/>
+              <a:ext cx="1282634" cy="428668"/>
+            </a:xfrm>
+            <a:prstGeom prst="line">
+              <a:avLst/>
+            </a:prstGeom>
+            <a:ln w="76200">
+              <a:solidFill>
+                <a:schemeClr val="accent2">
+                  <a:lumMod val="75000"/>
+                </a:schemeClr>
+              </a:solidFill>
+            </a:ln>
+          </p:spPr>
+          <p:style>
+            <a:lnRef idx="1">
+              <a:schemeClr val="accent1"/>
+            </a:lnRef>
+            <a:fillRef idx="0">
+              <a:schemeClr val="accent1"/>
+            </a:fillRef>
+            <a:effectRef idx="0">
+              <a:schemeClr val="accent1"/>
+            </a:effectRef>
+            <a:fontRef idx="minor">
+              <a:schemeClr val="tx1"/>
+            </a:fontRef>
+          </p:style>
+        </p:cxnSp>
+        <p:cxnSp>
+          <p:nvCxnSpPr>
+            <p:cNvPr id="10" name="Straight Connector 9">
+              <a:extLst>
+                <a:ext uri="{FF2B5EF4-FFF2-40B4-BE49-F238E27FC236}">
+                  <a16:creationId xmlns:a16="http://schemas.microsoft.com/office/drawing/2014/main" id="{A032409A-F27E-1248-A99D-B85DCE116E63}"/>
+                </a:ext>
+              </a:extLst>
+            </p:cNvPr>
+            <p:cNvCxnSpPr>
+              <a:cxnSpLocks/>
+              <a:endCxn id="7" idx="0"/>
+            </p:cNvCxnSpPr>
+            <p:nvPr/>
+          </p:nvCxnSpPr>
+          <p:spPr>
+            <a:xfrm>
+              <a:off x="5809593" y="3153828"/>
+              <a:ext cx="0" cy="593108"/>
+            </a:xfrm>
+            <a:prstGeom prst="line">
+              <a:avLst/>
+            </a:prstGeom>
+            <a:ln w="76200">
+              <a:solidFill>
+                <a:schemeClr val="accent1">
+                  <a:lumMod val="75000"/>
+                </a:schemeClr>
+              </a:solidFill>
+            </a:ln>
+          </p:spPr>
+          <p:style>
+            <a:lnRef idx="1">
+              <a:schemeClr val="accent1"/>
+            </a:lnRef>
+            <a:fillRef idx="0">
+              <a:schemeClr val="accent1"/>
+            </a:fillRef>
+            <a:effectRef idx="0">
+              <a:schemeClr val="accent1"/>
+            </a:effectRef>
+            <a:fontRef idx="minor">
+              <a:schemeClr val="tx1"/>
+            </a:fontRef>
+          </p:style>
+        </p:cxnSp>
+        <p:pic>
+          <p:nvPicPr>
+            <p:cNvPr id="11" name="Picture 10">
+              <a:extLst>
+                <a:ext uri="{FF2B5EF4-FFF2-40B4-BE49-F238E27FC236}">
+                  <a16:creationId xmlns:a16="http://schemas.microsoft.com/office/drawing/2014/main" id="{21269A00-32DA-7D4B-B90A-2D06B4E9A577}"/>
+                </a:ext>
+              </a:extLst>
+            </p:cNvPr>
+            <p:cNvPicPr>
+              <a:picLocks noChangeAspect="1"/>
+            </p:cNvPicPr>
+            <p:nvPr/>
+          </p:nvPicPr>
+          <p:blipFill>
+            <a:blip r:embed="rId2"/>
+            <a:stretch>
+              <a:fillRect/>
+            </a:stretch>
+          </p:blipFill>
+          <p:spPr>
+            <a:xfrm>
+              <a:off x="2553493" y="803838"/>
+              <a:ext cx="1805233" cy="1805233"/>
+            </a:xfrm>
+            <a:prstGeom prst="rect">
+              <a:avLst/>
+            </a:prstGeom>
+          </p:spPr>
+        </p:pic>
+        <p:pic>
+          <p:nvPicPr>
+            <p:cNvPr id="12" name="Picture 11">
+              <a:extLst>
+                <a:ext uri="{FF2B5EF4-FFF2-40B4-BE49-F238E27FC236}">
+                  <a16:creationId xmlns:a16="http://schemas.microsoft.com/office/drawing/2014/main" id="{85C69CB7-E670-5B45-B042-CA04212F3663}"/>
+                </a:ext>
+              </a:extLst>
+            </p:cNvPr>
+            <p:cNvPicPr>
+              <a:picLocks noChangeAspect="1"/>
+            </p:cNvPicPr>
+            <p:nvPr/>
+          </p:nvPicPr>
+          <p:blipFill rotWithShape="1">
+            <a:blip r:embed="rId3"/>
+            <a:srcRect l="22202" t="19636" r="27354" b="8048"/>
+            <a:stretch/>
+          </p:blipFill>
+          <p:spPr>
+            <a:xfrm>
+              <a:off x="7497508" y="803838"/>
+              <a:ext cx="1259231" cy="1805233"/>
+            </a:xfrm>
+            <a:prstGeom prst="rect">
+              <a:avLst/>
+            </a:prstGeom>
+          </p:spPr>
+        </p:pic>
+        <p:pic>
+          <p:nvPicPr>
+            <p:cNvPr id="13" name="Picture 12">
+              <a:extLst>
+                <a:ext uri="{FF2B5EF4-FFF2-40B4-BE49-F238E27FC236}">
+                  <a16:creationId xmlns:a16="http://schemas.microsoft.com/office/drawing/2014/main" id="{8232721B-42D0-8A4F-9EF0-95740C979EC8}"/>
+                </a:ext>
+              </a:extLst>
+            </p:cNvPr>
+            <p:cNvPicPr>
+              <a:picLocks noChangeAspect="1"/>
+            </p:cNvPicPr>
+            <p:nvPr/>
+          </p:nvPicPr>
+          <p:blipFill rotWithShape="1">
+            <a:blip r:embed="rId4"/>
+            <a:srcRect l="14252" t="15105" r="19796"/>
+            <a:stretch/>
+          </p:blipFill>
+          <p:spPr>
+            <a:xfrm>
+              <a:off x="4977335" y="4139198"/>
+              <a:ext cx="1664513" cy="2142605"/>
+            </a:xfrm>
+            <a:prstGeom prst="rect">
+              <a:avLst/>
+            </a:prstGeom>
+          </p:spPr>
+        </p:pic>
+      </p:grpSp>
+      <p:sp>
+        <p:nvSpPr>
+          <p:cNvPr id="24" name="Rounded Rectangle 23">
+            <a:extLst>
+              <a:ext uri="{FF2B5EF4-FFF2-40B4-BE49-F238E27FC236}">
+                <a16:creationId xmlns:a16="http://schemas.microsoft.com/office/drawing/2014/main" id="{BECC6FD2-C907-6946-9734-1EF94FCE8464}"/>
+              </a:ext>
+            </a:extLst>
+          </p:cNvPr>
+          <p:cNvSpPr/>
+          <p:nvPr/>
+        </p:nvSpPr>
+        <p:spPr>
+          <a:xfrm>
+            <a:off x="320177" y="1405467"/>
+            <a:ext cx="5933702" cy="1132120"/>
+          </a:xfrm>
+          <a:prstGeom prst="roundRect">
+            <a:avLst/>
+          </a:prstGeom>
+          <a:solidFill>
+            <a:srgbClr val="FFDA83"/>
+          </a:solidFill>
+          <a:ln>
+            <a:noFill/>
+          </a:ln>
+        </p:spPr>
+        <p:style>
+          <a:lnRef idx="2">
+            <a:schemeClr val="accent1">
+              <a:shade val="50000"/>
+            </a:schemeClr>
+          </a:lnRef>
+          <a:fillRef idx="1">
+            <a:schemeClr val="accent1"/>
+          </a:fillRef>
+          <a:effectRef idx="0">
+            <a:schemeClr val="accent1"/>
+          </a:effectRef>
+          <a:fontRef idx="minor">
+            <a:schemeClr val="lt1"/>
+          </a:fontRef>
+        </p:style>
+        <p:txBody>
+          <a:bodyPr rtlCol="0" anchor="ctr"/>
+          <a:lstStyle/>
+          <a:p>
+            <a:r>
+              <a:rPr lang="en-US" sz="3200" dirty="0">
+                <a:solidFill>
+                  <a:schemeClr val="tx1"/>
+                </a:solidFill>
+              </a:rPr>
+              <a:t>1. Topology-Hiding Computation</a:t>
+            </a:r>
+          </a:p>
+        </p:txBody>
+      </p:sp>
+      <p:sp>
+        <p:nvSpPr>
+          <p:cNvPr id="25" name="Rounded Rectangle 24">
+            <a:extLst>
+              <a:ext uri="{FF2B5EF4-FFF2-40B4-BE49-F238E27FC236}">
+                <a16:creationId xmlns:a16="http://schemas.microsoft.com/office/drawing/2014/main" id="{897A3E20-4176-FD41-9129-1671D5D0BF35}"/>
+              </a:ext>
+            </a:extLst>
+          </p:cNvPr>
+          <p:cNvSpPr/>
+          <p:nvPr/>
+        </p:nvSpPr>
+        <p:spPr>
+          <a:xfrm>
+            <a:off x="320177" y="3168947"/>
+            <a:ext cx="6825164" cy="1132120"/>
+          </a:xfrm>
+          <a:prstGeom prst="roundRect">
+            <a:avLst/>
+          </a:prstGeom>
+          <a:solidFill>
+            <a:srgbClr val="FFDA83"/>
+          </a:solidFill>
+          <a:ln>
+            <a:noFill/>
+          </a:ln>
+        </p:spPr>
+        <p:style>
+          <a:lnRef idx="2">
+            <a:schemeClr val="accent1">
+              <a:shade val="50000"/>
+            </a:schemeClr>
+          </a:lnRef>
+          <a:fillRef idx="1">
+            <a:schemeClr val="accent1"/>
+          </a:fillRef>
+          <a:effectRef idx="0">
+            <a:schemeClr val="accent1"/>
+          </a:effectRef>
+          <a:fontRef idx="minor">
+            <a:schemeClr val="lt1"/>
+          </a:fontRef>
+        </p:style>
+        <p:txBody>
+          <a:bodyPr rtlCol="0" anchor="ctr"/>
+          <a:lstStyle/>
+          <a:p>
+            <a:r>
+              <a:rPr lang="en-US" sz="3200" dirty="0">
+                <a:solidFill>
+                  <a:schemeClr val="tx1"/>
+                </a:solidFill>
+              </a:rPr>
+              <a:t>2. Robust Property Preserving Hashing</a:t>
+            </a:r>
+          </a:p>
+        </p:txBody>
+      </p:sp>
+      <p:sp>
+        <p:nvSpPr>
+          <p:cNvPr id="26" name="Rounded Rectangle 25">
+            <a:extLst>
+              <a:ext uri="{FF2B5EF4-FFF2-40B4-BE49-F238E27FC236}">
+                <a16:creationId xmlns:a16="http://schemas.microsoft.com/office/drawing/2014/main" id="{4048E347-1EF5-CA47-BFDC-2DC186FF0614}"/>
+              </a:ext>
+            </a:extLst>
+          </p:cNvPr>
+          <p:cNvSpPr/>
+          <p:nvPr/>
+        </p:nvSpPr>
+        <p:spPr>
+          <a:xfrm>
+            <a:off x="320177" y="4932427"/>
+            <a:ext cx="5318623" cy="1132120"/>
+          </a:xfrm>
+          <a:prstGeom prst="roundRect">
+            <a:avLst/>
+          </a:prstGeom>
+          <a:solidFill>
+            <a:srgbClr val="FFDA83"/>
+          </a:solidFill>
+          <a:ln>
+            <a:noFill/>
+          </a:ln>
+        </p:spPr>
+        <p:style>
+          <a:lnRef idx="2">
+            <a:schemeClr val="accent1">
+              <a:shade val="50000"/>
+            </a:schemeClr>
+          </a:lnRef>
+          <a:fillRef idx="1">
+            <a:schemeClr val="accent1"/>
+          </a:fillRef>
+          <a:effectRef idx="0">
+            <a:schemeClr val="accent1"/>
+          </a:effectRef>
+          <a:fontRef idx="minor">
+            <a:schemeClr val="lt1"/>
+          </a:fontRef>
+        </p:style>
+        <p:txBody>
+          <a:bodyPr rtlCol="0" anchor="ctr"/>
+          <a:lstStyle/>
+          <a:p>
+            <a:r>
+              <a:rPr lang="en-US" sz="3200" dirty="0">
+                <a:solidFill>
+                  <a:schemeClr val="tx1"/>
+                </a:solidFill>
+              </a:rPr>
+              <a:t>3. Fine-Grained Cryptography</a:t>
+            </a:r>
+          </a:p>
+        </p:txBody>
+      </p:sp>
+      <p:sp>
+        <p:nvSpPr>
+          <p:cNvPr id="27" name="Rounded Rectangle 26">
+            <a:extLst>
+              <a:ext uri="{FF2B5EF4-FFF2-40B4-BE49-F238E27FC236}">
+                <a16:creationId xmlns:a16="http://schemas.microsoft.com/office/drawing/2014/main" id="{9775870E-86F2-1C4E-A9EF-3033CFE850D5}"/>
+              </a:ext>
+            </a:extLst>
+          </p:cNvPr>
+          <p:cNvSpPr/>
+          <p:nvPr/>
+        </p:nvSpPr>
+        <p:spPr>
+          <a:xfrm>
+            <a:off x="3216766" y="127269"/>
+            <a:ext cx="5933702" cy="837931"/>
+          </a:xfrm>
+          <a:prstGeom prst="roundRect">
+            <a:avLst/>
+          </a:prstGeom>
+          <a:solidFill>
+            <a:srgbClr val="FFDA83"/>
+          </a:solidFill>
+          <a:ln>
+            <a:noFill/>
+          </a:ln>
+        </p:spPr>
+        <p:style>
+          <a:lnRef idx="2">
+            <a:schemeClr val="accent1">
+              <a:shade val="50000"/>
+            </a:schemeClr>
+          </a:lnRef>
+          <a:fillRef idx="1">
+            <a:schemeClr val="accent1"/>
+          </a:fillRef>
+          <a:effectRef idx="0">
+            <a:schemeClr val="accent1"/>
+          </a:effectRef>
+          <a:fontRef idx="minor">
+            <a:schemeClr val="lt1"/>
+          </a:fontRef>
+        </p:style>
+        <p:txBody>
+          <a:bodyPr rtlCol="0" anchor="ctr"/>
+          <a:lstStyle/>
+          <a:p>
+            <a:pPr algn="ctr"/>
+            <a:r>
+              <a:rPr lang="en-US" sz="4400" dirty="0">
+                <a:solidFill>
+                  <a:schemeClr val="tx1"/>
+                </a:solidFill>
+              </a:rPr>
+              <a:t>Summary</a:t>
+            </a:r>
+          </a:p>
+        </p:txBody>
+      </p:sp>
+    </p:spTree>
+    <p:extLst>
+      <p:ext uri="{BB962C8B-B14F-4D97-AF65-F5344CB8AC3E}">
+        <p14:creationId xmlns:p14="http://schemas.microsoft.com/office/powerpoint/2010/main" val="2038006349"/>
+      </p:ext>
+    </p:extLst>
+  </p:cSld>
+  <p:clrMapOvr>
+    <a:masterClrMapping/>
+  </p:clrMapOvr>
+</p:sld>
+</file>
+
+<file path=ppt/slides/slide37.xml><?xml version="1.0" encoding="utf-8"?>
+<p:sld xmlns:a="http://schemas.openxmlformats.org/drawingml/2006/main" xmlns:r="http://schemas.openxmlformats.org/officeDocument/2006/relationships" xmlns:p="http://schemas.openxmlformats.org/presentationml/2006/main">
+  <p:cSld>
+    <p:spTree>
+      <p:nvGrpSpPr>
+        <p:cNvPr id="1" name=""/>
+        <p:cNvGrpSpPr/>
+        <p:nvPr/>
+      </p:nvGrpSpPr>
+      <p:grpSpPr>
+        <a:xfrm>
+          <a:off x="0" y="0"/>
+          <a:ext cx="0" cy="0"/>
+          <a:chOff x="0" y="0"/>
+          <a:chExt cx="0" cy="0"/>
+        </a:xfrm>
+      </p:grpSpPr>
+      <p:sp>
+        <p:nvSpPr>
+          <p:cNvPr id="2" name="Title 1">
+            <a:extLst>
+              <a:ext uri="{FF2B5EF4-FFF2-40B4-BE49-F238E27FC236}">
+                <a16:creationId xmlns:a16="http://schemas.microsoft.com/office/drawing/2014/main" id="{871EBC8A-2A7B-594E-BDD7-4C321F6E0934}"/>
+              </a:ext>
+            </a:extLst>
+          </p:cNvPr>
+          <p:cNvSpPr>
+            <a:spLocks noGrp="1"/>
+          </p:cNvSpPr>
+          <p:nvPr>
+            <p:ph type="title"/>
+          </p:nvPr>
+        </p:nvSpPr>
+        <p:spPr/>
+        <p:txBody>
+          <a:bodyPr/>
+          <a:lstStyle/>
+          <a:p>
+            <a:r>
+              <a:rPr lang="en-US" dirty="0"/>
+              <a:t>Acknowledgements</a:t>
+            </a:r>
+          </a:p>
+        </p:txBody>
+      </p:sp>
+      <p:sp>
+        <p:nvSpPr>
+          <p:cNvPr id="3" name="Content Placeholder 2">
+            <a:extLst>
+              <a:ext uri="{FF2B5EF4-FFF2-40B4-BE49-F238E27FC236}">
+                <a16:creationId xmlns:a16="http://schemas.microsoft.com/office/drawing/2014/main" id="{7855B190-7B14-5C48-A334-339DD5F74AD6}"/>
+              </a:ext>
+            </a:extLst>
+          </p:cNvPr>
+          <p:cNvSpPr>
+            <a:spLocks noGrp="1"/>
+          </p:cNvSpPr>
+          <p:nvPr>
+            <p:ph idx="1"/>
+          </p:nvPr>
+        </p:nvSpPr>
+        <p:spPr/>
+        <p:txBody>
+          <a:bodyPr/>
+          <a:lstStyle/>
+          <a:p>
+            <a:endParaRPr lang="en-US"/>
+          </a:p>
+        </p:txBody>
+      </p:sp>
+    </p:spTree>
+    <p:extLst>
+      <p:ext uri="{BB962C8B-B14F-4D97-AF65-F5344CB8AC3E}">
+        <p14:creationId xmlns:p14="http://schemas.microsoft.com/office/powerpoint/2010/main" val="2268603163"/>
+      </p:ext>
+    </p:extLst>
+  </p:cSld>
+  <p:clrMapOvr>
+    <a:masterClrMapping/>
+  </p:clrMapOvr>
+</p:sld>
+</file>
+
 <file path=ppt/slides/slide4.xml><?xml version="1.0" encoding="utf-8"?>
 <p:sld xmlns:a="http://schemas.openxmlformats.org/drawingml/2006/main" xmlns:r="http://schemas.openxmlformats.org/officeDocument/2006/relationships" xmlns:p="http://schemas.openxmlformats.org/presentationml/2006/main">
   <p:cSld>
@@ -11609,7 +15332,7 @@
             <a:avLst/>
           </a:prstGeom>
           <a:solidFill>
-            <a:schemeClr val="accent4">
+            <a:schemeClr val="accent3">
               <a:lumMod val="75000"/>
             </a:schemeClr>
           </a:solidFill>
@@ -11663,7 +15386,7 @@
             <a:avLst/>
           </a:prstGeom>
           <a:solidFill>
-            <a:schemeClr val="accent4">
+            <a:schemeClr val="accent3">
               <a:lumMod val="75000"/>
             </a:schemeClr>
           </a:solidFill>
@@ -11717,7 +15440,7 @@
             <a:avLst/>
           </a:prstGeom>
           <a:solidFill>
-            <a:schemeClr val="accent4">
+            <a:schemeClr val="accent3">
               <a:lumMod val="75000"/>
             </a:schemeClr>
           </a:solidFill>
@@ -11771,9 +15494,8 @@
             <a:avLst/>
           </a:prstGeom>
           <a:solidFill>
-            <a:schemeClr val="accent6">
-              <a:lumMod val="60000"/>
-              <a:lumOff val="40000"/>
+            <a:schemeClr val="accent2">
+              <a:lumMod val="75000"/>
             </a:schemeClr>
           </a:solidFill>
         </p:spPr>
@@ -11826,9 +15548,8 @@
             <a:avLst/>
           </a:prstGeom>
           <a:solidFill>
-            <a:schemeClr val="accent6">
-              <a:lumMod val="60000"/>
-              <a:lumOff val="40000"/>
+            <a:schemeClr val="accent2">
+              <a:lumMod val="75000"/>
             </a:schemeClr>
           </a:solidFill>
         </p:spPr>
@@ -11881,9 +15602,8 @@
             <a:avLst/>
           </a:prstGeom>
           <a:solidFill>
-            <a:schemeClr val="accent6">
-              <a:lumMod val="60000"/>
-              <a:lumOff val="40000"/>
+            <a:schemeClr val="accent2">
+              <a:lumMod val="75000"/>
             </a:schemeClr>
           </a:solidFill>
         </p:spPr>
@@ -11936,9 +15656,8 @@
             <a:avLst/>
           </a:prstGeom>
           <a:solidFill>
-            <a:schemeClr val="accent5">
-              <a:lumMod val="60000"/>
-              <a:lumOff val="40000"/>
+            <a:schemeClr val="accent1">
+              <a:lumMod val="75000"/>
             </a:schemeClr>
           </a:solidFill>
         </p:spPr>
@@ -11991,9 +15710,8 @@
             <a:avLst/>
           </a:prstGeom>
           <a:solidFill>
-            <a:schemeClr val="accent5">
-              <a:lumMod val="60000"/>
-              <a:lumOff val="40000"/>
+            <a:schemeClr val="accent1">
+              <a:lumMod val="75000"/>
             </a:schemeClr>
           </a:solidFill>
         </p:spPr>
@@ -12046,9 +15764,8 @@
             <a:avLst/>
           </a:prstGeom>
           <a:solidFill>
-            <a:schemeClr val="accent5">
-              <a:lumMod val="60000"/>
-              <a:lumOff val="40000"/>
+            <a:schemeClr val="accent1">
+              <a:lumMod val="75000"/>
             </a:schemeClr>
           </a:solidFill>
         </p:spPr>
@@ -12565,7 +16282,7 @@
             <a:avLst/>
           </a:prstGeom>
           <a:solidFill>
-            <a:schemeClr val="accent4">
+            <a:schemeClr val="accent3">
               <a:lumMod val="75000"/>
             </a:schemeClr>
           </a:solidFill>
@@ -12619,7 +16336,7 @@
             <a:avLst/>
           </a:prstGeom>
           <a:solidFill>
-            <a:schemeClr val="accent4">
+            <a:schemeClr val="accent3">
               <a:lumMod val="75000"/>
             </a:schemeClr>
           </a:solidFill>
@@ -12673,7 +16390,7 @@
             <a:avLst/>
           </a:prstGeom>
           <a:solidFill>
-            <a:schemeClr val="accent4">
+            <a:schemeClr val="accent3">
               <a:lumMod val="75000"/>
             </a:schemeClr>
           </a:solidFill>
@@ -12727,9 +16444,8 @@
             <a:avLst/>
           </a:prstGeom>
           <a:solidFill>
-            <a:schemeClr val="accent6">
-              <a:lumMod val="60000"/>
-              <a:lumOff val="40000"/>
+            <a:schemeClr val="accent2">
+              <a:lumMod val="75000"/>
             </a:schemeClr>
           </a:solidFill>
         </p:spPr>
@@ -12782,9 +16498,8 @@
             <a:avLst/>
           </a:prstGeom>
           <a:solidFill>
-            <a:schemeClr val="accent6">
-              <a:lumMod val="60000"/>
-              <a:lumOff val="40000"/>
+            <a:schemeClr val="accent2">
+              <a:lumMod val="75000"/>
             </a:schemeClr>
           </a:solidFill>
         </p:spPr>
@@ -12837,9 +16552,8 @@
             <a:avLst/>
           </a:prstGeom>
           <a:solidFill>
-            <a:schemeClr val="accent6">
-              <a:lumMod val="60000"/>
-              <a:lumOff val="40000"/>
+            <a:schemeClr val="accent2">
+              <a:lumMod val="75000"/>
             </a:schemeClr>
           </a:solidFill>
         </p:spPr>
@@ -13160,7 +16874,7 @@
         </p:nvSpPr>
         <p:spPr>
           <a:xfrm>
-            <a:off x="304800" y="-1867"/>
+            <a:off x="237329" y="133815"/>
             <a:ext cx="9493623" cy="6629400"/>
           </a:xfrm>
           <a:prstGeom prst="rect">
@@ -13946,9 +17660,8 @@
             <a:avLst/>
           </a:prstGeom>
           <a:solidFill>
-            <a:schemeClr val="accent6">
-              <a:lumMod val="60000"/>
-              <a:lumOff val="40000"/>
+            <a:schemeClr val="accent2">
+              <a:lumMod val="75000"/>
             </a:schemeClr>
           </a:solidFill>
         </p:spPr>
@@ -14001,9 +17714,8 @@
             <a:avLst/>
           </a:prstGeom>
           <a:solidFill>
-            <a:schemeClr val="accent6">
-              <a:lumMod val="60000"/>
-              <a:lumOff val="40000"/>
+            <a:schemeClr val="accent2">
+              <a:lumMod val="75000"/>
             </a:schemeClr>
           </a:solidFill>
         </p:spPr>
@@ -14056,9 +17768,8 @@
             <a:avLst/>
           </a:prstGeom>
           <a:solidFill>
-            <a:schemeClr val="accent6">
-              <a:lumMod val="60000"/>
-              <a:lumOff val="40000"/>
+            <a:schemeClr val="accent2">
+              <a:lumMod val="75000"/>
             </a:schemeClr>
           </a:solidFill>
         </p:spPr>
@@ -14111,9 +17822,8 @@
             <a:avLst/>
           </a:prstGeom>
           <a:solidFill>
-            <a:schemeClr val="accent5">
-              <a:lumMod val="60000"/>
-              <a:lumOff val="40000"/>
+            <a:schemeClr val="accent1">
+              <a:lumMod val="75000"/>
             </a:schemeClr>
           </a:solidFill>
         </p:spPr>
@@ -14166,9 +17876,8 @@
             <a:avLst/>
           </a:prstGeom>
           <a:solidFill>
-            <a:schemeClr val="accent5">
-              <a:lumMod val="60000"/>
-              <a:lumOff val="40000"/>
+            <a:schemeClr val="accent1">
+              <a:lumMod val="75000"/>
             </a:schemeClr>
           </a:solidFill>
         </p:spPr>
@@ -14221,9 +17930,8 @@
             <a:avLst/>
           </a:prstGeom>
           <a:solidFill>
-            <a:schemeClr val="accent5">
-              <a:lumMod val="60000"/>
-              <a:lumOff val="40000"/>
+            <a:schemeClr val="accent1">
+              <a:lumMod val="75000"/>
             </a:schemeClr>
           </a:solidFill>
         </p:spPr>
@@ -14893,7 +18601,7 @@
             <a:avLst/>
           </a:prstGeom>
           <a:solidFill>
-            <a:schemeClr val="accent4">
+            <a:schemeClr val="accent3">
               <a:lumMod val="75000"/>
             </a:schemeClr>
           </a:solidFill>
@@ -14947,7 +18655,7 @@
             <a:avLst/>
           </a:prstGeom>
           <a:solidFill>
-            <a:schemeClr val="accent4">
+            <a:schemeClr val="accent3">
               <a:lumMod val="75000"/>
             </a:schemeClr>
           </a:solidFill>
@@ -15001,7 +18709,7 @@
             <a:avLst/>
           </a:prstGeom>
           <a:solidFill>
-            <a:schemeClr val="accent4">
+            <a:schemeClr val="accent3">
               <a:lumMod val="75000"/>
             </a:schemeClr>
           </a:solidFill>
@@ -15220,9 +18928,8 @@
             <a:avLst/>
           </a:prstGeom>
           <a:solidFill>
-            <a:schemeClr val="accent5">
-              <a:lumMod val="60000"/>
-              <a:lumOff val="40000"/>
+            <a:schemeClr val="accent1">
+              <a:lumMod val="75000"/>
             </a:schemeClr>
           </a:solidFill>
         </p:spPr>
@@ -15275,9 +18982,8 @@
             <a:avLst/>
           </a:prstGeom>
           <a:solidFill>
-            <a:schemeClr val="accent5">
-              <a:lumMod val="60000"/>
-              <a:lumOff val="40000"/>
+            <a:schemeClr val="accent1">
+              <a:lumMod val="75000"/>
             </a:schemeClr>
           </a:solidFill>
         </p:spPr>
@@ -15330,9 +19036,8 @@
             <a:avLst/>
           </a:prstGeom>
           <a:solidFill>
-            <a:schemeClr val="accent5">
-              <a:lumMod val="60000"/>
-              <a:lumOff val="40000"/>
+            <a:schemeClr val="accent1">
+              <a:lumMod val="75000"/>
             </a:schemeClr>
           </a:solidFill>
         </p:spPr>
@@ -15908,7 +19613,7 @@
             <p:nvPr/>
           </p:nvPicPr>
           <p:blipFill>
-            <a:blip r:embed="rId2"/>
+            <a:blip r:embed="rId3"/>
             <a:stretch>
               <a:fillRect/>
             </a:stretch>
@@ -15938,7 +19643,7 @@
             <p:nvPr/>
           </p:nvPicPr>
           <p:blipFill rotWithShape="1">
-            <a:blip r:embed="rId3"/>
+            <a:blip r:embed="rId4"/>
             <a:srcRect l="22202" t="19636" r="27354" b="8048"/>
             <a:stretch/>
           </p:blipFill>
@@ -15967,7 +19672,7 @@
             <p:nvPr/>
           </p:nvPicPr>
           <p:blipFill rotWithShape="1">
-            <a:blip r:embed="rId4"/>
+            <a:blip r:embed="rId5"/>
             <a:srcRect l="14252" t="15105" r="19796"/>
             <a:stretch/>
           </p:blipFill>
@@ -16711,8 +20416,7 @@
           </a:prstGeom>
           <a:solidFill>
             <a:schemeClr val="accent3">
-              <a:lumMod val="60000"/>
-              <a:lumOff val="40000"/>
+              <a:lumMod val="75000"/>
             </a:schemeClr>
           </a:solidFill>
         </p:spPr>
@@ -16766,8 +20470,7 @@
           </a:prstGeom>
           <a:solidFill>
             <a:schemeClr val="accent2">
-              <a:lumMod val="60000"/>
-              <a:lumOff val="40000"/>
+              <a:lumMod val="75000"/>
             </a:schemeClr>
           </a:solidFill>
         </p:spPr>
@@ -16821,8 +20524,7 @@
           </a:prstGeom>
           <a:solidFill>
             <a:schemeClr val="accent1">
-              <a:lumMod val="60000"/>
-              <a:lumOff val="40000"/>
+              <a:lumMod val="75000"/>
             </a:schemeClr>
           </a:solidFill>
         </p:spPr>
@@ -16876,8 +20578,7 @@
           </a:prstGeom>
           <a:solidFill>
             <a:schemeClr val="accent2">
-              <a:lumMod val="60000"/>
-              <a:lumOff val="40000"/>
+              <a:lumMod val="75000"/>
             </a:schemeClr>
           </a:solidFill>
         </p:spPr>
@@ -17181,4 +20882,299 @@
     </a:ext>
   </a:extLst>
 </a:theme>
+</file>
+
+<file path=ppt/theme/theme2.xml><?xml version="1.0" encoding="utf-8"?>
+<a:theme xmlns:a="http://schemas.openxmlformats.org/drawingml/2006/main" name="Office Theme">
+  <a:themeElements>
+    <a:clrScheme name="Office">
+      <a:dk1>
+        <a:sysClr val="windowText" lastClr="000000"/>
+      </a:dk1>
+      <a:lt1>
+        <a:sysClr val="window" lastClr="FFFFFF"/>
+      </a:lt1>
+      <a:dk2>
+        <a:srgbClr val="44546A"/>
+      </a:dk2>
+      <a:lt2>
+        <a:srgbClr val="E7E6E6"/>
+      </a:lt2>
+      <a:accent1>
+        <a:srgbClr val="4472C4"/>
+      </a:accent1>
+      <a:accent2>
+        <a:srgbClr val="ED7D31"/>
+      </a:accent2>
+      <a:accent3>
+        <a:srgbClr val="A5A5A5"/>
+      </a:accent3>
+      <a:accent4>
+        <a:srgbClr val="FFC000"/>
+      </a:accent4>
+      <a:accent5>
+        <a:srgbClr val="5B9BD5"/>
+      </a:accent5>
+      <a:accent6>
+        <a:srgbClr val="70AD47"/>
+      </a:accent6>
+      <a:hlink>
+        <a:srgbClr val="0563C1"/>
+      </a:hlink>
+      <a:folHlink>
+        <a:srgbClr val="954F72"/>
+      </a:folHlink>
+    </a:clrScheme>
+    <a:fontScheme name="Office">
+      <a:majorFont>
+        <a:latin typeface="Calibri Light" panose="020F0302020204030204"/>
+        <a:ea typeface=""/>
+        <a:cs typeface=""/>
+        <a:font script="Jpan" typeface="游ゴシック Light"/>
+        <a:font script="Hang" typeface="맑은 고딕"/>
+        <a:font script="Hans" typeface="等线 Light"/>
+        <a:font script="Hant" typeface="新細明體"/>
+        <a:font script="Arab" typeface="Times New Roman"/>
+        <a:font script="Hebr" typeface="Times New Roman"/>
+        <a:font script="Thai" typeface="Angsana New"/>
+        <a:font script="Ethi" typeface="Nyala"/>
+        <a:font script="Beng" typeface="Vrinda"/>
+        <a:font script="Gujr" typeface="Shruti"/>
+        <a:font script="Khmr" typeface="MoolBoran"/>
+        <a:font script="Knda" typeface="Tunga"/>
+        <a:font script="Guru" typeface="Raavi"/>
+        <a:font script="Cans" typeface="Euphemia"/>
+        <a:font script="Cher" typeface="Plantagenet Cherokee"/>
+        <a:font script="Yiii" typeface="Microsoft Yi Baiti"/>
+        <a:font script="Tibt" typeface="Microsoft Himalaya"/>
+        <a:font script="Thaa" typeface="MV Boli"/>
+        <a:font script="Deva" typeface="Mangal"/>
+        <a:font script="Telu" typeface="Gautami"/>
+        <a:font script="Taml" typeface="Latha"/>
+        <a:font script="Syrc" typeface="Estrangelo Edessa"/>
+        <a:font script="Orya" typeface="Kalinga"/>
+        <a:font script="Mlym" typeface="Kartika"/>
+        <a:font script="Laoo" typeface="DokChampa"/>
+        <a:font script="Sinh" typeface="Iskoola Pota"/>
+        <a:font script="Mong" typeface="Mongolian Baiti"/>
+        <a:font script="Viet" typeface="Times New Roman"/>
+        <a:font script="Uigh" typeface="Microsoft Uighur"/>
+        <a:font script="Geor" typeface="Sylfaen"/>
+        <a:font script="Armn" typeface="Arial"/>
+        <a:font script="Bugi" typeface="Leelawadee UI"/>
+        <a:font script="Bopo" typeface="Microsoft JhengHei"/>
+        <a:font script="Java" typeface="Javanese Text"/>
+        <a:font script="Lisu" typeface="Segoe UI"/>
+        <a:font script="Mymr" typeface="Myanmar Text"/>
+        <a:font script="Nkoo" typeface="Ebrima"/>
+        <a:font script="Olck" typeface="Nirmala UI"/>
+        <a:font script="Osma" typeface="Ebrima"/>
+        <a:font script="Phag" typeface="Phagspa"/>
+        <a:font script="Syrn" typeface="Estrangelo Edessa"/>
+        <a:font script="Syrj" typeface="Estrangelo Edessa"/>
+        <a:font script="Syre" typeface="Estrangelo Edessa"/>
+        <a:font script="Sora" typeface="Nirmala UI"/>
+        <a:font script="Tale" typeface="Microsoft Tai Le"/>
+        <a:font script="Talu" typeface="Microsoft New Tai Lue"/>
+        <a:font script="Tfng" typeface="Ebrima"/>
+      </a:majorFont>
+      <a:minorFont>
+        <a:latin typeface="Calibri" panose="020F0502020204030204"/>
+        <a:ea typeface=""/>
+        <a:cs typeface=""/>
+        <a:font script="Jpan" typeface="游ゴシック"/>
+        <a:font script="Hang" typeface="맑은 고딕"/>
+        <a:font script="Hans" typeface="等线"/>
+        <a:font script="Hant" typeface="新細明體"/>
+        <a:font script="Arab" typeface="Arial"/>
+        <a:font script="Hebr" typeface="Arial"/>
+        <a:font script="Thai" typeface="Cordia New"/>
+        <a:font script="Ethi" typeface="Nyala"/>
+        <a:font script="Beng" typeface="Vrinda"/>
+        <a:font script="Gujr" typeface="Shruti"/>
+        <a:font script="Khmr" typeface="DaunPenh"/>
+        <a:font script="Knda" typeface="Tunga"/>
+        <a:font script="Guru" typeface="Raavi"/>
+        <a:font script="Cans" typeface="Euphemia"/>
+        <a:font script="Cher" typeface="Plantagenet Cherokee"/>
+        <a:font script="Yiii" typeface="Microsoft Yi Baiti"/>
+        <a:font script="Tibt" typeface="Microsoft Himalaya"/>
+        <a:font script="Thaa" typeface="MV Boli"/>
+        <a:font script="Deva" typeface="Mangal"/>
+        <a:font script="Telu" typeface="Gautami"/>
+        <a:font script="Taml" typeface="Latha"/>
+        <a:font script="Syrc" typeface="Estrangelo Edessa"/>
+        <a:font script="Orya" typeface="Kalinga"/>
+        <a:font script="Mlym" typeface="Kartika"/>
+        <a:font script="Laoo" typeface="DokChampa"/>
+        <a:font script="Sinh" typeface="Iskoola Pota"/>
+        <a:font script="Mong" typeface="Mongolian Baiti"/>
+        <a:font script="Viet" typeface="Arial"/>
+        <a:font script="Uigh" typeface="Microsoft Uighur"/>
+        <a:font script="Geor" typeface="Sylfaen"/>
+        <a:font script="Armn" typeface="Arial"/>
+        <a:font script="Bugi" typeface="Leelawadee UI"/>
+        <a:font script="Bopo" typeface="Microsoft JhengHei"/>
+        <a:font script="Java" typeface="Javanese Text"/>
+        <a:font script="Lisu" typeface="Segoe UI"/>
+        <a:font script="Mymr" typeface="Myanmar Text"/>
+        <a:font script="Nkoo" typeface="Ebrima"/>
+        <a:font script="Olck" typeface="Nirmala UI"/>
+        <a:font script="Osma" typeface="Ebrima"/>
+        <a:font script="Phag" typeface="Phagspa"/>
+        <a:font script="Syrn" typeface="Estrangelo Edessa"/>
+        <a:font script="Syrj" typeface="Estrangelo Edessa"/>
+        <a:font script="Syre" typeface="Estrangelo Edessa"/>
+        <a:font script="Sora" typeface="Nirmala UI"/>
+        <a:font script="Tale" typeface="Microsoft Tai Le"/>
+        <a:font script="Talu" typeface="Microsoft New Tai Lue"/>
+        <a:font script="Tfng" typeface="Ebrima"/>
+      </a:minorFont>
+    </a:fontScheme>
+    <a:fmtScheme name="Office">
+      <a:fillStyleLst>
+        <a:solidFill>
+          <a:schemeClr val="phClr"/>
+        </a:solidFill>
+        <a:gradFill rotWithShape="1">
+          <a:gsLst>
+            <a:gs pos="0">
+              <a:schemeClr val="phClr">
+                <a:lumMod val="110000"/>
+                <a:satMod val="105000"/>
+                <a:tint val="67000"/>
+              </a:schemeClr>
+            </a:gs>
+            <a:gs pos="50000">
+              <a:schemeClr val="phClr">
+                <a:lumMod val="105000"/>
+                <a:satMod val="103000"/>
+                <a:tint val="73000"/>
+              </a:schemeClr>
+            </a:gs>
+            <a:gs pos="100000">
+              <a:schemeClr val="phClr">
+                <a:lumMod val="105000"/>
+                <a:satMod val="109000"/>
+                <a:tint val="81000"/>
+              </a:schemeClr>
+            </a:gs>
+          </a:gsLst>
+          <a:lin ang="5400000" scaled="0"/>
+        </a:gradFill>
+        <a:gradFill rotWithShape="1">
+          <a:gsLst>
+            <a:gs pos="0">
+              <a:schemeClr val="phClr">
+                <a:satMod val="103000"/>
+                <a:lumMod val="102000"/>
+                <a:tint val="94000"/>
+              </a:schemeClr>
+            </a:gs>
+            <a:gs pos="50000">
+              <a:schemeClr val="phClr">
+                <a:satMod val="110000"/>
+                <a:lumMod val="100000"/>
+                <a:shade val="100000"/>
+              </a:schemeClr>
+            </a:gs>
+            <a:gs pos="100000">
+              <a:schemeClr val="phClr">
+                <a:lumMod val="99000"/>
+                <a:satMod val="120000"/>
+                <a:shade val="78000"/>
+              </a:schemeClr>
+            </a:gs>
+          </a:gsLst>
+          <a:lin ang="5400000" scaled="0"/>
+        </a:gradFill>
+      </a:fillStyleLst>
+      <a:lnStyleLst>
+        <a:ln w="6350" cap="flat" cmpd="sng" algn="ctr">
+          <a:solidFill>
+            <a:schemeClr val="phClr"/>
+          </a:solidFill>
+          <a:prstDash val="solid"/>
+          <a:miter lim="800000"/>
+        </a:ln>
+        <a:ln w="12700" cap="flat" cmpd="sng" algn="ctr">
+          <a:solidFill>
+            <a:schemeClr val="phClr"/>
+          </a:solidFill>
+          <a:prstDash val="solid"/>
+          <a:miter lim="800000"/>
+        </a:ln>
+        <a:ln w="19050" cap="flat" cmpd="sng" algn="ctr">
+          <a:solidFill>
+            <a:schemeClr val="phClr"/>
+          </a:solidFill>
+          <a:prstDash val="solid"/>
+          <a:miter lim="800000"/>
+        </a:ln>
+      </a:lnStyleLst>
+      <a:effectStyleLst>
+        <a:effectStyle>
+          <a:effectLst/>
+        </a:effectStyle>
+        <a:effectStyle>
+          <a:effectLst/>
+        </a:effectStyle>
+        <a:effectStyle>
+          <a:effectLst>
+            <a:outerShdw blurRad="57150" dist="19050" dir="5400000" algn="ctr" rotWithShape="0">
+              <a:srgbClr val="000000">
+                <a:alpha val="63000"/>
+              </a:srgbClr>
+            </a:outerShdw>
+          </a:effectLst>
+        </a:effectStyle>
+      </a:effectStyleLst>
+      <a:bgFillStyleLst>
+        <a:solidFill>
+          <a:schemeClr val="phClr"/>
+        </a:solidFill>
+        <a:solidFill>
+          <a:schemeClr val="phClr">
+            <a:tint val="95000"/>
+            <a:satMod val="170000"/>
+          </a:schemeClr>
+        </a:solidFill>
+        <a:gradFill rotWithShape="1">
+          <a:gsLst>
+            <a:gs pos="0">
+              <a:schemeClr val="phClr">
+                <a:tint val="93000"/>
+                <a:satMod val="150000"/>
+                <a:shade val="98000"/>
+                <a:lumMod val="102000"/>
+              </a:schemeClr>
+            </a:gs>
+            <a:gs pos="50000">
+              <a:schemeClr val="phClr">
+                <a:tint val="98000"/>
+                <a:satMod val="130000"/>
+                <a:shade val="90000"/>
+                <a:lumMod val="103000"/>
+              </a:schemeClr>
+            </a:gs>
+            <a:gs pos="100000">
+              <a:schemeClr val="phClr">
+                <a:shade val="63000"/>
+                <a:satMod val="120000"/>
+              </a:schemeClr>
+            </a:gs>
+          </a:gsLst>
+          <a:lin ang="5400000" scaled="0"/>
+        </a:gradFill>
+      </a:bgFillStyleLst>
+    </a:fmtScheme>
+  </a:themeElements>
+  <a:objectDefaults/>
+  <a:extraClrSchemeLst/>
+  <a:extLst>
+    <a:ext uri="{05A4C25C-085E-4340-85A3-A5531E510DB2}">
+      <thm15:themeFamily xmlns:thm15="http://schemas.microsoft.com/office/thememl/2012/main" name="Office Theme" id="{62F939B6-93AF-4DB8-9C6B-D6C7DFDC589F}" vid="{4A3C46E8-61CC-4603-A589-7422A47A8E4A}"/>
+    </a:ext>
+  </a:extLst>
+</a:theme>
 </file>